--- a/Project 3 Powerpoint.pptx
+++ b/Project 3 Powerpoint.pptx
@@ -1,36 +1,40 @@
 
 <file path=ppt/presentation.xml><?xml version="1.0" encoding="utf-8"?>
-<p:presentation xmlns:a="http://schemas.openxmlformats.org/drawingml/2006/main" xmlns:r="http://schemas.openxmlformats.org/officeDocument/2006/relationships" xmlns:mc="http://schemas.openxmlformats.org/markup-compatibility/2006" xmlns:mv="urn:schemas-microsoft-com:mac:vml" xmlns:p="http://schemas.openxmlformats.org/presentationml/2006/main" xmlns:c="http://schemas.openxmlformats.org/drawingml/2006/chart" xmlns:dgm="http://schemas.openxmlformats.org/drawingml/2006/diagram" xmlns:o="urn:schemas-microsoft-com:office:office" xmlns:v="urn:schemas-microsoft-com:vml" xmlns:pvml="urn:schemas-microsoft-com:office:powerpoint" xmlns:com="http://schemas.openxmlformats.org/drawingml/2006/compatibility" xmlns:p14="http://schemas.microsoft.com/office/powerpoint/2010/main" xmlns:p15="http://schemas.microsoft.com/office/powerpoint/2012/main" xmlns:ahyp="http://schemas.microsoft.com/office/drawing/2018/hyperlinkcolor" autoCompressPictures="0" embedTrueTypeFonts="1" strictFirstAndLastChars="0" saveSubsetFonts="1">
+<p:presentation xmlns:a="http://schemas.openxmlformats.org/drawingml/2006/main" xmlns:r="http://schemas.openxmlformats.org/officeDocument/2006/relationships" xmlns:p="http://schemas.openxmlformats.org/presentationml/2006/main" strictFirstAndLastChars="0" embedTrueTypeFonts="1" saveSubsetFonts="1" autoCompressPictures="0">
   <p:sldMasterIdLst>
-    <p:sldMasterId id="2147483659" r:id="rId4"/>
+    <p:sldMasterId id="2147483659" r:id="rId1"/>
   </p:sldMasterIdLst>
   <p:notesMasterIdLst>
-    <p:notesMasterId r:id="rId5"/>
+    <p:notesMasterId r:id="rId8"/>
   </p:notesMasterIdLst>
   <p:sldIdLst>
-    <p:sldId id="256" r:id="rId6"/>
-    <p:sldId id="257" r:id="rId7"/>
+    <p:sldId id="256" r:id="rId2"/>
+    <p:sldId id="257" r:id="rId3"/>
+    <p:sldId id="258" r:id="rId4"/>
+    <p:sldId id="259" r:id="rId5"/>
+    <p:sldId id="260" r:id="rId6"/>
+    <p:sldId id="261" r:id="rId7"/>
   </p:sldIdLst>
-  <p:sldSz cy="5143500" cx="9144000"/>
+  <p:sldSz cx="9144000" cy="5143500" type="screen16x9"/>
   <p:notesSz cx="6858000" cy="9144000"/>
   <p:embeddedFontLst>
     <p:embeddedFont>
-      <p:font typeface="Raleway"/>
-      <p:regular r:id="rId8"/>
-      <p:bold r:id="rId9"/>
-      <p:italic r:id="rId10"/>
-      <p:boldItalic r:id="rId11"/>
+      <p:font typeface="Lato" panose="020F0502020204030203" pitchFamily="34" charset="0"/>
+      <p:regular r:id="rId9"/>
+      <p:bold r:id="rId10"/>
+      <p:italic r:id="rId11"/>
+      <p:boldItalic r:id="rId12"/>
     </p:embeddedFont>
     <p:embeddedFont>
-      <p:font typeface="Lato"/>
-      <p:regular r:id="rId12"/>
-      <p:bold r:id="rId13"/>
-      <p:italic r:id="rId14"/>
-      <p:boldItalic r:id="rId15"/>
+      <p:font typeface="Raleway" panose="020F0502020204030204" pitchFamily="2" charset="0"/>
+      <p:regular r:id="rId13"/>
+      <p:bold r:id="rId14"/>
+      <p:italic r:id="rId15"/>
+      <p:boldItalic r:id="rId16"/>
     </p:embeddedFont>
   </p:embeddedFontLst>
   <p:defaultTextStyle>
-    <a:defPPr lvl="0" marR="0" rtl="0" algn="l">
+    <a:defPPr marR="0" lvl="0" algn="l" rtl="0">
       <a:lnSpc>
         <a:spcPct val="100000"/>
       </a:lnSpc>
@@ -41,7 +45,7 @@
         <a:spcPts val="0"/>
       </a:spcAft>
     </a:defPPr>
-    <a:lvl1pPr lvl="0" marR="0" rtl="0" algn="l">
+    <a:lvl1pPr marR="0" lvl="0" algn="l" rtl="0">
       <a:lnSpc>
         <a:spcPct val="100000"/>
       </a:lnSpc>
@@ -55,7 +59,7 @@
         <a:srgbClr val="000000"/>
       </a:buClr>
       <a:buFont typeface="Arial"/>
-      <a:defRPr b="0" i="0" sz="1400" u="none" cap="none" strike="noStrike">
+      <a:defRPr sz="1400" b="0" i="0" u="none" strike="noStrike" cap="none">
         <a:solidFill>
           <a:srgbClr val="000000"/>
         </a:solidFill>
@@ -65,7 +69,7 @@
         <a:sym typeface="Arial"/>
       </a:defRPr>
     </a:lvl1pPr>
-    <a:lvl2pPr lvl="1" marR="0" rtl="0" algn="l">
+    <a:lvl2pPr marR="0" lvl="1" algn="l" rtl="0">
       <a:lnSpc>
         <a:spcPct val="100000"/>
       </a:lnSpc>
@@ -79,7 +83,7 @@
         <a:srgbClr val="000000"/>
       </a:buClr>
       <a:buFont typeface="Arial"/>
-      <a:defRPr b="0" i="0" sz="1400" u="none" cap="none" strike="noStrike">
+      <a:defRPr sz="1400" b="0" i="0" u="none" strike="noStrike" cap="none">
         <a:solidFill>
           <a:srgbClr val="000000"/>
         </a:solidFill>
@@ -89,7 +93,7 @@
         <a:sym typeface="Arial"/>
       </a:defRPr>
     </a:lvl2pPr>
-    <a:lvl3pPr lvl="2" marR="0" rtl="0" algn="l">
+    <a:lvl3pPr marR="0" lvl="2" algn="l" rtl="0">
       <a:lnSpc>
         <a:spcPct val="100000"/>
       </a:lnSpc>
@@ -103,7 +107,7 @@
         <a:srgbClr val="000000"/>
       </a:buClr>
       <a:buFont typeface="Arial"/>
-      <a:defRPr b="0" i="0" sz="1400" u="none" cap="none" strike="noStrike">
+      <a:defRPr sz="1400" b="0" i="0" u="none" strike="noStrike" cap="none">
         <a:solidFill>
           <a:srgbClr val="000000"/>
         </a:solidFill>
@@ -113,7 +117,7 @@
         <a:sym typeface="Arial"/>
       </a:defRPr>
     </a:lvl3pPr>
-    <a:lvl4pPr lvl="3" marR="0" rtl="0" algn="l">
+    <a:lvl4pPr marR="0" lvl="3" algn="l" rtl="0">
       <a:lnSpc>
         <a:spcPct val="100000"/>
       </a:lnSpc>
@@ -127,7 +131,7 @@
         <a:srgbClr val="000000"/>
       </a:buClr>
       <a:buFont typeface="Arial"/>
-      <a:defRPr b="0" i="0" sz="1400" u="none" cap="none" strike="noStrike">
+      <a:defRPr sz="1400" b="0" i="0" u="none" strike="noStrike" cap="none">
         <a:solidFill>
           <a:srgbClr val="000000"/>
         </a:solidFill>
@@ -137,7 +141,7 @@
         <a:sym typeface="Arial"/>
       </a:defRPr>
     </a:lvl4pPr>
-    <a:lvl5pPr lvl="4" marR="0" rtl="0" algn="l">
+    <a:lvl5pPr marR="0" lvl="4" algn="l" rtl="0">
       <a:lnSpc>
         <a:spcPct val="100000"/>
       </a:lnSpc>
@@ -151,7 +155,7 @@
         <a:srgbClr val="000000"/>
       </a:buClr>
       <a:buFont typeface="Arial"/>
-      <a:defRPr b="0" i="0" sz="1400" u="none" cap="none" strike="noStrike">
+      <a:defRPr sz="1400" b="0" i="0" u="none" strike="noStrike" cap="none">
         <a:solidFill>
           <a:srgbClr val="000000"/>
         </a:solidFill>
@@ -161,7 +165,7 @@
         <a:sym typeface="Arial"/>
       </a:defRPr>
     </a:lvl5pPr>
-    <a:lvl6pPr lvl="5" marR="0" rtl="0" algn="l">
+    <a:lvl6pPr marR="0" lvl="5" algn="l" rtl="0">
       <a:lnSpc>
         <a:spcPct val="100000"/>
       </a:lnSpc>
@@ -175,7 +179,7 @@
         <a:srgbClr val="000000"/>
       </a:buClr>
       <a:buFont typeface="Arial"/>
-      <a:defRPr b="0" i="0" sz="1400" u="none" cap="none" strike="noStrike">
+      <a:defRPr sz="1400" b="0" i="0" u="none" strike="noStrike" cap="none">
         <a:solidFill>
           <a:srgbClr val="000000"/>
         </a:solidFill>
@@ -185,7 +189,7 @@
         <a:sym typeface="Arial"/>
       </a:defRPr>
     </a:lvl6pPr>
-    <a:lvl7pPr lvl="6" marR="0" rtl="0" algn="l">
+    <a:lvl7pPr marR="0" lvl="6" algn="l" rtl="0">
       <a:lnSpc>
         <a:spcPct val="100000"/>
       </a:lnSpc>
@@ -199,7 +203,7 @@
         <a:srgbClr val="000000"/>
       </a:buClr>
       <a:buFont typeface="Arial"/>
-      <a:defRPr b="0" i="0" sz="1400" u="none" cap="none" strike="noStrike">
+      <a:defRPr sz="1400" b="0" i="0" u="none" strike="noStrike" cap="none">
         <a:solidFill>
           <a:srgbClr val="000000"/>
         </a:solidFill>
@@ -209,7 +213,7 @@
         <a:sym typeface="Arial"/>
       </a:defRPr>
     </a:lvl7pPr>
-    <a:lvl8pPr lvl="7" marR="0" rtl="0" algn="l">
+    <a:lvl8pPr marR="0" lvl="7" algn="l" rtl="0">
       <a:lnSpc>
         <a:spcPct val="100000"/>
       </a:lnSpc>
@@ -223,7 +227,7 @@
         <a:srgbClr val="000000"/>
       </a:buClr>
       <a:buFont typeface="Arial"/>
-      <a:defRPr b="0" i="0" sz="1400" u="none" cap="none" strike="noStrike">
+      <a:defRPr sz="1400" b="0" i="0" u="none" strike="noStrike" cap="none">
         <a:solidFill>
           <a:srgbClr val="000000"/>
         </a:solidFill>
@@ -233,7 +237,7 @@
         <a:sym typeface="Arial"/>
       </a:defRPr>
     </a:lvl8pPr>
-    <a:lvl9pPr lvl="8" marR="0" rtl="0" algn="l">
+    <a:lvl9pPr marR="0" lvl="8" algn="l" rtl="0">
       <a:lnSpc>
         <a:spcPct val="100000"/>
       </a:lnSpc>
@@ -247,7 +251,7 @@
         <a:srgbClr val="000000"/>
       </a:buClr>
       <a:buFont typeface="Arial"/>
-      <a:defRPr b="0" i="0" sz="1400" u="none" cap="none" strike="noStrike">
+      <a:defRPr sz="1400" b="0" i="0" u="none" strike="noStrike" cap="none">
         <a:solidFill>
           <a:srgbClr val="000000"/>
         </a:solidFill>
@@ -260,7 +264,7 @@
   </p:defaultTextStyle>
   <p:extLst>
     <p:ext uri="{EFAFB233-063F-42B5-8137-9DF3F51BA10A}">
-      <p15:sldGuideLst>
+      <p15:sldGuideLst xmlns:p15="http://schemas.microsoft.com/office/powerpoint/2012/main">
         <p15:guide id="1" orient="horz" pos="1620">
           <p15:clr>
             <a:srgbClr val="747775"/>
@@ -277,12 +281,161 @@
 </p:presentation>
 </file>
 
+<file path=ppt/changesInfos/changesInfo1.xml><?xml version="1.0" encoding="utf-8"?>
+<pc:chgInfo xmlns:a="http://schemas.openxmlformats.org/drawingml/2006/main" xmlns:r="http://schemas.openxmlformats.org/officeDocument/2006/relationships" xmlns:ac="http://schemas.microsoft.com/office/drawing/2013/main/command" xmlns:pc="http://schemas.microsoft.com/office/powerpoint/2013/main/command">
+  <pc:docChgLst>
+    <pc:chgData name="Belinda Oshomuvwe" userId="3db04a571b440ed5" providerId="LiveId" clId="{16D57864-6EAA-43A5-AC63-DDDA2A8E16AC}"/>
+    <pc:docChg chg="undo custSel addSld modSld">
+      <pc:chgData name="Belinda Oshomuvwe" userId="3db04a571b440ed5" providerId="LiveId" clId="{16D57864-6EAA-43A5-AC63-DDDA2A8E16AC}" dt="2024-02-28T19:30:52.276" v="163" actId="113"/>
+      <pc:docMkLst>
+        <pc:docMk/>
+      </pc:docMkLst>
+      <pc:sldChg chg="modSp mod">
+        <pc:chgData name="Belinda Oshomuvwe" userId="3db04a571b440ed5" providerId="LiveId" clId="{16D57864-6EAA-43A5-AC63-DDDA2A8E16AC}" dt="2024-02-28T19:29:00.139" v="155" actId="113"/>
+        <pc:sldMkLst>
+          <pc:docMk/>
+          <pc:sldMk cId="0" sldId="256"/>
+        </pc:sldMkLst>
+        <pc:spChg chg="mod">
+          <ac:chgData name="Belinda Oshomuvwe" userId="3db04a571b440ed5" providerId="LiveId" clId="{16D57864-6EAA-43A5-AC63-DDDA2A8E16AC}" dt="2024-02-28T19:29:00.139" v="155" actId="113"/>
+          <ac:spMkLst>
+            <pc:docMk/>
+            <pc:sldMk cId="0" sldId="256"/>
+            <ac:spMk id="86" creationId="{00000000-0000-0000-0000-000000000000}"/>
+          </ac:spMkLst>
+        </pc:spChg>
+      </pc:sldChg>
+      <pc:sldChg chg="modSp mod">
+        <pc:chgData name="Belinda Oshomuvwe" userId="3db04a571b440ed5" providerId="LiveId" clId="{16D57864-6EAA-43A5-AC63-DDDA2A8E16AC}" dt="2024-02-28T19:30:52.276" v="163" actId="113"/>
+        <pc:sldMkLst>
+          <pc:docMk/>
+          <pc:sldMk cId="0" sldId="257"/>
+        </pc:sldMkLst>
+        <pc:spChg chg="mod">
+          <ac:chgData name="Belinda Oshomuvwe" userId="3db04a571b440ed5" providerId="LiveId" clId="{16D57864-6EAA-43A5-AC63-DDDA2A8E16AC}" dt="2024-02-28T19:25:32.070" v="109" actId="114"/>
+          <ac:spMkLst>
+            <pc:docMk/>
+            <pc:sldMk cId="0" sldId="257"/>
+            <ac:spMk id="92" creationId="{00000000-0000-0000-0000-000000000000}"/>
+          </ac:spMkLst>
+        </pc:spChg>
+        <pc:spChg chg="mod">
+          <ac:chgData name="Belinda Oshomuvwe" userId="3db04a571b440ed5" providerId="LiveId" clId="{16D57864-6EAA-43A5-AC63-DDDA2A8E16AC}" dt="2024-02-28T19:30:52.276" v="163" actId="113"/>
+          <ac:spMkLst>
+            <pc:docMk/>
+            <pc:sldMk cId="0" sldId="257"/>
+            <ac:spMk id="93" creationId="{00000000-0000-0000-0000-000000000000}"/>
+          </ac:spMkLst>
+        </pc:spChg>
+      </pc:sldChg>
+      <pc:sldChg chg="modSp new mod">
+        <pc:chgData name="Belinda Oshomuvwe" userId="3db04a571b440ed5" providerId="LiveId" clId="{16D57864-6EAA-43A5-AC63-DDDA2A8E16AC}" dt="2024-02-28T19:30:28.262" v="159" actId="403"/>
+        <pc:sldMkLst>
+          <pc:docMk/>
+          <pc:sldMk cId="4270849327" sldId="258"/>
+        </pc:sldMkLst>
+        <pc:spChg chg="mod">
+          <ac:chgData name="Belinda Oshomuvwe" userId="3db04a571b440ed5" providerId="LiveId" clId="{16D57864-6EAA-43A5-AC63-DDDA2A8E16AC}" dt="2024-02-28T19:25:41.917" v="110" actId="114"/>
+          <ac:spMkLst>
+            <pc:docMk/>
+            <pc:sldMk cId="4270849327" sldId="258"/>
+            <ac:spMk id="2" creationId="{A6728560-4DFA-CDFA-67AD-EAF267CE43BC}"/>
+          </ac:spMkLst>
+        </pc:spChg>
+        <pc:spChg chg="mod">
+          <ac:chgData name="Belinda Oshomuvwe" userId="3db04a571b440ed5" providerId="LiveId" clId="{16D57864-6EAA-43A5-AC63-DDDA2A8E16AC}" dt="2024-02-28T19:30:28.262" v="159" actId="403"/>
+          <ac:spMkLst>
+            <pc:docMk/>
+            <pc:sldMk cId="4270849327" sldId="258"/>
+            <ac:spMk id="3" creationId="{258E45DC-4A3F-C441-C06B-16465CF510A0}"/>
+          </ac:spMkLst>
+        </pc:spChg>
+      </pc:sldChg>
+      <pc:sldChg chg="modSp new mod">
+        <pc:chgData name="Belinda Oshomuvwe" userId="3db04a571b440ed5" providerId="LiveId" clId="{16D57864-6EAA-43A5-AC63-DDDA2A8E16AC}" dt="2024-02-28T19:30:10.191" v="157" actId="27636"/>
+        <pc:sldMkLst>
+          <pc:docMk/>
+          <pc:sldMk cId="1513964697" sldId="259"/>
+        </pc:sldMkLst>
+        <pc:spChg chg="mod">
+          <ac:chgData name="Belinda Oshomuvwe" userId="3db04a571b440ed5" providerId="LiveId" clId="{16D57864-6EAA-43A5-AC63-DDDA2A8E16AC}" dt="2024-02-28T19:25:25.529" v="108" actId="114"/>
+          <ac:spMkLst>
+            <pc:docMk/>
+            <pc:sldMk cId="1513964697" sldId="259"/>
+            <ac:spMk id="2" creationId="{DEFF496B-C286-79D0-89D1-53BF282912B8}"/>
+          </ac:spMkLst>
+        </pc:spChg>
+        <pc:spChg chg="mod">
+          <ac:chgData name="Belinda Oshomuvwe" userId="3db04a571b440ed5" providerId="LiveId" clId="{16D57864-6EAA-43A5-AC63-DDDA2A8E16AC}" dt="2024-02-28T19:30:10.191" v="157" actId="27636"/>
+          <ac:spMkLst>
+            <pc:docMk/>
+            <pc:sldMk cId="1513964697" sldId="259"/>
+            <ac:spMk id="3" creationId="{F68DBC13-52DB-EF92-AEB0-51F5F5F1A515}"/>
+          </ac:spMkLst>
+        </pc:spChg>
+      </pc:sldChg>
+      <pc:sldChg chg="modSp new mod">
+        <pc:chgData name="Belinda Oshomuvwe" userId="3db04a571b440ed5" providerId="LiveId" clId="{16D57864-6EAA-43A5-AC63-DDDA2A8E16AC}" dt="2024-02-28T19:27:24.898" v="139" actId="113"/>
+        <pc:sldMkLst>
+          <pc:docMk/>
+          <pc:sldMk cId="2154016433" sldId="260"/>
+        </pc:sldMkLst>
+        <pc:spChg chg="mod">
+          <ac:chgData name="Belinda Oshomuvwe" userId="3db04a571b440ed5" providerId="LiveId" clId="{16D57864-6EAA-43A5-AC63-DDDA2A8E16AC}" dt="2024-02-28T19:26:43.354" v="119" actId="207"/>
+          <ac:spMkLst>
+            <pc:docMk/>
+            <pc:sldMk cId="2154016433" sldId="260"/>
+            <ac:spMk id="2" creationId="{C80AC834-D00E-7F2B-06D4-DD122478A982}"/>
+          </ac:spMkLst>
+        </pc:spChg>
+        <pc:spChg chg="mod">
+          <ac:chgData name="Belinda Oshomuvwe" userId="3db04a571b440ed5" providerId="LiveId" clId="{16D57864-6EAA-43A5-AC63-DDDA2A8E16AC}" dt="2024-02-28T19:27:24.898" v="139" actId="113"/>
+          <ac:spMkLst>
+            <pc:docMk/>
+            <pc:sldMk cId="2154016433" sldId="260"/>
+            <ac:spMk id="3" creationId="{00C6E6A7-CF81-F940-7725-025E270B772C}"/>
+          </ac:spMkLst>
+        </pc:spChg>
+      </pc:sldChg>
+      <pc:sldChg chg="modSp new mod">
+        <pc:chgData name="Belinda Oshomuvwe" userId="3db04a571b440ed5" providerId="LiveId" clId="{16D57864-6EAA-43A5-AC63-DDDA2A8E16AC}" dt="2024-02-28T19:28:24.041" v="152" actId="114"/>
+        <pc:sldMkLst>
+          <pc:docMk/>
+          <pc:sldMk cId="1700244137" sldId="261"/>
+        </pc:sldMkLst>
+        <pc:spChg chg="mod">
+          <ac:chgData name="Belinda Oshomuvwe" userId="3db04a571b440ed5" providerId="LiveId" clId="{16D57864-6EAA-43A5-AC63-DDDA2A8E16AC}" dt="2024-02-28T19:28:24.041" v="152" actId="114"/>
+          <ac:spMkLst>
+            <pc:docMk/>
+            <pc:sldMk cId="1700244137" sldId="261"/>
+            <ac:spMk id="2" creationId="{F5F48DB4-3360-2D99-E880-A8B494AF1A86}"/>
+          </ac:spMkLst>
+        </pc:spChg>
+        <pc:spChg chg="mod">
+          <ac:chgData name="Belinda Oshomuvwe" userId="3db04a571b440ed5" providerId="LiveId" clId="{16D57864-6EAA-43A5-AC63-DDDA2A8E16AC}" dt="2024-02-28T19:28:16.088" v="150" actId="403"/>
+          <ac:spMkLst>
+            <pc:docMk/>
+            <pc:sldMk cId="1700244137" sldId="261"/>
+            <ac:spMk id="3" creationId="{235FA3CB-C376-EBCF-148A-AC134BCAE1CC}"/>
+          </ac:spMkLst>
+        </pc:spChg>
+      </pc:sldChg>
+    </pc:docChg>
+  </pc:docChgLst>
+</pc:chgInfo>
+</file>
+
 <file path=ppt/notesMasters/notesMaster1.xml><?xml version="1.0" encoding="utf-8"?>
-<p:notesMaster xmlns:a="http://schemas.openxmlformats.org/drawingml/2006/main" xmlns:r="http://schemas.openxmlformats.org/officeDocument/2006/relationships" xmlns:mc="http://schemas.openxmlformats.org/markup-compatibility/2006" xmlns:mv="urn:schemas-microsoft-com:mac:vml" xmlns:p="http://schemas.openxmlformats.org/presentationml/2006/main" xmlns:c="http://schemas.openxmlformats.org/drawingml/2006/chart" xmlns:dgm="http://schemas.openxmlformats.org/drawingml/2006/diagram" xmlns:o="urn:schemas-microsoft-com:office:office" xmlns:v="urn:schemas-microsoft-com:vml" xmlns:pvml="urn:schemas-microsoft-com:office:powerpoint" xmlns:com="http://schemas.openxmlformats.org/drawingml/2006/compatibility" xmlns:p14="http://schemas.microsoft.com/office/powerpoint/2010/main" xmlns:p15="http://schemas.microsoft.com/office/powerpoint/2012/main" xmlns:ahyp="http://schemas.microsoft.com/office/drawing/2018/hyperlinkcolor">
+<p:notesMaster xmlns:a="http://schemas.openxmlformats.org/drawingml/2006/main" xmlns:r="http://schemas.openxmlformats.org/officeDocument/2006/relationships" xmlns:p="http://schemas.openxmlformats.org/presentationml/2006/main">
   <p:cSld>
+    <p:bg>
+      <p:bgRef idx="1001">
+        <a:schemeClr val="bg1"/>
+      </p:bgRef>
+    </p:bg>
     <p:spTree>
       <p:nvGrpSpPr>
-        <p:cNvPr id="2" name="Shape 2"/>
+        <p:cNvPr id="1" name="Shape 2"/>
         <p:cNvGrpSpPr/>
         <p:nvPr/>
       </p:nvGrpSpPr>
@@ -297,9 +450,11 @@
       <p:sp>
         <p:nvSpPr>
           <p:cNvPr id="3" name="Google Shape;3;n"/>
-          <p:cNvSpPr/>
+          <p:cNvSpPr>
+            <a:spLocks noGrp="1" noRot="1" noChangeAspect="1"/>
+          </p:cNvSpPr>
           <p:nvPr>
-            <p:ph idx="2" type="sldImg"/>
+            <p:ph type="sldImg" idx="2"/>
           </p:nvPr>
         </p:nvSpPr>
         <p:spPr>
@@ -308,9 +463,13 @@
             <a:ext cx="6096075" cy="3429000"/>
           </a:xfrm>
           <a:custGeom>
-            <a:rect b="b" l="l" r="r" t="t"/>
+            <a:avLst/>
+            <a:gdLst/>
+            <a:ahLst/>
+            <a:cxnLst/>
+            <a:rect l="l" t="t" r="r" b="b"/>
             <a:pathLst>
-              <a:path extrusionOk="0" h="120000" w="120000">
+              <a:path w="120000" h="120000" extrusionOk="0">
                 <a:moveTo>
                   <a:pt x="0" y="0"/>
                 </a:moveTo>
@@ -328,23 +487,25 @@
             </a:pathLst>
           </a:custGeom>
           <a:noFill/>
-          <a:ln cap="flat" cmpd="sng" w="9525">
+          <a:ln w="9525" cap="flat" cmpd="sng">
             <a:solidFill>
               <a:srgbClr val="000000"/>
             </a:solidFill>
             <a:prstDash val="solid"/>
             <a:round/>
-            <a:headEnd len="sm" w="sm" type="none"/>
-            <a:tailEnd len="sm" w="sm" type="none"/>
+            <a:headEnd type="none" w="sm" len="sm"/>
+            <a:tailEnd type="none" w="sm" len="sm"/>
           </a:ln>
         </p:spPr>
       </p:sp>
       <p:sp>
         <p:nvSpPr>
           <p:cNvPr id="4" name="Google Shape;4;n"/>
-          <p:cNvSpPr txBox="1"/>
+          <p:cNvSpPr txBox="1">
+            <a:spLocks noGrp="1"/>
+          </p:cNvSpPr>
           <p:nvPr>
-            <p:ph idx="1" type="body"/>
+            <p:ph type="body" idx="1"/>
           </p:nvPr>
         </p:nvSpPr>
         <p:spPr>
@@ -361,11 +522,11 @@
           </a:ln>
         </p:spPr>
         <p:txBody>
-          <a:bodyPr anchorCtr="0" anchor="t" bIns="91425" lIns="91425" spcFirstLastPara="1" rIns="91425" wrap="square" tIns="91425">
+          <a:bodyPr spcFirstLastPara="1" wrap="square" lIns="91425" tIns="91425" rIns="91425" bIns="91425" anchor="t" anchorCtr="0">
             <a:noAutofit/>
           </a:bodyPr>
           <a:lstStyle>
-            <a:lvl1pPr indent="-298450" lvl="0" marL="457200">
+            <a:lvl1pPr marL="457200" lvl="0" indent="-298450">
               <a:spcBef>
                 <a:spcPts val="0"/>
               </a:spcBef>
@@ -376,7 +537,7 @@
               <a:buChar char="●"/>
               <a:defRPr sz="1100"/>
             </a:lvl1pPr>
-            <a:lvl2pPr indent="-298450" lvl="1" marL="914400">
+            <a:lvl2pPr marL="914400" lvl="1" indent="-298450">
               <a:spcBef>
                 <a:spcPts val="0"/>
               </a:spcBef>
@@ -387,7 +548,7 @@
               <a:buChar char="○"/>
               <a:defRPr sz="1100"/>
             </a:lvl2pPr>
-            <a:lvl3pPr indent="-298450" lvl="2" marL="1371600">
+            <a:lvl3pPr marL="1371600" lvl="2" indent="-298450">
               <a:spcBef>
                 <a:spcPts val="0"/>
               </a:spcBef>
@@ -398,7 +559,7 @@
               <a:buChar char="■"/>
               <a:defRPr sz="1100"/>
             </a:lvl3pPr>
-            <a:lvl4pPr indent="-298450" lvl="3" marL="1828800">
+            <a:lvl4pPr marL="1828800" lvl="3" indent="-298450">
               <a:spcBef>
                 <a:spcPts val="0"/>
               </a:spcBef>
@@ -409,7 +570,7 @@
               <a:buChar char="●"/>
               <a:defRPr sz="1100"/>
             </a:lvl4pPr>
-            <a:lvl5pPr indent="-298450" lvl="4" marL="2286000">
+            <a:lvl5pPr marL="2286000" lvl="4" indent="-298450">
               <a:spcBef>
                 <a:spcPts val="0"/>
               </a:spcBef>
@@ -420,7 +581,7 @@
               <a:buChar char="○"/>
               <a:defRPr sz="1100"/>
             </a:lvl5pPr>
-            <a:lvl6pPr indent="-298450" lvl="5" marL="2743200">
+            <a:lvl6pPr marL="2743200" lvl="5" indent="-298450">
               <a:spcBef>
                 <a:spcPts val="0"/>
               </a:spcBef>
@@ -431,7 +592,7 @@
               <a:buChar char="■"/>
               <a:defRPr sz="1100"/>
             </a:lvl6pPr>
-            <a:lvl7pPr indent="-298450" lvl="6" marL="3200400">
+            <a:lvl7pPr marL="3200400" lvl="6" indent="-298450">
               <a:spcBef>
                 <a:spcPts val="0"/>
               </a:spcBef>
@@ -442,7 +603,7 @@
               <a:buChar char="●"/>
               <a:defRPr sz="1100"/>
             </a:lvl7pPr>
-            <a:lvl8pPr indent="-298450" lvl="7" marL="3657600">
+            <a:lvl8pPr marL="3657600" lvl="7" indent="-298450">
               <a:spcBef>
                 <a:spcPts val="0"/>
               </a:spcBef>
@@ -453,7 +614,7 @@
               <a:buChar char="○"/>
               <a:defRPr sz="1100"/>
             </a:lvl8pPr>
-            <a:lvl9pPr indent="-298450" lvl="8" marL="4114800">
+            <a:lvl9pPr marL="4114800" lvl="8" indent="-298450">
               <a:spcBef>
                 <a:spcPts val="0"/>
               </a:spcBef>
@@ -465,14 +626,16 @@
               <a:defRPr sz="1100"/>
             </a:lvl9pPr>
           </a:lstStyle>
-          <a:p/>
+          <a:p>
+            <a:endParaRPr/>
+          </a:p>
         </p:txBody>
       </p:sp>
     </p:spTree>
   </p:cSld>
-  <p:clrMap accent1="accent1" accent2="accent2" accent3="accent3" accent4="accent4" accent5="accent5" accent6="accent6" bg1="lt1" bg2="dk2" tx1="dk1" tx2="lt2" folHlink="folHlink" hlink="hlink"/>
+  <p:clrMap bg1="lt1" tx1="dk1" bg2="dk2" tx2="lt2" accent1="accent1" accent2="accent2" accent3="accent3" accent4="accent4" accent5="accent5" accent6="accent6" hlink="hlink" folHlink="folHlink"/>
   <p:notesStyle>
-    <a:defPPr lvl="0" marR="0" rtl="0" algn="l">
+    <a:defPPr marR="0" lvl="0" algn="l" rtl="0">
       <a:lnSpc>
         <a:spcPct val="100000"/>
       </a:lnSpc>
@@ -483,7 +646,7 @@
         <a:spcPts val="0"/>
       </a:spcAft>
     </a:defPPr>
-    <a:lvl1pPr lvl="0" marR="0" rtl="0" algn="l">
+    <a:lvl1pPr marR="0" lvl="0" algn="l" rtl="0">
       <a:lnSpc>
         <a:spcPct val="100000"/>
       </a:lnSpc>
@@ -497,7 +660,7 @@
         <a:srgbClr val="000000"/>
       </a:buClr>
       <a:buFont typeface="Arial"/>
-      <a:defRPr b="0" i="0" sz="1400" u="none" cap="none" strike="noStrike">
+      <a:defRPr sz="1400" b="0" i="0" u="none" strike="noStrike" cap="none">
         <a:solidFill>
           <a:srgbClr val="000000"/>
         </a:solidFill>
@@ -507,7 +670,7 @@
         <a:sym typeface="Arial"/>
       </a:defRPr>
     </a:lvl1pPr>
-    <a:lvl2pPr lvl="1" marR="0" rtl="0" algn="l">
+    <a:lvl2pPr marR="0" lvl="1" algn="l" rtl="0">
       <a:lnSpc>
         <a:spcPct val="100000"/>
       </a:lnSpc>
@@ -521,7 +684,7 @@
         <a:srgbClr val="000000"/>
       </a:buClr>
       <a:buFont typeface="Arial"/>
-      <a:defRPr b="0" i="0" sz="1400" u="none" cap="none" strike="noStrike">
+      <a:defRPr sz="1400" b="0" i="0" u="none" strike="noStrike" cap="none">
         <a:solidFill>
           <a:srgbClr val="000000"/>
         </a:solidFill>
@@ -531,7 +694,7 @@
         <a:sym typeface="Arial"/>
       </a:defRPr>
     </a:lvl2pPr>
-    <a:lvl3pPr lvl="2" marR="0" rtl="0" algn="l">
+    <a:lvl3pPr marR="0" lvl="2" algn="l" rtl="0">
       <a:lnSpc>
         <a:spcPct val="100000"/>
       </a:lnSpc>
@@ -545,7 +708,7 @@
         <a:srgbClr val="000000"/>
       </a:buClr>
       <a:buFont typeface="Arial"/>
-      <a:defRPr b="0" i="0" sz="1400" u="none" cap="none" strike="noStrike">
+      <a:defRPr sz="1400" b="0" i="0" u="none" strike="noStrike" cap="none">
         <a:solidFill>
           <a:srgbClr val="000000"/>
         </a:solidFill>
@@ -555,7 +718,7 @@
         <a:sym typeface="Arial"/>
       </a:defRPr>
     </a:lvl3pPr>
-    <a:lvl4pPr lvl="3" marR="0" rtl="0" algn="l">
+    <a:lvl4pPr marR="0" lvl="3" algn="l" rtl="0">
       <a:lnSpc>
         <a:spcPct val="100000"/>
       </a:lnSpc>
@@ -569,7 +732,7 @@
         <a:srgbClr val="000000"/>
       </a:buClr>
       <a:buFont typeface="Arial"/>
-      <a:defRPr b="0" i="0" sz="1400" u="none" cap="none" strike="noStrike">
+      <a:defRPr sz="1400" b="0" i="0" u="none" strike="noStrike" cap="none">
         <a:solidFill>
           <a:srgbClr val="000000"/>
         </a:solidFill>
@@ -579,7 +742,7 @@
         <a:sym typeface="Arial"/>
       </a:defRPr>
     </a:lvl4pPr>
-    <a:lvl5pPr lvl="4" marR="0" rtl="0" algn="l">
+    <a:lvl5pPr marR="0" lvl="4" algn="l" rtl="0">
       <a:lnSpc>
         <a:spcPct val="100000"/>
       </a:lnSpc>
@@ -593,7 +756,7 @@
         <a:srgbClr val="000000"/>
       </a:buClr>
       <a:buFont typeface="Arial"/>
-      <a:defRPr b="0" i="0" sz="1400" u="none" cap="none" strike="noStrike">
+      <a:defRPr sz="1400" b="0" i="0" u="none" strike="noStrike" cap="none">
         <a:solidFill>
           <a:srgbClr val="000000"/>
         </a:solidFill>
@@ -603,7 +766,7 @@
         <a:sym typeface="Arial"/>
       </a:defRPr>
     </a:lvl5pPr>
-    <a:lvl6pPr lvl="5" marR="0" rtl="0" algn="l">
+    <a:lvl6pPr marR="0" lvl="5" algn="l" rtl="0">
       <a:lnSpc>
         <a:spcPct val="100000"/>
       </a:lnSpc>
@@ -617,7 +780,7 @@
         <a:srgbClr val="000000"/>
       </a:buClr>
       <a:buFont typeface="Arial"/>
-      <a:defRPr b="0" i="0" sz="1400" u="none" cap="none" strike="noStrike">
+      <a:defRPr sz="1400" b="0" i="0" u="none" strike="noStrike" cap="none">
         <a:solidFill>
           <a:srgbClr val="000000"/>
         </a:solidFill>
@@ -627,7 +790,7 @@
         <a:sym typeface="Arial"/>
       </a:defRPr>
     </a:lvl6pPr>
-    <a:lvl7pPr lvl="6" marR="0" rtl="0" algn="l">
+    <a:lvl7pPr marR="0" lvl="6" algn="l" rtl="0">
       <a:lnSpc>
         <a:spcPct val="100000"/>
       </a:lnSpc>
@@ -641,7 +804,7 @@
         <a:srgbClr val="000000"/>
       </a:buClr>
       <a:buFont typeface="Arial"/>
-      <a:defRPr b="0" i="0" sz="1400" u="none" cap="none" strike="noStrike">
+      <a:defRPr sz="1400" b="0" i="0" u="none" strike="noStrike" cap="none">
         <a:solidFill>
           <a:srgbClr val="000000"/>
         </a:solidFill>
@@ -651,7 +814,7 @@
         <a:sym typeface="Arial"/>
       </a:defRPr>
     </a:lvl7pPr>
-    <a:lvl8pPr lvl="7" marR="0" rtl="0" algn="l">
+    <a:lvl8pPr marR="0" lvl="7" algn="l" rtl="0">
       <a:lnSpc>
         <a:spcPct val="100000"/>
       </a:lnSpc>
@@ -665,7 +828,7 @@
         <a:srgbClr val="000000"/>
       </a:buClr>
       <a:buFont typeface="Arial"/>
-      <a:defRPr b="0" i="0" sz="1400" u="none" cap="none" strike="noStrike">
+      <a:defRPr sz="1400" b="0" i="0" u="none" strike="noStrike" cap="none">
         <a:solidFill>
           <a:srgbClr val="000000"/>
         </a:solidFill>
@@ -675,7 +838,7 @@
         <a:sym typeface="Arial"/>
       </a:defRPr>
     </a:lvl8pPr>
-    <a:lvl9pPr lvl="8" marR="0" rtl="0" algn="l">
+    <a:lvl9pPr marR="0" lvl="8" algn="l" rtl="0">
       <a:lnSpc>
         <a:spcPct val="100000"/>
       </a:lnSpc>
@@ -689,7 +852,7 @@
         <a:srgbClr val="000000"/>
       </a:buClr>
       <a:buFont typeface="Arial"/>
-      <a:defRPr b="0" i="0" sz="1400" u="none" cap="none" strike="noStrike">
+      <a:defRPr sz="1400" b="0" i="0" u="none" strike="noStrike" cap="none">
         <a:solidFill>
           <a:srgbClr val="000000"/>
         </a:solidFill>
@@ -704,11 +867,11 @@
 </file>
 
 <file path=ppt/notesSlides/notesSlide1.xml><?xml version="1.0" encoding="utf-8"?>
-<p:notes xmlns:a="http://schemas.openxmlformats.org/drawingml/2006/main" xmlns:r="http://schemas.openxmlformats.org/officeDocument/2006/relationships" xmlns:mc="http://schemas.openxmlformats.org/markup-compatibility/2006" xmlns:mv="urn:schemas-microsoft-com:mac:vml" xmlns:p="http://schemas.openxmlformats.org/presentationml/2006/main" xmlns:c="http://schemas.openxmlformats.org/drawingml/2006/chart" xmlns:dgm="http://schemas.openxmlformats.org/drawingml/2006/diagram" xmlns:o="urn:schemas-microsoft-com:office:office" xmlns:v="urn:schemas-microsoft-com:vml" xmlns:pvml="urn:schemas-microsoft-com:office:powerpoint" xmlns:com="http://schemas.openxmlformats.org/drawingml/2006/compatibility" xmlns:p14="http://schemas.microsoft.com/office/powerpoint/2010/main" xmlns:p15="http://schemas.microsoft.com/office/powerpoint/2012/main" xmlns:ahyp="http://schemas.microsoft.com/office/drawing/2018/hyperlinkcolor" showMasterPhAnim="0" showMasterSp="0">
+<p:notes xmlns:a="http://schemas.openxmlformats.org/drawingml/2006/main" xmlns:r="http://schemas.openxmlformats.org/officeDocument/2006/relationships" xmlns:p="http://schemas.openxmlformats.org/presentationml/2006/main" showMasterSp="0" showMasterPhAnim="0">
   <p:cSld>
     <p:spTree>
       <p:nvGrpSpPr>
-        <p:cNvPr id="82" name="Shape 82"/>
+        <p:cNvPr id="1" name="Shape 82"/>
         <p:cNvGrpSpPr/>
         <p:nvPr/>
       </p:nvGrpSpPr>
@@ -723,20 +886,26 @@
       <p:sp>
         <p:nvSpPr>
           <p:cNvPr id="83" name="Google Shape;83;p:notes"/>
-          <p:cNvSpPr/>
+          <p:cNvSpPr>
+            <a:spLocks noGrp="1" noRot="1" noChangeAspect="1"/>
+          </p:cNvSpPr>
           <p:nvPr>
-            <p:ph idx="2" type="sldImg"/>
+            <p:ph type="sldImg" idx="2"/>
           </p:nvPr>
         </p:nvSpPr>
         <p:spPr>
           <a:xfrm>
-            <a:off x="381300" y="685800"/>
-            <a:ext cx="6096075" cy="3429000"/>
+            <a:off x="381000" y="685800"/>
+            <a:ext cx="6096000" cy="3429000"/>
           </a:xfrm>
           <a:custGeom>
-            <a:rect b="b" l="l" r="r" t="t"/>
+            <a:avLst/>
+            <a:gdLst/>
+            <a:ahLst/>
+            <a:cxnLst/>
+            <a:rect l="l" t="t" r="r" b="b"/>
             <a:pathLst>
-              <a:path extrusionOk="0" h="120000" w="120000">
+              <a:path w="120000" h="120000" extrusionOk="0">
                 <a:moveTo>
                   <a:pt x="0" y="0"/>
                 </a:moveTo>
@@ -758,9 +927,11 @@
       <p:sp>
         <p:nvSpPr>
           <p:cNvPr id="84" name="Google Shape;84;p:notes"/>
-          <p:cNvSpPr txBox="1"/>
+          <p:cNvSpPr txBox="1">
+            <a:spLocks noGrp="1"/>
+          </p:cNvSpPr>
           <p:nvPr>
-            <p:ph idx="1" type="body"/>
+            <p:ph type="body" idx="1"/>
           </p:nvPr>
         </p:nvSpPr>
         <p:spPr>
@@ -773,12 +944,12 @@
           </a:prstGeom>
         </p:spPr>
         <p:txBody>
-          <a:bodyPr anchorCtr="0" anchor="t" bIns="91425" lIns="91425" spcFirstLastPara="1" rIns="91425" wrap="square" tIns="91425">
+          <a:bodyPr spcFirstLastPara="1" wrap="square" lIns="91425" tIns="91425" rIns="91425" bIns="91425" anchor="t" anchorCtr="0">
             <a:noAutofit/>
           </a:bodyPr>
           <a:lstStyle/>
           <a:p>
-            <a:pPr indent="0" lvl="0" marL="0" rtl="0" algn="l">
+            <a:pPr marL="0" lvl="0" indent="0" algn="l" rtl="0">
               <a:spcBef>
                 <a:spcPts val="0"/>
               </a:spcBef>
@@ -787,9 +958,6 @@
               </a:spcAft>
               <a:buNone/>
             </a:pPr>
-            <a:r>
-              <a:t/>
-            </a:r>
             <a:endParaRPr/>
           </a:p>
         </p:txBody>
@@ -803,11 +971,11 @@
 </file>
 
 <file path=ppt/notesSlides/notesSlide2.xml><?xml version="1.0" encoding="utf-8"?>
-<p:notes xmlns:a="http://schemas.openxmlformats.org/drawingml/2006/main" xmlns:r="http://schemas.openxmlformats.org/officeDocument/2006/relationships" xmlns:mc="http://schemas.openxmlformats.org/markup-compatibility/2006" xmlns:mv="urn:schemas-microsoft-com:mac:vml" xmlns:p="http://schemas.openxmlformats.org/presentationml/2006/main" xmlns:c="http://schemas.openxmlformats.org/drawingml/2006/chart" xmlns:dgm="http://schemas.openxmlformats.org/drawingml/2006/diagram" xmlns:o="urn:schemas-microsoft-com:office:office" xmlns:v="urn:schemas-microsoft-com:vml" xmlns:pvml="urn:schemas-microsoft-com:office:powerpoint" xmlns:com="http://schemas.openxmlformats.org/drawingml/2006/compatibility" xmlns:p14="http://schemas.microsoft.com/office/powerpoint/2010/main" xmlns:p15="http://schemas.microsoft.com/office/powerpoint/2012/main" xmlns:ahyp="http://schemas.microsoft.com/office/drawing/2018/hyperlinkcolor" showMasterPhAnim="0" showMasterSp="0">
+<p:notes xmlns:a="http://schemas.openxmlformats.org/drawingml/2006/main" xmlns:r="http://schemas.openxmlformats.org/officeDocument/2006/relationships" xmlns:p="http://schemas.openxmlformats.org/presentationml/2006/main" showMasterSp="0" showMasterPhAnim="0">
   <p:cSld>
     <p:spTree>
       <p:nvGrpSpPr>
-        <p:cNvPr id="88" name="Shape 88"/>
+        <p:cNvPr id="1" name="Shape 88"/>
         <p:cNvGrpSpPr/>
         <p:nvPr/>
       </p:nvGrpSpPr>
@@ -822,20 +990,26 @@
       <p:sp>
         <p:nvSpPr>
           <p:cNvPr id="89" name="Google Shape;89;g269b08db1f3_2_0:notes"/>
-          <p:cNvSpPr/>
+          <p:cNvSpPr>
+            <a:spLocks noGrp="1" noRot="1" noChangeAspect="1"/>
+          </p:cNvSpPr>
           <p:nvPr>
-            <p:ph idx="2" type="sldImg"/>
+            <p:ph type="sldImg" idx="2"/>
           </p:nvPr>
         </p:nvSpPr>
         <p:spPr>
           <a:xfrm>
-            <a:off x="381300" y="685800"/>
+            <a:off x="381000" y="685800"/>
             <a:ext cx="6096000" cy="3429000"/>
           </a:xfrm>
           <a:custGeom>
-            <a:rect b="b" l="l" r="r" t="t"/>
+            <a:avLst/>
+            <a:gdLst/>
+            <a:ahLst/>
+            <a:cxnLst/>
+            <a:rect l="l" t="t" r="r" b="b"/>
             <a:pathLst>
-              <a:path extrusionOk="0" h="120000" w="120000">
+              <a:path w="120000" h="120000" extrusionOk="0">
                 <a:moveTo>
                   <a:pt x="0" y="0"/>
                 </a:moveTo>
@@ -857,9 +1031,11 @@
       <p:sp>
         <p:nvSpPr>
           <p:cNvPr id="90" name="Google Shape;90;g269b08db1f3_2_0:notes"/>
-          <p:cNvSpPr txBox="1"/>
+          <p:cNvSpPr txBox="1">
+            <a:spLocks noGrp="1"/>
+          </p:cNvSpPr>
           <p:nvPr>
-            <p:ph idx="1" type="body"/>
+            <p:ph type="body" idx="1"/>
           </p:nvPr>
         </p:nvSpPr>
         <p:spPr>
@@ -872,12 +1048,12 @@
           </a:prstGeom>
         </p:spPr>
         <p:txBody>
-          <a:bodyPr anchorCtr="0" anchor="t" bIns="91425" lIns="91425" spcFirstLastPara="1" rIns="91425" wrap="square" tIns="91425">
+          <a:bodyPr spcFirstLastPara="1" wrap="square" lIns="91425" tIns="91425" rIns="91425" bIns="91425" anchor="t" anchorCtr="0">
             <a:noAutofit/>
           </a:bodyPr>
           <a:lstStyle/>
           <a:p>
-            <a:pPr indent="0" lvl="0" marL="0" rtl="0" algn="l">
+            <a:pPr marL="0" lvl="0" indent="0" algn="l" rtl="0">
               <a:spcBef>
                 <a:spcPts val="0"/>
               </a:spcBef>
@@ -886,9 +1062,6 @@
               </a:spcAft>
               <a:buNone/>
             </a:pPr>
-            <a:r>
-              <a:t/>
-            </a:r>
             <a:endParaRPr/>
           </a:p>
         </p:txBody>
@@ -902,18 +1075,19 @@
 </file>
 
 <file path=ppt/slideLayouts/slideLayout1.xml><?xml version="1.0" encoding="utf-8"?>
-<p:sldLayout xmlns:a="http://schemas.openxmlformats.org/drawingml/2006/main" xmlns:r="http://schemas.openxmlformats.org/officeDocument/2006/relationships" xmlns:mc="http://schemas.openxmlformats.org/markup-compatibility/2006" xmlns:mv="urn:schemas-microsoft-com:mac:vml" xmlns:p="http://schemas.openxmlformats.org/presentationml/2006/main" xmlns:c="http://schemas.openxmlformats.org/drawingml/2006/chart" xmlns:dgm="http://schemas.openxmlformats.org/drawingml/2006/diagram" xmlns:o="urn:schemas-microsoft-com:office:office" xmlns:v="urn:schemas-microsoft-com:vml" xmlns:pvml="urn:schemas-microsoft-com:office:powerpoint" xmlns:com="http://schemas.openxmlformats.org/drawingml/2006/compatibility" xmlns:p14="http://schemas.microsoft.com/office/powerpoint/2010/main" xmlns:p15="http://schemas.microsoft.com/office/powerpoint/2012/main" xmlns:ahyp="http://schemas.microsoft.com/office/drawing/2018/hyperlinkcolor" matchingName="Title slide" type="title">
+<p:sldLayout xmlns:a="http://schemas.openxmlformats.org/drawingml/2006/main" xmlns:r="http://schemas.openxmlformats.org/officeDocument/2006/relationships" xmlns:p="http://schemas.openxmlformats.org/presentationml/2006/main" matchingName="Title slide" type="title">
   <p:cSld name="TITLE">
     <p:bg>
       <p:bgPr>
         <a:solidFill>
           <a:schemeClr val="lt2"/>
         </a:solidFill>
+        <a:effectLst/>
       </p:bgPr>
     </p:bg>
     <p:spTree>
       <p:nvGrpSpPr>
-        <p:cNvPr id="9" name="Shape 9"/>
+        <p:cNvPr id="1" name="Shape 9"/>
         <p:cNvGrpSpPr/>
         <p:nvPr/>
       </p:nvGrpSpPr>
@@ -947,12 +1121,12 @@
           </a:ln>
         </p:spPr>
         <p:txBody>
-          <a:bodyPr anchorCtr="0" anchor="ctr" bIns="91425" lIns="91425" spcFirstLastPara="1" rIns="91425" wrap="square" tIns="91425">
+          <a:bodyPr spcFirstLastPara="1" wrap="square" lIns="91425" tIns="91425" rIns="91425" bIns="91425" anchor="ctr" anchorCtr="0">
             <a:noAutofit/>
           </a:bodyPr>
           <a:lstStyle/>
           <a:p>
-            <a:pPr indent="0" lvl="0" marL="0" rtl="0" algn="l">
+            <a:pPr marL="0" lvl="0" indent="0" algn="l" rtl="0">
               <a:spcBef>
                 <a:spcPts val="0"/>
               </a:spcBef>
@@ -961,9 +1135,6 @@
               </a:spcAft>
               <a:buNone/>
             </a:pPr>
-            <a:r>
-              <a:t/>
-            </a:r>
             <a:endParaRPr/>
           </a:p>
         </p:txBody>
@@ -1004,12 +1175,12 @@
             </a:ln>
           </p:spPr>
           <p:txBody>
-            <a:bodyPr anchorCtr="0" anchor="ctr" bIns="91425" lIns="91425" spcFirstLastPara="1" rIns="91425" wrap="square" tIns="91425">
+            <a:bodyPr spcFirstLastPara="1" wrap="square" lIns="91425" tIns="91425" rIns="91425" bIns="91425" anchor="ctr" anchorCtr="0">
               <a:noAutofit/>
             </a:bodyPr>
             <a:lstStyle/>
             <a:p>
-              <a:pPr indent="0" lvl="0" marL="0" rtl="0" algn="l">
+              <a:pPr marL="0" lvl="0" indent="0" algn="l" rtl="0">
                 <a:spcBef>
                   <a:spcPts val="0"/>
                 </a:spcBef>
@@ -1018,9 +1189,6 @@
                 </a:spcAft>
                 <a:buNone/>
               </a:pPr>
-              <a:r>
-                <a:t/>
-              </a:r>
               <a:endParaRPr/>
             </a:p>
           </p:txBody>
@@ -1047,12 +1215,12 @@
             </a:ln>
           </p:spPr>
           <p:txBody>
-            <a:bodyPr anchorCtr="0" anchor="ctr" bIns="91425" lIns="91425" spcFirstLastPara="1" rIns="91425" wrap="square" tIns="91425">
+            <a:bodyPr spcFirstLastPara="1" wrap="square" lIns="91425" tIns="91425" rIns="91425" bIns="91425" anchor="ctr" anchorCtr="0">
               <a:noAutofit/>
             </a:bodyPr>
             <a:lstStyle/>
             <a:p>
-              <a:pPr indent="0" lvl="0" marL="0" rtl="0" algn="l">
+              <a:pPr marL="0" lvl="0" indent="0" algn="l" rtl="0">
                 <a:spcBef>
                   <a:spcPts val="0"/>
                 </a:spcBef>
@@ -1061,9 +1229,6 @@
                 </a:spcAft>
                 <a:buNone/>
               </a:pPr>
-              <a:r>
-                <a:t/>
-              </a:r>
               <a:endParaRPr/>
             </a:p>
           </p:txBody>
@@ -1072,7 +1237,9 @@
       <p:sp>
         <p:nvSpPr>
           <p:cNvPr id="14" name="Google Shape;14;p2"/>
-          <p:cNvSpPr txBox="1"/>
+          <p:cNvSpPr txBox="1">
+            <a:spLocks noGrp="1"/>
+          </p:cNvSpPr>
           <p:nvPr>
             <p:ph type="ctrTitle"/>
           </p:nvPr>
@@ -1087,7 +1254,7 @@
           </a:prstGeom>
         </p:spPr>
         <p:txBody>
-          <a:bodyPr anchorCtr="0" anchor="t" bIns="91425" lIns="91425" spcFirstLastPara="1" rIns="91425" wrap="square" tIns="91425">
+          <a:bodyPr spcFirstLastPara="1" wrap="square" lIns="91425" tIns="91425" rIns="91425" bIns="91425" anchor="t" anchorCtr="0">
             <a:normAutofit/>
           </a:bodyPr>
           <a:lstStyle>
@@ -1191,15 +1358,19 @@
               <a:defRPr sz="4200"/>
             </a:lvl9pPr>
           </a:lstStyle>
-          <a:p/>
+          <a:p>
+            <a:endParaRPr/>
+          </a:p>
         </p:txBody>
       </p:sp>
       <p:sp>
         <p:nvSpPr>
           <p:cNvPr id="15" name="Google Shape;15;p2"/>
-          <p:cNvSpPr txBox="1"/>
+          <p:cNvSpPr txBox="1">
+            <a:spLocks noGrp="1"/>
+          </p:cNvSpPr>
           <p:nvPr>
-            <p:ph idx="1" type="subTitle"/>
+            <p:ph type="subTitle" idx="1"/>
           </p:nvPr>
         </p:nvSpPr>
         <p:spPr>
@@ -1212,7 +1383,7 @@
           </a:prstGeom>
         </p:spPr>
         <p:txBody>
-          <a:bodyPr anchorCtr="0" anchor="t" bIns="91425" lIns="91425" spcFirstLastPara="1" rIns="91425" wrap="square" tIns="91425">
+          <a:bodyPr spcFirstLastPara="1" wrap="square" lIns="91425" tIns="91425" rIns="91425" bIns="91425" anchor="t" anchorCtr="0">
             <a:normAutofit/>
           </a:bodyPr>
           <a:lstStyle>
@@ -1343,15 +1514,19 @@
               <a:defRPr sz="1600"/>
             </a:lvl9pPr>
           </a:lstStyle>
-          <a:p/>
+          <a:p>
+            <a:endParaRPr/>
+          </a:p>
         </p:txBody>
       </p:sp>
       <p:sp>
         <p:nvSpPr>
           <p:cNvPr id="16" name="Google Shape;16;p2"/>
-          <p:cNvSpPr txBox="1"/>
+          <p:cNvSpPr txBox="1">
+            <a:spLocks noGrp="1"/>
+          </p:cNvSpPr>
           <p:nvPr>
-            <p:ph idx="12" type="sldNum"/>
+            <p:ph type="sldNum" idx="12"/>
           </p:nvPr>
         </p:nvSpPr>
         <p:spPr>
@@ -1364,7 +1539,7 @@
           </a:prstGeom>
         </p:spPr>
         <p:txBody>
-          <a:bodyPr anchorCtr="0" anchor="ctr" bIns="91425" lIns="91425" spcFirstLastPara="1" rIns="91425" wrap="square" tIns="91425">
+          <a:bodyPr spcFirstLastPara="1" wrap="square" lIns="91425" tIns="91425" rIns="91425" bIns="91425" anchor="ctr" anchorCtr="0">
             <a:normAutofit/>
           </a:bodyPr>
           <a:lstStyle>
@@ -1406,7 +1581,7 @@
             </a:lvl9pPr>
           </a:lstStyle>
           <a:p>
-            <a:pPr indent="0" lvl="0" marL="0" rtl="0" algn="r">
+            <a:pPr marL="0" lvl="0" indent="0" algn="r" rtl="0">
               <a:spcBef>
                 <a:spcPts val="0"/>
               </a:spcBef>
@@ -1432,18 +1607,19 @@
 </file>
 
 <file path=ppt/slideLayouts/slideLayout10.xml><?xml version="1.0" encoding="utf-8"?>
-<p:sldLayout xmlns:a="http://schemas.openxmlformats.org/drawingml/2006/main" xmlns:r="http://schemas.openxmlformats.org/officeDocument/2006/relationships" xmlns:mc="http://schemas.openxmlformats.org/markup-compatibility/2006" xmlns:mv="urn:schemas-microsoft-com:mac:vml" xmlns:p="http://schemas.openxmlformats.org/presentationml/2006/main" xmlns:c="http://schemas.openxmlformats.org/drawingml/2006/chart" xmlns:dgm="http://schemas.openxmlformats.org/drawingml/2006/diagram" xmlns:o="urn:schemas-microsoft-com:office:office" xmlns:v="urn:schemas-microsoft-com:vml" xmlns:pvml="urn:schemas-microsoft-com:office:powerpoint" xmlns:com="http://schemas.openxmlformats.org/drawingml/2006/compatibility" xmlns:p14="http://schemas.microsoft.com/office/powerpoint/2010/main" xmlns:p15="http://schemas.microsoft.com/office/powerpoint/2012/main" xmlns:ahyp="http://schemas.microsoft.com/office/drawing/2018/hyperlinkcolor" matchingName="Big number">
+<p:sldLayout xmlns:a="http://schemas.openxmlformats.org/drawingml/2006/main" xmlns:r="http://schemas.openxmlformats.org/officeDocument/2006/relationships" xmlns:p="http://schemas.openxmlformats.org/presentationml/2006/main" matchingName="Big number">
   <p:cSld name="BIG_NUMBER">
     <p:bg>
       <p:bgPr>
         <a:solidFill>
           <a:schemeClr val="dk1"/>
         </a:solidFill>
+        <a:effectLst/>
       </p:bgPr>
     </p:bg>
     <p:spTree>
       <p:nvGrpSpPr>
-        <p:cNvPr id="73" name="Shape 73"/>
+        <p:cNvPr id="1" name="Shape 73"/>
         <p:cNvGrpSpPr/>
         <p:nvPr/>
       </p:nvGrpSpPr>
@@ -1491,12 +1667,12 @@
             </a:ln>
           </p:spPr>
           <p:txBody>
-            <a:bodyPr anchorCtr="0" anchor="ctr" bIns="91425" lIns="91425" spcFirstLastPara="1" rIns="91425" wrap="square" tIns="91425">
+            <a:bodyPr spcFirstLastPara="1" wrap="square" lIns="91425" tIns="91425" rIns="91425" bIns="91425" anchor="ctr" anchorCtr="0">
               <a:noAutofit/>
             </a:bodyPr>
             <a:lstStyle/>
             <a:p>
-              <a:pPr indent="0" lvl="0" marL="0" rtl="0" algn="l">
+              <a:pPr marL="0" lvl="0" indent="0" algn="l" rtl="0">
                 <a:spcBef>
                   <a:spcPts val="0"/>
                 </a:spcBef>
@@ -1505,9 +1681,6 @@
                 </a:spcAft>
                 <a:buNone/>
               </a:pPr>
-              <a:r>
-                <a:t/>
-              </a:r>
               <a:endParaRPr/>
             </a:p>
           </p:txBody>
@@ -1534,12 +1707,12 @@
             </a:ln>
           </p:spPr>
           <p:txBody>
-            <a:bodyPr anchorCtr="0" anchor="ctr" bIns="91425" lIns="91425" spcFirstLastPara="1" rIns="91425" wrap="square" tIns="91425">
+            <a:bodyPr spcFirstLastPara="1" wrap="square" lIns="91425" tIns="91425" rIns="91425" bIns="91425" anchor="ctr" anchorCtr="0">
               <a:noAutofit/>
             </a:bodyPr>
             <a:lstStyle/>
             <a:p>
-              <a:pPr indent="0" lvl="0" marL="0" rtl="0" algn="l">
+              <a:pPr marL="0" lvl="0" indent="0" algn="l" rtl="0">
                 <a:spcBef>
                   <a:spcPts val="0"/>
                 </a:spcBef>
@@ -1548,9 +1721,6 @@
                 </a:spcAft>
                 <a:buNone/>
               </a:pPr>
-              <a:r>
-                <a:t/>
-              </a:r>
               <a:endParaRPr/>
             </a:p>
           </p:txBody>
@@ -1559,9 +1729,11 @@
       <p:sp>
         <p:nvSpPr>
           <p:cNvPr id="77" name="Google Shape;77;p11"/>
-          <p:cNvSpPr txBox="1"/>
+          <p:cNvSpPr txBox="1">
+            <a:spLocks noGrp="1"/>
+          </p:cNvSpPr>
           <p:nvPr>
-            <p:ph hasCustomPrompt="1" type="title"/>
+            <p:ph type="title" hasCustomPrompt="1"/>
           </p:nvPr>
         </p:nvSpPr>
         <p:spPr>
@@ -1574,7 +1746,7 @@
           </a:prstGeom>
         </p:spPr>
         <p:txBody>
-          <a:bodyPr anchorCtr="0" anchor="t" bIns="91425" lIns="91425" spcFirstLastPara="1" rIns="91425" wrap="square" tIns="91425">
+          <a:bodyPr spcFirstLastPara="1" wrap="square" lIns="91425" tIns="91425" rIns="91425" bIns="91425" anchor="t" anchorCtr="0">
             <a:normAutofit/>
           </a:bodyPr>
           <a:lstStyle>
@@ -1751,9 +1923,11 @@
       <p:sp>
         <p:nvSpPr>
           <p:cNvPr id="78" name="Google Shape;78;p11"/>
-          <p:cNvSpPr txBox="1"/>
+          <p:cNvSpPr txBox="1">
+            <a:spLocks noGrp="1"/>
+          </p:cNvSpPr>
           <p:nvPr>
-            <p:ph idx="1" type="body"/>
+            <p:ph type="body" idx="1"/>
           </p:nvPr>
         </p:nvSpPr>
         <p:spPr>
@@ -1766,11 +1940,11 @@
           </a:prstGeom>
         </p:spPr>
         <p:txBody>
-          <a:bodyPr anchorCtr="0" anchor="t" bIns="91425" lIns="91425" spcFirstLastPara="1" rIns="91425" wrap="square" tIns="91425">
+          <a:bodyPr spcFirstLastPara="1" wrap="square" lIns="91425" tIns="91425" rIns="91425" bIns="91425" anchor="t" anchorCtr="0">
             <a:normAutofit/>
           </a:bodyPr>
           <a:lstStyle>
-            <a:lvl1pPr indent="-311150" lvl="0" marL="457200">
+            <a:lvl1pPr marL="457200" lvl="0" indent="-311150">
               <a:spcBef>
                 <a:spcPts val="0"/>
               </a:spcBef>
@@ -1788,7 +1962,7 @@
                 </a:solidFill>
               </a:defRPr>
             </a:lvl1pPr>
-            <a:lvl2pPr indent="-298450" lvl="1" marL="914400">
+            <a:lvl2pPr marL="914400" lvl="1" indent="-298450">
               <a:spcBef>
                 <a:spcPts val="0"/>
               </a:spcBef>
@@ -1806,7 +1980,7 @@
                 </a:solidFill>
               </a:defRPr>
             </a:lvl2pPr>
-            <a:lvl3pPr indent="-298450" lvl="2" marL="1371600">
+            <a:lvl3pPr marL="1371600" lvl="2" indent="-298450">
               <a:spcBef>
                 <a:spcPts val="0"/>
               </a:spcBef>
@@ -1824,7 +1998,7 @@
                 </a:solidFill>
               </a:defRPr>
             </a:lvl3pPr>
-            <a:lvl4pPr indent="-298450" lvl="3" marL="1828800">
+            <a:lvl4pPr marL="1828800" lvl="3" indent="-298450">
               <a:spcBef>
                 <a:spcPts val="0"/>
               </a:spcBef>
@@ -1842,7 +2016,7 @@
                 </a:solidFill>
               </a:defRPr>
             </a:lvl4pPr>
-            <a:lvl5pPr indent="-298450" lvl="4" marL="2286000">
+            <a:lvl5pPr marL="2286000" lvl="4" indent="-298450">
               <a:spcBef>
                 <a:spcPts val="0"/>
               </a:spcBef>
@@ -1860,7 +2034,7 @@
                 </a:solidFill>
               </a:defRPr>
             </a:lvl5pPr>
-            <a:lvl6pPr indent="-298450" lvl="5" marL="2743200">
+            <a:lvl6pPr marL="2743200" lvl="5" indent="-298450">
               <a:spcBef>
                 <a:spcPts val="0"/>
               </a:spcBef>
@@ -1878,7 +2052,7 @@
                 </a:solidFill>
               </a:defRPr>
             </a:lvl6pPr>
-            <a:lvl7pPr indent="-298450" lvl="6" marL="3200400">
+            <a:lvl7pPr marL="3200400" lvl="6" indent="-298450">
               <a:spcBef>
                 <a:spcPts val="0"/>
               </a:spcBef>
@@ -1896,7 +2070,7 @@
                 </a:solidFill>
               </a:defRPr>
             </a:lvl7pPr>
-            <a:lvl8pPr indent="-298450" lvl="7" marL="3657600">
+            <a:lvl8pPr marL="3657600" lvl="7" indent="-298450">
               <a:spcBef>
                 <a:spcPts val="0"/>
               </a:spcBef>
@@ -1914,7 +2088,7 @@
                 </a:solidFill>
               </a:defRPr>
             </a:lvl8pPr>
-            <a:lvl9pPr indent="-298450" lvl="8" marL="4114800">
+            <a:lvl9pPr marL="4114800" lvl="8" indent="-298450">
               <a:spcBef>
                 <a:spcPts val="0"/>
               </a:spcBef>
@@ -1933,15 +2107,19 @@
               </a:defRPr>
             </a:lvl9pPr>
           </a:lstStyle>
-          <a:p/>
+          <a:p>
+            <a:endParaRPr/>
+          </a:p>
         </p:txBody>
       </p:sp>
       <p:sp>
         <p:nvSpPr>
           <p:cNvPr id="79" name="Google Shape;79;p11"/>
-          <p:cNvSpPr txBox="1"/>
+          <p:cNvSpPr txBox="1">
+            <a:spLocks noGrp="1"/>
+          </p:cNvSpPr>
           <p:nvPr>
-            <p:ph idx="12" type="sldNum"/>
+            <p:ph type="sldNum" idx="12"/>
           </p:nvPr>
         </p:nvSpPr>
         <p:spPr>
@@ -1954,7 +2132,7 @@
           </a:prstGeom>
         </p:spPr>
         <p:txBody>
-          <a:bodyPr anchorCtr="0" anchor="ctr" bIns="91425" lIns="91425" spcFirstLastPara="1" rIns="91425" wrap="square" tIns="91425">
+          <a:bodyPr spcFirstLastPara="1" wrap="square" lIns="91425" tIns="91425" rIns="91425" bIns="91425" anchor="ctr" anchorCtr="0">
             <a:normAutofit/>
           </a:bodyPr>
           <a:lstStyle>
@@ -2032,7 +2210,7 @@
             </a:lvl9pPr>
           </a:lstStyle>
           <a:p>
-            <a:pPr indent="0" lvl="0" marL="0" rtl="0" algn="r">
+            <a:pPr marL="0" lvl="0" indent="0" algn="r" rtl="0">
               <a:spcBef>
                 <a:spcPts val="0"/>
               </a:spcBef>
@@ -2058,11 +2236,11 @@
 </file>
 
 <file path=ppt/slideLayouts/slideLayout11.xml><?xml version="1.0" encoding="utf-8"?>
-<p:sldLayout xmlns:a="http://schemas.openxmlformats.org/drawingml/2006/main" xmlns:r="http://schemas.openxmlformats.org/officeDocument/2006/relationships" xmlns:mc="http://schemas.openxmlformats.org/markup-compatibility/2006" xmlns:mv="urn:schemas-microsoft-com:mac:vml" xmlns:p="http://schemas.openxmlformats.org/presentationml/2006/main" xmlns:c="http://schemas.openxmlformats.org/drawingml/2006/chart" xmlns:dgm="http://schemas.openxmlformats.org/drawingml/2006/diagram" xmlns:o="urn:schemas-microsoft-com:office:office" xmlns:v="urn:schemas-microsoft-com:vml" xmlns:pvml="urn:schemas-microsoft-com:office:powerpoint" xmlns:com="http://schemas.openxmlformats.org/drawingml/2006/compatibility" xmlns:p14="http://schemas.microsoft.com/office/powerpoint/2010/main" xmlns:p15="http://schemas.microsoft.com/office/powerpoint/2012/main" xmlns:ahyp="http://schemas.microsoft.com/office/drawing/2018/hyperlinkcolor" matchingName="Blank" type="blank">
+<p:sldLayout xmlns:a="http://schemas.openxmlformats.org/drawingml/2006/main" xmlns:r="http://schemas.openxmlformats.org/officeDocument/2006/relationships" xmlns:p="http://schemas.openxmlformats.org/presentationml/2006/main" matchingName="Blank" type="blank">
   <p:cSld name="BLANK">
     <p:spTree>
       <p:nvGrpSpPr>
-        <p:cNvPr id="80" name="Shape 80"/>
+        <p:cNvPr id="1" name="Shape 80"/>
         <p:cNvGrpSpPr/>
         <p:nvPr/>
       </p:nvGrpSpPr>
@@ -2077,9 +2255,11 @@
       <p:sp>
         <p:nvSpPr>
           <p:cNvPr id="81" name="Google Shape;81;p12"/>
-          <p:cNvSpPr txBox="1"/>
+          <p:cNvSpPr txBox="1">
+            <a:spLocks noGrp="1"/>
+          </p:cNvSpPr>
           <p:nvPr>
-            <p:ph idx="12" type="sldNum"/>
+            <p:ph type="sldNum" idx="12"/>
           </p:nvPr>
         </p:nvSpPr>
         <p:spPr>
@@ -2092,7 +2272,7 @@
           </a:prstGeom>
         </p:spPr>
         <p:txBody>
-          <a:bodyPr anchorCtr="0" anchor="ctr" bIns="91425" lIns="91425" spcFirstLastPara="1" rIns="91425" wrap="square" tIns="91425">
+          <a:bodyPr spcFirstLastPara="1" wrap="square" lIns="91425" tIns="91425" rIns="91425" bIns="91425" anchor="ctr" anchorCtr="0">
             <a:normAutofit/>
           </a:bodyPr>
           <a:lstStyle>
@@ -2134,7 +2314,7 @@
             </a:lvl9pPr>
           </a:lstStyle>
           <a:p>
-            <a:pPr indent="0" lvl="0" marL="0" rtl="0" algn="r">
+            <a:pPr marL="0" lvl="0" indent="0" algn="r" rtl="0">
               <a:spcBef>
                 <a:spcPts val="0"/>
               </a:spcBef>
@@ -2160,18 +2340,19 @@
 </file>
 
 <file path=ppt/slideLayouts/slideLayout2.xml><?xml version="1.0" encoding="utf-8"?>
-<p:sldLayout xmlns:a="http://schemas.openxmlformats.org/drawingml/2006/main" xmlns:r="http://schemas.openxmlformats.org/officeDocument/2006/relationships" xmlns:mc="http://schemas.openxmlformats.org/markup-compatibility/2006" xmlns:mv="urn:schemas-microsoft-com:mac:vml" xmlns:p="http://schemas.openxmlformats.org/presentationml/2006/main" xmlns:c="http://schemas.openxmlformats.org/drawingml/2006/chart" xmlns:dgm="http://schemas.openxmlformats.org/drawingml/2006/diagram" xmlns:o="urn:schemas-microsoft-com:office:office" xmlns:v="urn:schemas-microsoft-com:vml" xmlns:pvml="urn:schemas-microsoft-com:office:powerpoint" xmlns:com="http://schemas.openxmlformats.org/drawingml/2006/compatibility" xmlns:p14="http://schemas.microsoft.com/office/powerpoint/2010/main" xmlns:p15="http://schemas.microsoft.com/office/powerpoint/2012/main" xmlns:ahyp="http://schemas.microsoft.com/office/drawing/2018/hyperlinkcolor" matchingName="Section header" type="secHead">
+<p:sldLayout xmlns:a="http://schemas.openxmlformats.org/drawingml/2006/main" xmlns:r="http://schemas.openxmlformats.org/officeDocument/2006/relationships" xmlns:p="http://schemas.openxmlformats.org/presentationml/2006/main" matchingName="Section header" type="secHead">
   <p:cSld name="SECTION_HEADER">
     <p:bg>
       <p:bgPr>
         <a:solidFill>
           <a:schemeClr val="dk1"/>
         </a:solidFill>
+        <a:effectLst/>
       </p:bgPr>
     </p:bg>
     <p:spTree>
       <p:nvGrpSpPr>
-        <p:cNvPr id="17" name="Shape 17"/>
+        <p:cNvPr id="1" name="Shape 17"/>
         <p:cNvGrpSpPr/>
         <p:nvPr/>
       </p:nvGrpSpPr>
@@ -2219,12 +2400,12 @@
             </a:ln>
           </p:spPr>
           <p:txBody>
-            <a:bodyPr anchorCtr="0" anchor="ctr" bIns="91425" lIns="91425" spcFirstLastPara="1" rIns="91425" wrap="square" tIns="91425">
+            <a:bodyPr spcFirstLastPara="1" wrap="square" lIns="91425" tIns="91425" rIns="91425" bIns="91425" anchor="ctr" anchorCtr="0">
               <a:noAutofit/>
             </a:bodyPr>
             <a:lstStyle/>
             <a:p>
-              <a:pPr indent="0" lvl="0" marL="0" rtl="0" algn="l">
+              <a:pPr marL="0" lvl="0" indent="0" algn="l" rtl="0">
                 <a:spcBef>
                   <a:spcPts val="0"/>
                 </a:spcBef>
@@ -2233,9 +2414,6 @@
                 </a:spcAft>
                 <a:buNone/>
               </a:pPr>
-              <a:r>
-                <a:t/>
-              </a:r>
               <a:endParaRPr/>
             </a:p>
           </p:txBody>
@@ -2262,12 +2440,12 @@
             </a:ln>
           </p:spPr>
           <p:txBody>
-            <a:bodyPr anchorCtr="0" anchor="ctr" bIns="91425" lIns="91425" spcFirstLastPara="1" rIns="91425" wrap="square" tIns="91425">
+            <a:bodyPr spcFirstLastPara="1" wrap="square" lIns="91425" tIns="91425" rIns="91425" bIns="91425" anchor="ctr" anchorCtr="0">
               <a:noAutofit/>
             </a:bodyPr>
             <a:lstStyle/>
             <a:p>
-              <a:pPr indent="0" lvl="0" marL="0" rtl="0" algn="l">
+              <a:pPr marL="0" lvl="0" indent="0" algn="l" rtl="0">
                 <a:spcBef>
                   <a:spcPts val="0"/>
                 </a:spcBef>
@@ -2276,9 +2454,6 @@
                 </a:spcAft>
                 <a:buNone/>
               </a:pPr>
-              <a:r>
-                <a:t/>
-              </a:r>
               <a:endParaRPr/>
             </a:p>
           </p:txBody>
@@ -2287,7 +2462,9 @@
       <p:sp>
         <p:nvSpPr>
           <p:cNvPr id="21" name="Google Shape;21;p3"/>
-          <p:cNvSpPr txBox="1"/>
+          <p:cNvSpPr txBox="1">
+            <a:spLocks noGrp="1"/>
+          </p:cNvSpPr>
           <p:nvPr>
             <p:ph type="title"/>
           </p:nvPr>
@@ -2302,7 +2479,7 @@
           </a:prstGeom>
         </p:spPr>
         <p:txBody>
-          <a:bodyPr anchorCtr="0" anchor="t" bIns="91425" lIns="91425" spcFirstLastPara="1" rIns="91425" wrap="square" tIns="91425">
+          <a:bodyPr spcFirstLastPara="1" wrap="square" lIns="91425" tIns="91425" rIns="91425" bIns="91425" anchor="t" anchorCtr="0">
             <a:normAutofit/>
           </a:bodyPr>
           <a:lstStyle>
@@ -2469,15 +2646,19 @@
               </a:defRPr>
             </a:lvl9pPr>
           </a:lstStyle>
-          <a:p/>
+          <a:p>
+            <a:endParaRPr/>
+          </a:p>
         </p:txBody>
       </p:sp>
       <p:sp>
         <p:nvSpPr>
           <p:cNvPr id="22" name="Google Shape;22;p3"/>
-          <p:cNvSpPr txBox="1"/>
+          <p:cNvSpPr txBox="1">
+            <a:spLocks noGrp="1"/>
+          </p:cNvSpPr>
           <p:nvPr>
-            <p:ph idx="12" type="sldNum"/>
+            <p:ph type="sldNum" idx="12"/>
           </p:nvPr>
         </p:nvSpPr>
         <p:spPr>
@@ -2490,7 +2671,7 @@
           </a:prstGeom>
         </p:spPr>
         <p:txBody>
-          <a:bodyPr anchorCtr="0" anchor="ctr" bIns="91425" lIns="91425" spcFirstLastPara="1" rIns="91425" wrap="square" tIns="91425">
+          <a:bodyPr spcFirstLastPara="1" wrap="square" lIns="91425" tIns="91425" rIns="91425" bIns="91425" anchor="ctr" anchorCtr="0">
             <a:normAutofit/>
           </a:bodyPr>
           <a:lstStyle>
@@ -2568,7 +2749,7 @@
             </a:lvl9pPr>
           </a:lstStyle>
           <a:p>
-            <a:pPr indent="0" lvl="0" marL="0" rtl="0" algn="r">
+            <a:pPr marL="0" lvl="0" indent="0" algn="r" rtl="0">
               <a:spcBef>
                 <a:spcPts val="0"/>
               </a:spcBef>
@@ -2594,11 +2775,11 @@
 </file>
 
 <file path=ppt/slideLayouts/slideLayout3.xml><?xml version="1.0" encoding="utf-8"?>
-<p:sldLayout xmlns:a="http://schemas.openxmlformats.org/drawingml/2006/main" xmlns:r="http://schemas.openxmlformats.org/officeDocument/2006/relationships" xmlns:mc="http://schemas.openxmlformats.org/markup-compatibility/2006" xmlns:mv="urn:schemas-microsoft-com:mac:vml" xmlns:p="http://schemas.openxmlformats.org/presentationml/2006/main" xmlns:c="http://schemas.openxmlformats.org/drawingml/2006/chart" xmlns:dgm="http://schemas.openxmlformats.org/drawingml/2006/diagram" xmlns:o="urn:schemas-microsoft-com:office:office" xmlns:v="urn:schemas-microsoft-com:vml" xmlns:pvml="urn:schemas-microsoft-com:office:powerpoint" xmlns:com="http://schemas.openxmlformats.org/drawingml/2006/compatibility" xmlns:p14="http://schemas.microsoft.com/office/powerpoint/2010/main" xmlns:p15="http://schemas.microsoft.com/office/powerpoint/2012/main" xmlns:ahyp="http://schemas.microsoft.com/office/drawing/2018/hyperlinkcolor" matchingName="Title and body" type="tx">
+<p:sldLayout xmlns:a="http://schemas.openxmlformats.org/drawingml/2006/main" xmlns:r="http://schemas.openxmlformats.org/officeDocument/2006/relationships" xmlns:p="http://schemas.openxmlformats.org/presentationml/2006/main" matchingName="Title and body" type="tx">
   <p:cSld name="TITLE_AND_BODY">
     <p:spTree>
       <p:nvGrpSpPr>
-        <p:cNvPr id="23" name="Shape 23"/>
+        <p:cNvPr id="1" name="Shape 23"/>
         <p:cNvGrpSpPr/>
         <p:nvPr/>
       </p:nvGrpSpPr>
@@ -2632,12 +2813,12 @@
           </a:ln>
         </p:spPr>
         <p:txBody>
-          <a:bodyPr anchorCtr="0" anchor="ctr" bIns="91425" lIns="91425" spcFirstLastPara="1" rIns="91425" wrap="square" tIns="91425">
+          <a:bodyPr spcFirstLastPara="1" wrap="square" lIns="91425" tIns="91425" rIns="91425" bIns="91425" anchor="ctr" anchorCtr="0">
             <a:noAutofit/>
           </a:bodyPr>
           <a:lstStyle/>
           <a:p>
-            <a:pPr indent="0" lvl="0" marL="0" rtl="0" algn="l">
+            <a:pPr marL="0" lvl="0" indent="0" algn="l" rtl="0">
               <a:spcBef>
                 <a:spcPts val="0"/>
               </a:spcBef>
@@ -2646,9 +2827,6 @@
               </a:spcAft>
               <a:buNone/>
             </a:pPr>
-            <a:r>
-              <a:t/>
-            </a:r>
             <a:endParaRPr/>
           </a:p>
         </p:txBody>
@@ -2689,12 +2867,12 @@
             </a:ln>
           </p:spPr>
           <p:txBody>
-            <a:bodyPr anchorCtr="0" anchor="ctr" bIns="91425" lIns="91425" spcFirstLastPara="1" rIns="91425" wrap="square" tIns="91425">
+            <a:bodyPr spcFirstLastPara="1" wrap="square" lIns="91425" tIns="91425" rIns="91425" bIns="91425" anchor="ctr" anchorCtr="0">
               <a:noAutofit/>
             </a:bodyPr>
             <a:lstStyle/>
             <a:p>
-              <a:pPr indent="0" lvl="0" marL="0" rtl="0" algn="l">
+              <a:pPr marL="0" lvl="0" indent="0" algn="l" rtl="0">
                 <a:spcBef>
                   <a:spcPts val="0"/>
                 </a:spcBef>
@@ -2703,9 +2881,6 @@
                 </a:spcAft>
                 <a:buNone/>
               </a:pPr>
-              <a:r>
-                <a:t/>
-              </a:r>
               <a:endParaRPr/>
             </a:p>
           </p:txBody>
@@ -2732,12 +2907,12 @@
             </a:ln>
           </p:spPr>
           <p:txBody>
-            <a:bodyPr anchorCtr="0" anchor="ctr" bIns="91425" lIns="91425" spcFirstLastPara="1" rIns="91425" wrap="square" tIns="91425">
+            <a:bodyPr spcFirstLastPara="1" wrap="square" lIns="91425" tIns="91425" rIns="91425" bIns="91425" anchor="ctr" anchorCtr="0">
               <a:noAutofit/>
             </a:bodyPr>
             <a:lstStyle/>
             <a:p>
-              <a:pPr indent="0" lvl="0" marL="0" rtl="0" algn="l">
+              <a:pPr marL="0" lvl="0" indent="0" algn="l" rtl="0">
                 <a:spcBef>
                   <a:spcPts val="0"/>
                 </a:spcBef>
@@ -2746,9 +2921,6 @@
                 </a:spcAft>
                 <a:buNone/>
               </a:pPr>
-              <a:r>
-                <a:t/>
-              </a:r>
               <a:endParaRPr/>
             </a:p>
           </p:txBody>
@@ -2757,7 +2929,9 @@
       <p:sp>
         <p:nvSpPr>
           <p:cNvPr id="28" name="Google Shape;28;p4"/>
-          <p:cNvSpPr txBox="1"/>
+          <p:cNvSpPr txBox="1">
+            <a:spLocks noGrp="1"/>
+          </p:cNvSpPr>
           <p:nvPr>
             <p:ph type="title"/>
           </p:nvPr>
@@ -2772,7 +2946,7 @@
           </a:prstGeom>
         </p:spPr>
         <p:txBody>
-          <a:bodyPr anchorCtr="0" anchor="t" bIns="91425" lIns="91425" spcFirstLastPara="1" rIns="91425" wrap="square" tIns="91425">
+          <a:bodyPr spcFirstLastPara="1" wrap="square" lIns="91425" tIns="91425" rIns="91425" bIns="91425" anchor="t" anchorCtr="0">
             <a:normAutofit/>
           </a:bodyPr>
           <a:lstStyle>
@@ -2876,15 +3050,19 @@
               <a:defRPr sz="2600"/>
             </a:lvl9pPr>
           </a:lstStyle>
-          <a:p/>
+          <a:p>
+            <a:endParaRPr/>
+          </a:p>
         </p:txBody>
       </p:sp>
       <p:sp>
         <p:nvSpPr>
           <p:cNvPr id="29" name="Google Shape;29;p4"/>
-          <p:cNvSpPr txBox="1"/>
+          <p:cNvSpPr txBox="1">
+            <a:spLocks noGrp="1"/>
+          </p:cNvSpPr>
           <p:nvPr>
-            <p:ph idx="1" type="body"/>
+            <p:ph type="body" idx="1"/>
           </p:nvPr>
         </p:nvSpPr>
         <p:spPr>
@@ -2897,11 +3075,11 @@
           </a:prstGeom>
         </p:spPr>
         <p:txBody>
-          <a:bodyPr anchorCtr="0" anchor="t" bIns="91425" lIns="91425" spcFirstLastPara="1" rIns="91425" wrap="square" tIns="91425">
+          <a:bodyPr spcFirstLastPara="1" wrap="square" lIns="91425" tIns="91425" rIns="91425" bIns="91425" anchor="t" anchorCtr="0">
             <a:normAutofit/>
           </a:bodyPr>
           <a:lstStyle>
-            <a:lvl1pPr indent="-311150" lvl="0" marL="457200">
+            <a:lvl1pPr marL="457200" lvl="0" indent="-311150">
               <a:spcBef>
                 <a:spcPts val="0"/>
               </a:spcBef>
@@ -2912,7 +3090,7 @@
               <a:buChar char="●"/>
               <a:defRPr/>
             </a:lvl1pPr>
-            <a:lvl2pPr indent="-298450" lvl="1" marL="914400">
+            <a:lvl2pPr marL="914400" lvl="1" indent="-298450">
               <a:spcBef>
                 <a:spcPts val="0"/>
               </a:spcBef>
@@ -2923,7 +3101,7 @@
               <a:buChar char="○"/>
               <a:defRPr/>
             </a:lvl2pPr>
-            <a:lvl3pPr indent="-298450" lvl="2" marL="1371600">
+            <a:lvl3pPr marL="1371600" lvl="2" indent="-298450">
               <a:spcBef>
                 <a:spcPts val="0"/>
               </a:spcBef>
@@ -2934,7 +3112,7 @@
               <a:buChar char="■"/>
               <a:defRPr/>
             </a:lvl3pPr>
-            <a:lvl4pPr indent="-298450" lvl="3" marL="1828800">
+            <a:lvl4pPr marL="1828800" lvl="3" indent="-298450">
               <a:spcBef>
                 <a:spcPts val="0"/>
               </a:spcBef>
@@ -2945,7 +3123,7 @@
               <a:buChar char="●"/>
               <a:defRPr/>
             </a:lvl4pPr>
-            <a:lvl5pPr indent="-298450" lvl="4" marL="2286000">
+            <a:lvl5pPr marL="2286000" lvl="4" indent="-298450">
               <a:spcBef>
                 <a:spcPts val="0"/>
               </a:spcBef>
@@ -2956,7 +3134,7 @@
               <a:buChar char="○"/>
               <a:defRPr/>
             </a:lvl5pPr>
-            <a:lvl6pPr indent="-298450" lvl="5" marL="2743200">
+            <a:lvl6pPr marL="2743200" lvl="5" indent="-298450">
               <a:spcBef>
                 <a:spcPts val="0"/>
               </a:spcBef>
@@ -2967,7 +3145,7 @@
               <a:buChar char="■"/>
               <a:defRPr/>
             </a:lvl6pPr>
-            <a:lvl7pPr indent="-298450" lvl="6" marL="3200400">
+            <a:lvl7pPr marL="3200400" lvl="6" indent="-298450">
               <a:spcBef>
                 <a:spcPts val="0"/>
               </a:spcBef>
@@ -2978,7 +3156,7 @@
               <a:buChar char="●"/>
               <a:defRPr/>
             </a:lvl7pPr>
-            <a:lvl8pPr indent="-298450" lvl="7" marL="3657600">
+            <a:lvl8pPr marL="3657600" lvl="7" indent="-298450">
               <a:spcBef>
                 <a:spcPts val="0"/>
               </a:spcBef>
@@ -2989,7 +3167,7 @@
               <a:buChar char="○"/>
               <a:defRPr/>
             </a:lvl8pPr>
-            <a:lvl9pPr indent="-298450" lvl="8" marL="4114800">
+            <a:lvl9pPr marL="4114800" lvl="8" indent="-298450">
               <a:spcBef>
                 <a:spcPts val="0"/>
               </a:spcBef>
@@ -3001,15 +3179,19 @@
               <a:defRPr/>
             </a:lvl9pPr>
           </a:lstStyle>
-          <a:p/>
+          <a:p>
+            <a:endParaRPr/>
+          </a:p>
         </p:txBody>
       </p:sp>
       <p:sp>
         <p:nvSpPr>
           <p:cNvPr id="30" name="Google Shape;30;p4"/>
-          <p:cNvSpPr txBox="1"/>
+          <p:cNvSpPr txBox="1">
+            <a:spLocks noGrp="1"/>
+          </p:cNvSpPr>
           <p:nvPr>
-            <p:ph idx="12" type="sldNum"/>
+            <p:ph type="sldNum" idx="12"/>
           </p:nvPr>
         </p:nvSpPr>
         <p:spPr>
@@ -3022,7 +3204,7 @@
           </a:prstGeom>
         </p:spPr>
         <p:txBody>
-          <a:bodyPr anchorCtr="0" anchor="ctr" bIns="91425" lIns="91425" spcFirstLastPara="1" rIns="91425" wrap="square" tIns="91425">
+          <a:bodyPr spcFirstLastPara="1" wrap="square" lIns="91425" tIns="91425" rIns="91425" bIns="91425" anchor="ctr" anchorCtr="0">
             <a:normAutofit/>
           </a:bodyPr>
           <a:lstStyle>
@@ -3064,7 +3246,7 @@
             </a:lvl9pPr>
           </a:lstStyle>
           <a:p>
-            <a:pPr indent="0" lvl="0" marL="0" rtl="0" algn="r">
+            <a:pPr marL="0" lvl="0" indent="0" algn="r" rtl="0">
               <a:spcBef>
                 <a:spcPts val="0"/>
               </a:spcBef>
@@ -3090,11 +3272,11 @@
 </file>
 
 <file path=ppt/slideLayouts/slideLayout4.xml><?xml version="1.0" encoding="utf-8"?>
-<p:sldLayout xmlns:a="http://schemas.openxmlformats.org/drawingml/2006/main" xmlns:r="http://schemas.openxmlformats.org/officeDocument/2006/relationships" xmlns:mc="http://schemas.openxmlformats.org/markup-compatibility/2006" xmlns:mv="urn:schemas-microsoft-com:mac:vml" xmlns:p="http://schemas.openxmlformats.org/presentationml/2006/main" xmlns:c="http://schemas.openxmlformats.org/drawingml/2006/chart" xmlns:dgm="http://schemas.openxmlformats.org/drawingml/2006/diagram" xmlns:o="urn:schemas-microsoft-com:office:office" xmlns:v="urn:schemas-microsoft-com:vml" xmlns:pvml="urn:schemas-microsoft-com:office:powerpoint" xmlns:com="http://schemas.openxmlformats.org/drawingml/2006/compatibility" xmlns:p14="http://schemas.microsoft.com/office/powerpoint/2010/main" xmlns:p15="http://schemas.microsoft.com/office/powerpoint/2012/main" xmlns:ahyp="http://schemas.microsoft.com/office/drawing/2018/hyperlinkcolor" matchingName="Title and two columns" type="twoColTx">
+<p:sldLayout xmlns:a="http://schemas.openxmlformats.org/drawingml/2006/main" xmlns:r="http://schemas.openxmlformats.org/officeDocument/2006/relationships" xmlns:p="http://schemas.openxmlformats.org/presentationml/2006/main" matchingName="Title and two columns" type="twoColTx">
   <p:cSld name="TITLE_AND_TWO_COLUMNS">
     <p:spTree>
       <p:nvGrpSpPr>
-        <p:cNvPr id="31" name="Shape 31"/>
+        <p:cNvPr id="1" name="Shape 31"/>
         <p:cNvGrpSpPr/>
         <p:nvPr/>
       </p:nvGrpSpPr>
@@ -3128,12 +3310,12 @@
           </a:ln>
         </p:spPr>
         <p:txBody>
-          <a:bodyPr anchorCtr="0" anchor="ctr" bIns="91425" lIns="91425" spcFirstLastPara="1" rIns="91425" wrap="square" tIns="91425">
+          <a:bodyPr spcFirstLastPara="1" wrap="square" lIns="91425" tIns="91425" rIns="91425" bIns="91425" anchor="ctr" anchorCtr="0">
             <a:noAutofit/>
           </a:bodyPr>
           <a:lstStyle/>
           <a:p>
-            <a:pPr indent="0" lvl="0" marL="0" rtl="0" algn="l">
+            <a:pPr marL="0" lvl="0" indent="0" algn="l" rtl="0">
               <a:spcBef>
                 <a:spcPts val="0"/>
               </a:spcBef>
@@ -3142,9 +3324,6 @@
               </a:spcAft>
               <a:buNone/>
             </a:pPr>
-            <a:r>
-              <a:t/>
-            </a:r>
             <a:endParaRPr/>
           </a:p>
         </p:txBody>
@@ -3185,12 +3364,12 @@
             </a:ln>
           </p:spPr>
           <p:txBody>
-            <a:bodyPr anchorCtr="0" anchor="ctr" bIns="91425" lIns="91425" spcFirstLastPara="1" rIns="91425" wrap="square" tIns="91425">
+            <a:bodyPr spcFirstLastPara="1" wrap="square" lIns="91425" tIns="91425" rIns="91425" bIns="91425" anchor="ctr" anchorCtr="0">
               <a:noAutofit/>
             </a:bodyPr>
             <a:lstStyle/>
             <a:p>
-              <a:pPr indent="0" lvl="0" marL="0" rtl="0" algn="l">
+              <a:pPr marL="0" lvl="0" indent="0" algn="l" rtl="0">
                 <a:spcBef>
                   <a:spcPts val="0"/>
                 </a:spcBef>
@@ -3199,9 +3378,6 @@
                 </a:spcAft>
                 <a:buNone/>
               </a:pPr>
-              <a:r>
-                <a:t/>
-              </a:r>
               <a:endParaRPr/>
             </a:p>
           </p:txBody>
@@ -3228,12 +3404,12 @@
             </a:ln>
           </p:spPr>
           <p:txBody>
-            <a:bodyPr anchorCtr="0" anchor="ctr" bIns="91425" lIns="91425" spcFirstLastPara="1" rIns="91425" wrap="square" tIns="91425">
+            <a:bodyPr spcFirstLastPara="1" wrap="square" lIns="91425" tIns="91425" rIns="91425" bIns="91425" anchor="ctr" anchorCtr="0">
               <a:noAutofit/>
             </a:bodyPr>
             <a:lstStyle/>
             <a:p>
-              <a:pPr indent="0" lvl="0" marL="0" rtl="0" algn="l">
+              <a:pPr marL="0" lvl="0" indent="0" algn="l" rtl="0">
                 <a:spcBef>
                   <a:spcPts val="0"/>
                 </a:spcBef>
@@ -3242,9 +3418,6 @@
                 </a:spcAft>
                 <a:buNone/>
               </a:pPr>
-              <a:r>
-                <a:t/>
-              </a:r>
               <a:endParaRPr/>
             </a:p>
           </p:txBody>
@@ -3253,7 +3426,9 @@
       <p:sp>
         <p:nvSpPr>
           <p:cNvPr id="36" name="Google Shape;36;p5"/>
-          <p:cNvSpPr txBox="1"/>
+          <p:cNvSpPr txBox="1">
+            <a:spLocks noGrp="1"/>
+          </p:cNvSpPr>
           <p:nvPr>
             <p:ph type="title"/>
           </p:nvPr>
@@ -3268,7 +3443,7 @@
           </a:prstGeom>
         </p:spPr>
         <p:txBody>
-          <a:bodyPr anchorCtr="0" anchor="t" bIns="91425" lIns="91425" spcFirstLastPara="1" rIns="91425" wrap="square" tIns="91425">
+          <a:bodyPr spcFirstLastPara="1" wrap="square" lIns="91425" tIns="91425" rIns="91425" bIns="91425" anchor="t" anchorCtr="0">
             <a:normAutofit/>
           </a:bodyPr>
           <a:lstStyle>
@@ -3372,15 +3547,19 @@
               <a:defRPr sz="2600"/>
             </a:lvl9pPr>
           </a:lstStyle>
-          <a:p/>
+          <a:p>
+            <a:endParaRPr/>
+          </a:p>
         </p:txBody>
       </p:sp>
       <p:sp>
         <p:nvSpPr>
           <p:cNvPr id="37" name="Google Shape;37;p5"/>
-          <p:cNvSpPr txBox="1"/>
+          <p:cNvSpPr txBox="1">
+            <a:spLocks noGrp="1"/>
+          </p:cNvSpPr>
           <p:nvPr>
-            <p:ph idx="1" type="body"/>
+            <p:ph type="body" idx="1"/>
           </p:nvPr>
         </p:nvSpPr>
         <p:spPr>
@@ -3393,11 +3572,11 @@
           </a:prstGeom>
         </p:spPr>
         <p:txBody>
-          <a:bodyPr anchorCtr="0" anchor="t" bIns="91425" lIns="91425" spcFirstLastPara="1" rIns="91425" wrap="square" tIns="91425">
+          <a:bodyPr spcFirstLastPara="1" wrap="square" lIns="91425" tIns="91425" rIns="91425" bIns="91425" anchor="t" anchorCtr="0">
             <a:normAutofit/>
           </a:bodyPr>
           <a:lstStyle>
-            <a:lvl1pPr indent="-311150" lvl="0" marL="457200">
+            <a:lvl1pPr marL="457200" lvl="0" indent="-311150">
               <a:spcBef>
                 <a:spcPts val="0"/>
               </a:spcBef>
@@ -3408,7 +3587,7 @@
               <a:buChar char="●"/>
               <a:defRPr/>
             </a:lvl1pPr>
-            <a:lvl2pPr indent="-298450" lvl="1" marL="914400">
+            <a:lvl2pPr marL="914400" lvl="1" indent="-298450">
               <a:spcBef>
                 <a:spcPts val="0"/>
               </a:spcBef>
@@ -3419,7 +3598,7 @@
               <a:buChar char="○"/>
               <a:defRPr/>
             </a:lvl2pPr>
-            <a:lvl3pPr indent="-298450" lvl="2" marL="1371600">
+            <a:lvl3pPr marL="1371600" lvl="2" indent="-298450">
               <a:spcBef>
                 <a:spcPts val="0"/>
               </a:spcBef>
@@ -3430,7 +3609,7 @@
               <a:buChar char="■"/>
               <a:defRPr/>
             </a:lvl3pPr>
-            <a:lvl4pPr indent="-298450" lvl="3" marL="1828800">
+            <a:lvl4pPr marL="1828800" lvl="3" indent="-298450">
               <a:spcBef>
                 <a:spcPts val="0"/>
               </a:spcBef>
@@ -3441,7 +3620,7 @@
               <a:buChar char="●"/>
               <a:defRPr/>
             </a:lvl4pPr>
-            <a:lvl5pPr indent="-298450" lvl="4" marL="2286000">
+            <a:lvl5pPr marL="2286000" lvl="4" indent="-298450">
               <a:spcBef>
                 <a:spcPts val="0"/>
               </a:spcBef>
@@ -3452,7 +3631,7 @@
               <a:buChar char="○"/>
               <a:defRPr/>
             </a:lvl5pPr>
-            <a:lvl6pPr indent="-298450" lvl="5" marL="2743200">
+            <a:lvl6pPr marL="2743200" lvl="5" indent="-298450">
               <a:spcBef>
                 <a:spcPts val="0"/>
               </a:spcBef>
@@ -3463,7 +3642,7 @@
               <a:buChar char="■"/>
               <a:defRPr/>
             </a:lvl6pPr>
-            <a:lvl7pPr indent="-298450" lvl="6" marL="3200400">
+            <a:lvl7pPr marL="3200400" lvl="6" indent="-298450">
               <a:spcBef>
                 <a:spcPts val="0"/>
               </a:spcBef>
@@ -3474,7 +3653,7 @@
               <a:buChar char="●"/>
               <a:defRPr/>
             </a:lvl7pPr>
-            <a:lvl8pPr indent="-298450" lvl="7" marL="3657600">
+            <a:lvl8pPr marL="3657600" lvl="7" indent="-298450">
               <a:spcBef>
                 <a:spcPts val="0"/>
               </a:spcBef>
@@ -3485,7 +3664,7 @@
               <a:buChar char="○"/>
               <a:defRPr/>
             </a:lvl8pPr>
-            <a:lvl9pPr indent="-298450" lvl="8" marL="4114800">
+            <a:lvl9pPr marL="4114800" lvl="8" indent="-298450">
               <a:spcBef>
                 <a:spcPts val="0"/>
               </a:spcBef>
@@ -3497,15 +3676,19 @@
               <a:defRPr/>
             </a:lvl9pPr>
           </a:lstStyle>
-          <a:p/>
+          <a:p>
+            <a:endParaRPr/>
+          </a:p>
         </p:txBody>
       </p:sp>
       <p:sp>
         <p:nvSpPr>
           <p:cNvPr id="38" name="Google Shape;38;p5"/>
-          <p:cNvSpPr txBox="1"/>
+          <p:cNvSpPr txBox="1">
+            <a:spLocks noGrp="1"/>
+          </p:cNvSpPr>
           <p:nvPr>
-            <p:ph idx="2" type="body"/>
+            <p:ph type="body" idx="2"/>
           </p:nvPr>
         </p:nvSpPr>
         <p:spPr>
@@ -3518,11 +3701,11 @@
           </a:prstGeom>
         </p:spPr>
         <p:txBody>
-          <a:bodyPr anchorCtr="0" anchor="t" bIns="91425" lIns="91425" spcFirstLastPara="1" rIns="91425" wrap="square" tIns="91425">
+          <a:bodyPr spcFirstLastPara="1" wrap="square" lIns="91425" tIns="91425" rIns="91425" bIns="91425" anchor="t" anchorCtr="0">
             <a:normAutofit/>
           </a:bodyPr>
           <a:lstStyle>
-            <a:lvl1pPr indent="-311150" lvl="0" marL="457200">
+            <a:lvl1pPr marL="457200" lvl="0" indent="-311150">
               <a:spcBef>
                 <a:spcPts val="0"/>
               </a:spcBef>
@@ -3533,7 +3716,7 @@
               <a:buChar char="●"/>
               <a:defRPr/>
             </a:lvl1pPr>
-            <a:lvl2pPr indent="-298450" lvl="1" marL="914400">
+            <a:lvl2pPr marL="914400" lvl="1" indent="-298450">
               <a:spcBef>
                 <a:spcPts val="0"/>
               </a:spcBef>
@@ -3544,7 +3727,7 @@
               <a:buChar char="○"/>
               <a:defRPr/>
             </a:lvl2pPr>
-            <a:lvl3pPr indent="-298450" lvl="2" marL="1371600">
+            <a:lvl3pPr marL="1371600" lvl="2" indent="-298450">
               <a:spcBef>
                 <a:spcPts val="0"/>
               </a:spcBef>
@@ -3555,7 +3738,7 @@
               <a:buChar char="■"/>
               <a:defRPr/>
             </a:lvl3pPr>
-            <a:lvl4pPr indent="-298450" lvl="3" marL="1828800">
+            <a:lvl4pPr marL="1828800" lvl="3" indent="-298450">
               <a:spcBef>
                 <a:spcPts val="0"/>
               </a:spcBef>
@@ -3566,7 +3749,7 @@
               <a:buChar char="●"/>
               <a:defRPr/>
             </a:lvl4pPr>
-            <a:lvl5pPr indent="-298450" lvl="4" marL="2286000">
+            <a:lvl5pPr marL="2286000" lvl="4" indent="-298450">
               <a:spcBef>
                 <a:spcPts val="0"/>
               </a:spcBef>
@@ -3577,7 +3760,7 @@
               <a:buChar char="○"/>
               <a:defRPr/>
             </a:lvl5pPr>
-            <a:lvl6pPr indent="-298450" lvl="5" marL="2743200">
+            <a:lvl6pPr marL="2743200" lvl="5" indent="-298450">
               <a:spcBef>
                 <a:spcPts val="0"/>
               </a:spcBef>
@@ -3588,7 +3771,7 @@
               <a:buChar char="■"/>
               <a:defRPr/>
             </a:lvl6pPr>
-            <a:lvl7pPr indent="-298450" lvl="6" marL="3200400">
+            <a:lvl7pPr marL="3200400" lvl="6" indent="-298450">
               <a:spcBef>
                 <a:spcPts val="0"/>
               </a:spcBef>
@@ -3599,7 +3782,7 @@
               <a:buChar char="●"/>
               <a:defRPr/>
             </a:lvl7pPr>
-            <a:lvl8pPr indent="-298450" lvl="7" marL="3657600">
+            <a:lvl8pPr marL="3657600" lvl="7" indent="-298450">
               <a:spcBef>
                 <a:spcPts val="0"/>
               </a:spcBef>
@@ -3610,7 +3793,7 @@
               <a:buChar char="○"/>
               <a:defRPr/>
             </a:lvl8pPr>
-            <a:lvl9pPr indent="-298450" lvl="8" marL="4114800">
+            <a:lvl9pPr marL="4114800" lvl="8" indent="-298450">
               <a:spcBef>
                 <a:spcPts val="0"/>
               </a:spcBef>
@@ -3622,15 +3805,19 @@
               <a:defRPr/>
             </a:lvl9pPr>
           </a:lstStyle>
-          <a:p/>
+          <a:p>
+            <a:endParaRPr/>
+          </a:p>
         </p:txBody>
       </p:sp>
       <p:sp>
         <p:nvSpPr>
           <p:cNvPr id="39" name="Google Shape;39;p5"/>
-          <p:cNvSpPr txBox="1"/>
+          <p:cNvSpPr txBox="1">
+            <a:spLocks noGrp="1"/>
+          </p:cNvSpPr>
           <p:nvPr>
-            <p:ph idx="12" type="sldNum"/>
+            <p:ph type="sldNum" idx="12"/>
           </p:nvPr>
         </p:nvSpPr>
         <p:spPr>
@@ -3643,7 +3830,7 @@
           </a:prstGeom>
         </p:spPr>
         <p:txBody>
-          <a:bodyPr anchorCtr="0" anchor="ctr" bIns="91425" lIns="91425" spcFirstLastPara="1" rIns="91425" wrap="square" tIns="91425">
+          <a:bodyPr spcFirstLastPara="1" wrap="square" lIns="91425" tIns="91425" rIns="91425" bIns="91425" anchor="ctr" anchorCtr="0">
             <a:normAutofit/>
           </a:bodyPr>
           <a:lstStyle>
@@ -3685,7 +3872,7 @@
             </a:lvl9pPr>
           </a:lstStyle>
           <a:p>
-            <a:pPr indent="0" lvl="0" marL="0" rtl="0" algn="r">
+            <a:pPr marL="0" lvl="0" indent="0" algn="r" rtl="0">
               <a:spcBef>
                 <a:spcPts val="0"/>
               </a:spcBef>
@@ -3711,11 +3898,11 @@
 </file>
 
 <file path=ppt/slideLayouts/slideLayout5.xml><?xml version="1.0" encoding="utf-8"?>
-<p:sldLayout xmlns:a="http://schemas.openxmlformats.org/drawingml/2006/main" xmlns:r="http://schemas.openxmlformats.org/officeDocument/2006/relationships" xmlns:mc="http://schemas.openxmlformats.org/markup-compatibility/2006" xmlns:mv="urn:schemas-microsoft-com:mac:vml" xmlns:p="http://schemas.openxmlformats.org/presentationml/2006/main" xmlns:c="http://schemas.openxmlformats.org/drawingml/2006/chart" xmlns:dgm="http://schemas.openxmlformats.org/drawingml/2006/diagram" xmlns:o="urn:schemas-microsoft-com:office:office" xmlns:v="urn:schemas-microsoft-com:vml" xmlns:pvml="urn:schemas-microsoft-com:office:powerpoint" xmlns:com="http://schemas.openxmlformats.org/drawingml/2006/compatibility" xmlns:p14="http://schemas.microsoft.com/office/powerpoint/2010/main" xmlns:p15="http://schemas.microsoft.com/office/powerpoint/2012/main" xmlns:ahyp="http://schemas.microsoft.com/office/drawing/2018/hyperlinkcolor" matchingName="Title only" type="titleOnly">
+<p:sldLayout xmlns:a="http://schemas.openxmlformats.org/drawingml/2006/main" xmlns:r="http://schemas.openxmlformats.org/officeDocument/2006/relationships" xmlns:p="http://schemas.openxmlformats.org/presentationml/2006/main" matchingName="Title only" type="titleOnly">
   <p:cSld name="TITLE_ONLY">
     <p:spTree>
       <p:nvGrpSpPr>
-        <p:cNvPr id="40" name="Shape 40"/>
+        <p:cNvPr id="1" name="Shape 40"/>
         <p:cNvGrpSpPr/>
         <p:nvPr/>
       </p:nvGrpSpPr>
@@ -3749,12 +3936,12 @@
           </a:ln>
         </p:spPr>
         <p:txBody>
-          <a:bodyPr anchorCtr="0" anchor="ctr" bIns="91425" lIns="91425" spcFirstLastPara="1" rIns="91425" wrap="square" tIns="91425">
+          <a:bodyPr spcFirstLastPara="1" wrap="square" lIns="91425" tIns="91425" rIns="91425" bIns="91425" anchor="ctr" anchorCtr="0">
             <a:noAutofit/>
           </a:bodyPr>
           <a:lstStyle/>
           <a:p>
-            <a:pPr indent="0" lvl="0" marL="0" rtl="0" algn="l">
+            <a:pPr marL="0" lvl="0" indent="0" algn="l" rtl="0">
               <a:spcBef>
                 <a:spcPts val="0"/>
               </a:spcBef>
@@ -3763,9 +3950,6 @@
               </a:spcAft>
               <a:buNone/>
             </a:pPr>
-            <a:r>
-              <a:t/>
-            </a:r>
             <a:endParaRPr/>
           </a:p>
         </p:txBody>
@@ -3806,12 +3990,12 @@
             </a:ln>
           </p:spPr>
           <p:txBody>
-            <a:bodyPr anchorCtr="0" anchor="ctr" bIns="91425" lIns="91425" spcFirstLastPara="1" rIns="91425" wrap="square" tIns="91425">
+            <a:bodyPr spcFirstLastPara="1" wrap="square" lIns="91425" tIns="91425" rIns="91425" bIns="91425" anchor="ctr" anchorCtr="0">
               <a:noAutofit/>
             </a:bodyPr>
             <a:lstStyle/>
             <a:p>
-              <a:pPr indent="0" lvl="0" marL="0" rtl="0" algn="l">
+              <a:pPr marL="0" lvl="0" indent="0" algn="l" rtl="0">
                 <a:spcBef>
                   <a:spcPts val="0"/>
                 </a:spcBef>
@@ -3820,9 +4004,6 @@
                 </a:spcAft>
                 <a:buNone/>
               </a:pPr>
-              <a:r>
-                <a:t/>
-              </a:r>
               <a:endParaRPr/>
             </a:p>
           </p:txBody>
@@ -3849,12 +4030,12 @@
             </a:ln>
           </p:spPr>
           <p:txBody>
-            <a:bodyPr anchorCtr="0" anchor="ctr" bIns="91425" lIns="91425" spcFirstLastPara="1" rIns="91425" wrap="square" tIns="91425">
+            <a:bodyPr spcFirstLastPara="1" wrap="square" lIns="91425" tIns="91425" rIns="91425" bIns="91425" anchor="ctr" anchorCtr="0">
               <a:noAutofit/>
             </a:bodyPr>
             <a:lstStyle/>
             <a:p>
-              <a:pPr indent="0" lvl="0" marL="0" rtl="0" algn="l">
+              <a:pPr marL="0" lvl="0" indent="0" algn="l" rtl="0">
                 <a:spcBef>
                   <a:spcPts val="0"/>
                 </a:spcBef>
@@ -3863,9 +4044,6 @@
                 </a:spcAft>
                 <a:buNone/>
               </a:pPr>
-              <a:r>
-                <a:t/>
-              </a:r>
               <a:endParaRPr/>
             </a:p>
           </p:txBody>
@@ -3874,7 +4052,9 @@
       <p:sp>
         <p:nvSpPr>
           <p:cNvPr id="45" name="Google Shape;45;p6"/>
-          <p:cNvSpPr txBox="1"/>
+          <p:cNvSpPr txBox="1">
+            <a:spLocks noGrp="1"/>
+          </p:cNvSpPr>
           <p:nvPr>
             <p:ph type="title"/>
           </p:nvPr>
@@ -3889,7 +4069,7 @@
           </a:prstGeom>
         </p:spPr>
         <p:txBody>
-          <a:bodyPr anchorCtr="0" anchor="t" bIns="91425" lIns="91425" spcFirstLastPara="1" rIns="91425" wrap="square" tIns="91425">
+          <a:bodyPr spcFirstLastPara="1" wrap="square" lIns="91425" tIns="91425" rIns="91425" bIns="91425" anchor="t" anchorCtr="0">
             <a:normAutofit/>
           </a:bodyPr>
           <a:lstStyle>
@@ -3993,15 +4173,19 @@
               <a:defRPr sz="2600"/>
             </a:lvl9pPr>
           </a:lstStyle>
-          <a:p/>
+          <a:p>
+            <a:endParaRPr/>
+          </a:p>
         </p:txBody>
       </p:sp>
       <p:sp>
         <p:nvSpPr>
           <p:cNvPr id="46" name="Google Shape;46;p6"/>
-          <p:cNvSpPr txBox="1"/>
+          <p:cNvSpPr txBox="1">
+            <a:spLocks noGrp="1"/>
+          </p:cNvSpPr>
           <p:nvPr>
-            <p:ph idx="12" type="sldNum"/>
+            <p:ph type="sldNum" idx="12"/>
           </p:nvPr>
         </p:nvSpPr>
         <p:spPr>
@@ -4014,7 +4198,7 @@
           </a:prstGeom>
         </p:spPr>
         <p:txBody>
-          <a:bodyPr anchorCtr="0" anchor="ctr" bIns="91425" lIns="91425" spcFirstLastPara="1" rIns="91425" wrap="square" tIns="91425">
+          <a:bodyPr spcFirstLastPara="1" wrap="square" lIns="91425" tIns="91425" rIns="91425" bIns="91425" anchor="ctr" anchorCtr="0">
             <a:normAutofit/>
           </a:bodyPr>
           <a:lstStyle>
@@ -4056,7 +4240,7 @@
             </a:lvl9pPr>
           </a:lstStyle>
           <a:p>
-            <a:pPr indent="0" lvl="0" marL="0" rtl="0" algn="r">
+            <a:pPr marL="0" lvl="0" indent="0" algn="r" rtl="0">
               <a:spcBef>
                 <a:spcPts val="0"/>
               </a:spcBef>
@@ -4082,11 +4266,11 @@
 </file>
 
 <file path=ppt/slideLayouts/slideLayout6.xml><?xml version="1.0" encoding="utf-8"?>
-<p:sldLayout xmlns:a="http://schemas.openxmlformats.org/drawingml/2006/main" xmlns:r="http://schemas.openxmlformats.org/officeDocument/2006/relationships" xmlns:mc="http://schemas.openxmlformats.org/markup-compatibility/2006" xmlns:mv="urn:schemas-microsoft-com:mac:vml" xmlns:p="http://schemas.openxmlformats.org/presentationml/2006/main" xmlns:c="http://schemas.openxmlformats.org/drawingml/2006/chart" xmlns:dgm="http://schemas.openxmlformats.org/drawingml/2006/diagram" xmlns:o="urn:schemas-microsoft-com:office:office" xmlns:v="urn:schemas-microsoft-com:vml" xmlns:pvml="urn:schemas-microsoft-com:office:powerpoint" xmlns:com="http://schemas.openxmlformats.org/drawingml/2006/compatibility" xmlns:p14="http://schemas.microsoft.com/office/powerpoint/2010/main" xmlns:p15="http://schemas.microsoft.com/office/powerpoint/2012/main" xmlns:ahyp="http://schemas.microsoft.com/office/drawing/2018/hyperlinkcolor" matchingName="One column text">
+<p:sldLayout xmlns:a="http://schemas.openxmlformats.org/drawingml/2006/main" xmlns:r="http://schemas.openxmlformats.org/officeDocument/2006/relationships" xmlns:p="http://schemas.openxmlformats.org/presentationml/2006/main" matchingName="One column text">
   <p:cSld name="ONE_COLUMN_TEXT">
     <p:spTree>
       <p:nvGrpSpPr>
-        <p:cNvPr id="47" name="Shape 47"/>
+        <p:cNvPr id="1" name="Shape 47"/>
         <p:cNvGrpSpPr/>
         <p:nvPr/>
       </p:nvGrpSpPr>
@@ -4120,12 +4304,12 @@
           </a:ln>
         </p:spPr>
         <p:txBody>
-          <a:bodyPr anchorCtr="0" anchor="ctr" bIns="91425" lIns="91425" spcFirstLastPara="1" rIns="91425" wrap="square" tIns="91425">
+          <a:bodyPr spcFirstLastPara="1" wrap="square" lIns="91425" tIns="91425" rIns="91425" bIns="91425" anchor="ctr" anchorCtr="0">
             <a:noAutofit/>
           </a:bodyPr>
           <a:lstStyle/>
           <a:p>
-            <a:pPr indent="0" lvl="0" marL="0" rtl="0" algn="l">
+            <a:pPr marL="0" lvl="0" indent="0" algn="l" rtl="0">
               <a:spcBef>
                 <a:spcPts val="0"/>
               </a:spcBef>
@@ -4134,9 +4318,6 @@
               </a:spcAft>
               <a:buNone/>
             </a:pPr>
-            <a:r>
-              <a:t/>
-            </a:r>
             <a:endParaRPr/>
           </a:p>
         </p:txBody>
@@ -4177,12 +4358,12 @@
             </a:ln>
           </p:spPr>
           <p:txBody>
-            <a:bodyPr anchorCtr="0" anchor="ctr" bIns="91425" lIns="91425" spcFirstLastPara="1" rIns="91425" wrap="square" tIns="91425">
+            <a:bodyPr spcFirstLastPara="1" wrap="square" lIns="91425" tIns="91425" rIns="91425" bIns="91425" anchor="ctr" anchorCtr="0">
               <a:noAutofit/>
             </a:bodyPr>
             <a:lstStyle/>
             <a:p>
-              <a:pPr indent="0" lvl="0" marL="0" rtl="0" algn="l">
+              <a:pPr marL="0" lvl="0" indent="0" algn="l" rtl="0">
                 <a:spcBef>
                   <a:spcPts val="0"/>
                 </a:spcBef>
@@ -4191,9 +4372,6 @@
                 </a:spcAft>
                 <a:buNone/>
               </a:pPr>
-              <a:r>
-                <a:t/>
-              </a:r>
               <a:endParaRPr/>
             </a:p>
           </p:txBody>
@@ -4220,12 +4398,12 @@
             </a:ln>
           </p:spPr>
           <p:txBody>
-            <a:bodyPr anchorCtr="0" anchor="ctr" bIns="91425" lIns="91425" spcFirstLastPara="1" rIns="91425" wrap="square" tIns="91425">
+            <a:bodyPr spcFirstLastPara="1" wrap="square" lIns="91425" tIns="91425" rIns="91425" bIns="91425" anchor="ctr" anchorCtr="0">
               <a:noAutofit/>
             </a:bodyPr>
             <a:lstStyle/>
             <a:p>
-              <a:pPr indent="0" lvl="0" marL="0" rtl="0" algn="l">
+              <a:pPr marL="0" lvl="0" indent="0" algn="l" rtl="0">
                 <a:spcBef>
                   <a:spcPts val="0"/>
                 </a:spcBef>
@@ -4234,9 +4412,6 @@
                 </a:spcAft>
                 <a:buNone/>
               </a:pPr>
-              <a:r>
-                <a:t/>
-              </a:r>
               <a:endParaRPr/>
             </a:p>
           </p:txBody>
@@ -4245,7 +4420,9 @@
       <p:sp>
         <p:nvSpPr>
           <p:cNvPr id="52" name="Google Shape;52;p7"/>
-          <p:cNvSpPr txBox="1"/>
+          <p:cNvSpPr txBox="1">
+            <a:spLocks noGrp="1"/>
+          </p:cNvSpPr>
           <p:nvPr>
             <p:ph type="title"/>
           </p:nvPr>
@@ -4260,7 +4437,7 @@
           </a:prstGeom>
         </p:spPr>
         <p:txBody>
-          <a:bodyPr anchorCtr="0" anchor="t" bIns="91425" lIns="91425" spcFirstLastPara="1" rIns="91425" wrap="square" tIns="91425">
+          <a:bodyPr spcFirstLastPara="1" wrap="square" lIns="91425" tIns="91425" rIns="91425" bIns="91425" anchor="t" anchorCtr="0">
             <a:normAutofit/>
           </a:bodyPr>
           <a:lstStyle>
@@ -4364,15 +4541,19 @@
               <a:defRPr sz="2600"/>
             </a:lvl9pPr>
           </a:lstStyle>
-          <a:p/>
+          <a:p>
+            <a:endParaRPr/>
+          </a:p>
         </p:txBody>
       </p:sp>
       <p:sp>
         <p:nvSpPr>
           <p:cNvPr id="53" name="Google Shape;53;p7"/>
-          <p:cNvSpPr txBox="1"/>
+          <p:cNvSpPr txBox="1">
+            <a:spLocks noGrp="1"/>
+          </p:cNvSpPr>
           <p:nvPr>
-            <p:ph idx="1" type="body"/>
+            <p:ph type="body" idx="1"/>
           </p:nvPr>
         </p:nvSpPr>
         <p:spPr>
@@ -4385,11 +4566,11 @@
           </a:prstGeom>
         </p:spPr>
         <p:txBody>
-          <a:bodyPr anchorCtr="0" anchor="t" bIns="91425" lIns="91425" spcFirstLastPara="1" rIns="91425" wrap="square" tIns="91425">
+          <a:bodyPr spcFirstLastPara="1" wrap="square" lIns="91425" tIns="91425" rIns="91425" bIns="91425" anchor="t" anchorCtr="0">
             <a:normAutofit/>
           </a:bodyPr>
           <a:lstStyle>
-            <a:lvl1pPr indent="-311150" lvl="0" marL="457200">
+            <a:lvl1pPr marL="457200" lvl="0" indent="-311150">
               <a:spcBef>
                 <a:spcPts val="0"/>
               </a:spcBef>
@@ -4400,7 +4581,7 @@
               <a:buChar char="●"/>
               <a:defRPr/>
             </a:lvl1pPr>
-            <a:lvl2pPr indent="-298450" lvl="1" marL="914400">
+            <a:lvl2pPr marL="914400" lvl="1" indent="-298450">
               <a:spcBef>
                 <a:spcPts val="0"/>
               </a:spcBef>
@@ -4411,7 +4592,7 @@
               <a:buChar char="○"/>
               <a:defRPr/>
             </a:lvl2pPr>
-            <a:lvl3pPr indent="-298450" lvl="2" marL="1371600">
+            <a:lvl3pPr marL="1371600" lvl="2" indent="-298450">
               <a:spcBef>
                 <a:spcPts val="0"/>
               </a:spcBef>
@@ -4422,7 +4603,7 @@
               <a:buChar char="■"/>
               <a:defRPr/>
             </a:lvl3pPr>
-            <a:lvl4pPr indent="-298450" lvl="3" marL="1828800">
+            <a:lvl4pPr marL="1828800" lvl="3" indent="-298450">
               <a:spcBef>
                 <a:spcPts val="0"/>
               </a:spcBef>
@@ -4433,7 +4614,7 @@
               <a:buChar char="●"/>
               <a:defRPr/>
             </a:lvl4pPr>
-            <a:lvl5pPr indent="-298450" lvl="4" marL="2286000">
+            <a:lvl5pPr marL="2286000" lvl="4" indent="-298450">
               <a:spcBef>
                 <a:spcPts val="0"/>
               </a:spcBef>
@@ -4444,7 +4625,7 @@
               <a:buChar char="○"/>
               <a:defRPr/>
             </a:lvl5pPr>
-            <a:lvl6pPr indent="-298450" lvl="5" marL="2743200">
+            <a:lvl6pPr marL="2743200" lvl="5" indent="-298450">
               <a:spcBef>
                 <a:spcPts val="0"/>
               </a:spcBef>
@@ -4455,7 +4636,7 @@
               <a:buChar char="■"/>
               <a:defRPr/>
             </a:lvl6pPr>
-            <a:lvl7pPr indent="-298450" lvl="6" marL="3200400">
+            <a:lvl7pPr marL="3200400" lvl="6" indent="-298450">
               <a:spcBef>
                 <a:spcPts val="0"/>
               </a:spcBef>
@@ -4466,7 +4647,7 @@
               <a:buChar char="●"/>
               <a:defRPr/>
             </a:lvl7pPr>
-            <a:lvl8pPr indent="-298450" lvl="7" marL="3657600">
+            <a:lvl8pPr marL="3657600" lvl="7" indent="-298450">
               <a:spcBef>
                 <a:spcPts val="0"/>
               </a:spcBef>
@@ -4477,7 +4658,7 @@
               <a:buChar char="○"/>
               <a:defRPr/>
             </a:lvl8pPr>
-            <a:lvl9pPr indent="-298450" lvl="8" marL="4114800">
+            <a:lvl9pPr marL="4114800" lvl="8" indent="-298450">
               <a:spcBef>
                 <a:spcPts val="0"/>
               </a:spcBef>
@@ -4489,15 +4670,19 @@
               <a:defRPr/>
             </a:lvl9pPr>
           </a:lstStyle>
-          <a:p/>
+          <a:p>
+            <a:endParaRPr/>
+          </a:p>
         </p:txBody>
       </p:sp>
       <p:sp>
         <p:nvSpPr>
           <p:cNvPr id="54" name="Google Shape;54;p7"/>
-          <p:cNvSpPr txBox="1"/>
+          <p:cNvSpPr txBox="1">
+            <a:spLocks noGrp="1"/>
+          </p:cNvSpPr>
           <p:nvPr>
-            <p:ph idx="12" type="sldNum"/>
+            <p:ph type="sldNum" idx="12"/>
           </p:nvPr>
         </p:nvSpPr>
         <p:spPr>
@@ -4510,7 +4695,7 @@
           </a:prstGeom>
         </p:spPr>
         <p:txBody>
-          <a:bodyPr anchorCtr="0" anchor="ctr" bIns="91425" lIns="91425" spcFirstLastPara="1" rIns="91425" wrap="square" tIns="91425">
+          <a:bodyPr spcFirstLastPara="1" wrap="square" lIns="91425" tIns="91425" rIns="91425" bIns="91425" anchor="ctr" anchorCtr="0">
             <a:normAutofit/>
           </a:bodyPr>
           <a:lstStyle>
@@ -4552,7 +4737,7 @@
             </a:lvl9pPr>
           </a:lstStyle>
           <a:p>
-            <a:pPr indent="0" lvl="0" marL="0" rtl="0" algn="r">
+            <a:pPr marL="0" lvl="0" indent="0" algn="r" rtl="0">
               <a:spcBef>
                 <a:spcPts val="0"/>
               </a:spcBef>
@@ -4578,18 +4763,19 @@
 </file>
 
 <file path=ppt/slideLayouts/slideLayout7.xml><?xml version="1.0" encoding="utf-8"?>
-<p:sldLayout xmlns:a="http://schemas.openxmlformats.org/drawingml/2006/main" xmlns:r="http://schemas.openxmlformats.org/officeDocument/2006/relationships" xmlns:mc="http://schemas.openxmlformats.org/markup-compatibility/2006" xmlns:mv="urn:schemas-microsoft-com:mac:vml" xmlns:p="http://schemas.openxmlformats.org/presentationml/2006/main" xmlns:c="http://schemas.openxmlformats.org/drawingml/2006/chart" xmlns:dgm="http://schemas.openxmlformats.org/drawingml/2006/diagram" xmlns:o="urn:schemas-microsoft-com:office:office" xmlns:v="urn:schemas-microsoft-com:vml" xmlns:pvml="urn:schemas-microsoft-com:office:powerpoint" xmlns:com="http://schemas.openxmlformats.org/drawingml/2006/compatibility" xmlns:p14="http://schemas.microsoft.com/office/powerpoint/2010/main" xmlns:p15="http://schemas.microsoft.com/office/powerpoint/2012/main" xmlns:ahyp="http://schemas.microsoft.com/office/drawing/2018/hyperlinkcolor" matchingName="Main point">
+<p:sldLayout xmlns:a="http://schemas.openxmlformats.org/drawingml/2006/main" xmlns:r="http://schemas.openxmlformats.org/officeDocument/2006/relationships" xmlns:p="http://schemas.openxmlformats.org/presentationml/2006/main" matchingName="Main point">
   <p:cSld name="MAIN_POINT">
     <p:bg>
       <p:bgPr>
         <a:solidFill>
           <a:schemeClr val="accent3"/>
         </a:solidFill>
+        <a:effectLst/>
       </p:bgPr>
     </p:bg>
     <p:spTree>
       <p:nvGrpSpPr>
-        <p:cNvPr id="55" name="Shape 55"/>
+        <p:cNvPr id="1" name="Shape 55"/>
         <p:cNvGrpSpPr/>
         <p:nvPr/>
       </p:nvGrpSpPr>
@@ -4637,12 +4823,12 @@
             </a:ln>
           </p:spPr>
           <p:txBody>
-            <a:bodyPr anchorCtr="0" anchor="ctr" bIns="91425" lIns="91425" spcFirstLastPara="1" rIns="91425" wrap="square" tIns="91425">
+            <a:bodyPr spcFirstLastPara="1" wrap="square" lIns="91425" tIns="91425" rIns="91425" bIns="91425" anchor="ctr" anchorCtr="0">
               <a:noAutofit/>
             </a:bodyPr>
             <a:lstStyle/>
             <a:p>
-              <a:pPr indent="0" lvl="0" marL="0" rtl="0" algn="l">
+              <a:pPr marL="0" lvl="0" indent="0" algn="l" rtl="0">
                 <a:spcBef>
                   <a:spcPts val="0"/>
                 </a:spcBef>
@@ -4651,9 +4837,6 @@
                 </a:spcAft>
                 <a:buNone/>
               </a:pPr>
-              <a:r>
-                <a:t/>
-              </a:r>
               <a:endParaRPr/>
             </a:p>
           </p:txBody>
@@ -4680,12 +4863,12 @@
             </a:ln>
           </p:spPr>
           <p:txBody>
-            <a:bodyPr anchorCtr="0" anchor="ctr" bIns="91425" lIns="91425" spcFirstLastPara="1" rIns="91425" wrap="square" tIns="91425">
+            <a:bodyPr spcFirstLastPara="1" wrap="square" lIns="91425" tIns="91425" rIns="91425" bIns="91425" anchor="ctr" anchorCtr="0">
               <a:noAutofit/>
             </a:bodyPr>
             <a:lstStyle/>
             <a:p>
-              <a:pPr indent="0" lvl="0" marL="0" rtl="0" algn="l">
+              <a:pPr marL="0" lvl="0" indent="0" algn="l" rtl="0">
                 <a:spcBef>
                   <a:spcPts val="0"/>
                 </a:spcBef>
@@ -4694,9 +4877,6 @@
                 </a:spcAft>
                 <a:buNone/>
               </a:pPr>
-              <a:r>
-                <a:t/>
-              </a:r>
               <a:endParaRPr/>
             </a:p>
           </p:txBody>
@@ -4705,7 +4885,9 @@
       <p:sp>
         <p:nvSpPr>
           <p:cNvPr id="59" name="Google Shape;59;p8"/>
-          <p:cNvSpPr txBox="1"/>
+          <p:cNvSpPr txBox="1">
+            <a:spLocks noGrp="1"/>
+          </p:cNvSpPr>
           <p:nvPr>
             <p:ph type="title"/>
           </p:nvPr>
@@ -4720,7 +4902,7 @@
           </a:prstGeom>
         </p:spPr>
         <p:txBody>
-          <a:bodyPr anchorCtr="0" anchor="ctr" bIns="91425" lIns="91425" spcFirstLastPara="1" rIns="91425" wrap="square" tIns="91425">
+          <a:bodyPr spcFirstLastPara="1" wrap="square" lIns="91425" tIns="91425" rIns="91425" bIns="91425" anchor="ctr" anchorCtr="0">
             <a:normAutofit/>
           </a:bodyPr>
           <a:lstStyle>
@@ -4887,15 +5069,19 @@
               </a:defRPr>
             </a:lvl9pPr>
           </a:lstStyle>
-          <a:p/>
+          <a:p>
+            <a:endParaRPr/>
+          </a:p>
         </p:txBody>
       </p:sp>
       <p:sp>
         <p:nvSpPr>
           <p:cNvPr id="60" name="Google Shape;60;p8"/>
-          <p:cNvSpPr txBox="1"/>
+          <p:cNvSpPr txBox="1">
+            <a:spLocks noGrp="1"/>
+          </p:cNvSpPr>
           <p:nvPr>
-            <p:ph idx="12" type="sldNum"/>
+            <p:ph type="sldNum" idx="12"/>
           </p:nvPr>
         </p:nvSpPr>
         <p:spPr>
@@ -4908,7 +5094,7 @@
           </a:prstGeom>
         </p:spPr>
         <p:txBody>
-          <a:bodyPr anchorCtr="0" anchor="ctr" bIns="91425" lIns="91425" spcFirstLastPara="1" rIns="91425" wrap="square" tIns="91425">
+          <a:bodyPr spcFirstLastPara="1" wrap="square" lIns="91425" tIns="91425" rIns="91425" bIns="91425" anchor="ctr" anchorCtr="0">
             <a:normAutofit/>
           </a:bodyPr>
           <a:lstStyle>
@@ -4986,7 +5172,7 @@
             </a:lvl9pPr>
           </a:lstStyle>
           <a:p>
-            <a:pPr indent="0" lvl="0" marL="0" rtl="0" algn="r">
+            <a:pPr marL="0" lvl="0" indent="0" algn="r" rtl="0">
               <a:spcBef>
                 <a:spcPts val="0"/>
               </a:spcBef>
@@ -5012,11 +5198,11 @@
 </file>
 
 <file path=ppt/slideLayouts/slideLayout8.xml><?xml version="1.0" encoding="utf-8"?>
-<p:sldLayout xmlns:a="http://schemas.openxmlformats.org/drawingml/2006/main" xmlns:r="http://schemas.openxmlformats.org/officeDocument/2006/relationships" xmlns:mc="http://schemas.openxmlformats.org/markup-compatibility/2006" xmlns:mv="urn:schemas-microsoft-com:mac:vml" xmlns:p="http://schemas.openxmlformats.org/presentationml/2006/main" xmlns:c="http://schemas.openxmlformats.org/drawingml/2006/chart" xmlns:dgm="http://schemas.openxmlformats.org/drawingml/2006/diagram" xmlns:o="urn:schemas-microsoft-com:office:office" xmlns:v="urn:schemas-microsoft-com:vml" xmlns:pvml="urn:schemas-microsoft-com:office:powerpoint" xmlns:com="http://schemas.openxmlformats.org/drawingml/2006/compatibility" xmlns:p14="http://schemas.microsoft.com/office/powerpoint/2010/main" xmlns:p15="http://schemas.microsoft.com/office/powerpoint/2012/main" xmlns:ahyp="http://schemas.microsoft.com/office/drawing/2018/hyperlinkcolor" matchingName="Section title and description">
+<p:sldLayout xmlns:a="http://schemas.openxmlformats.org/drawingml/2006/main" xmlns:r="http://schemas.openxmlformats.org/officeDocument/2006/relationships" xmlns:p="http://schemas.openxmlformats.org/presentationml/2006/main" matchingName="Section title and description">
   <p:cSld name="SECTION_TITLE_AND_DESCRIPTION">
     <p:spTree>
       <p:nvGrpSpPr>
-        <p:cNvPr id="61" name="Shape 61"/>
+        <p:cNvPr id="1" name="Shape 61"/>
         <p:cNvGrpSpPr/>
         <p:nvPr/>
       </p:nvGrpSpPr>
@@ -5050,12 +5236,12 @@
           </a:ln>
         </p:spPr>
         <p:txBody>
-          <a:bodyPr anchorCtr="0" anchor="ctr" bIns="91425" lIns="91425" spcFirstLastPara="1" rIns="91425" wrap="square" tIns="91425">
+          <a:bodyPr spcFirstLastPara="1" wrap="square" lIns="91425" tIns="91425" rIns="91425" bIns="91425" anchor="ctr" anchorCtr="0">
             <a:noAutofit/>
           </a:bodyPr>
           <a:lstStyle/>
           <a:p>
-            <a:pPr indent="0" lvl="0" marL="0" rtl="0" algn="l">
+            <a:pPr marL="0" lvl="0" indent="0" algn="l" rtl="0">
               <a:spcBef>
                 <a:spcPts val="0"/>
               </a:spcBef>
@@ -5064,9 +5250,6 @@
               </a:spcAft>
               <a:buNone/>
             </a:pPr>
-            <a:r>
-              <a:t/>
-            </a:r>
             <a:endParaRPr/>
           </a:p>
         </p:txBody>
@@ -5107,12 +5290,12 @@
             </a:ln>
           </p:spPr>
           <p:txBody>
-            <a:bodyPr anchorCtr="0" anchor="ctr" bIns="91425" lIns="91425" spcFirstLastPara="1" rIns="91425" wrap="square" tIns="91425">
+            <a:bodyPr spcFirstLastPara="1" wrap="square" lIns="91425" tIns="91425" rIns="91425" bIns="91425" anchor="ctr" anchorCtr="0">
               <a:noAutofit/>
             </a:bodyPr>
             <a:lstStyle/>
             <a:p>
-              <a:pPr indent="0" lvl="0" marL="0" rtl="0" algn="l">
+              <a:pPr marL="0" lvl="0" indent="0" algn="l" rtl="0">
                 <a:spcBef>
                   <a:spcPts val="0"/>
                 </a:spcBef>
@@ -5121,9 +5304,6 @@
                 </a:spcAft>
                 <a:buNone/>
               </a:pPr>
-              <a:r>
-                <a:t/>
-              </a:r>
               <a:endParaRPr/>
             </a:p>
           </p:txBody>
@@ -5150,12 +5330,12 @@
             </a:ln>
           </p:spPr>
           <p:txBody>
-            <a:bodyPr anchorCtr="0" anchor="ctr" bIns="91425" lIns="91425" spcFirstLastPara="1" rIns="91425" wrap="square" tIns="91425">
+            <a:bodyPr spcFirstLastPara="1" wrap="square" lIns="91425" tIns="91425" rIns="91425" bIns="91425" anchor="ctr" anchorCtr="0">
               <a:noAutofit/>
             </a:bodyPr>
             <a:lstStyle/>
             <a:p>
-              <a:pPr indent="0" lvl="0" marL="0" rtl="0" algn="l">
+              <a:pPr marL="0" lvl="0" indent="0" algn="l" rtl="0">
                 <a:spcBef>
                   <a:spcPts val="0"/>
                 </a:spcBef>
@@ -5164,9 +5344,6 @@
                 </a:spcAft>
                 <a:buNone/>
               </a:pPr>
-              <a:r>
-                <a:t/>
-              </a:r>
               <a:endParaRPr/>
             </a:p>
           </p:txBody>
@@ -5175,7 +5352,9 @@
       <p:sp>
         <p:nvSpPr>
           <p:cNvPr id="66" name="Google Shape;66;p9"/>
-          <p:cNvSpPr txBox="1"/>
+          <p:cNvSpPr txBox="1">
+            <a:spLocks noGrp="1"/>
+          </p:cNvSpPr>
           <p:nvPr>
             <p:ph type="title"/>
           </p:nvPr>
@@ -5190,7 +5369,7 @@
           </a:prstGeom>
         </p:spPr>
         <p:txBody>
-          <a:bodyPr anchorCtr="0" anchor="t" bIns="91425" lIns="91425" spcFirstLastPara="1" rIns="91425" wrap="square" tIns="91425">
+          <a:bodyPr spcFirstLastPara="1" wrap="square" lIns="91425" tIns="91425" rIns="91425" bIns="91425" anchor="t" anchorCtr="0">
             <a:normAutofit/>
           </a:bodyPr>
           <a:lstStyle>
@@ -5294,15 +5473,19 @@
               <a:defRPr sz="2600"/>
             </a:lvl9pPr>
           </a:lstStyle>
-          <a:p/>
+          <a:p>
+            <a:endParaRPr/>
+          </a:p>
         </p:txBody>
       </p:sp>
       <p:sp>
         <p:nvSpPr>
           <p:cNvPr id="67" name="Google Shape;67;p9"/>
-          <p:cNvSpPr txBox="1"/>
+          <p:cNvSpPr txBox="1">
+            <a:spLocks noGrp="1"/>
+          </p:cNvSpPr>
           <p:nvPr>
-            <p:ph idx="1" type="subTitle"/>
+            <p:ph type="subTitle" idx="1"/>
           </p:nvPr>
         </p:nvSpPr>
         <p:spPr>
@@ -5315,7 +5498,7 @@
           </a:prstGeom>
         </p:spPr>
         <p:txBody>
-          <a:bodyPr anchorCtr="0" anchor="t" bIns="91425" lIns="91425" spcFirstLastPara="1" rIns="91425" wrap="square" tIns="91425">
+          <a:bodyPr spcFirstLastPara="1" wrap="square" lIns="91425" tIns="91425" rIns="91425" bIns="91425" anchor="t" anchorCtr="0">
             <a:normAutofit/>
           </a:bodyPr>
           <a:lstStyle>
@@ -5446,15 +5629,19 @@
               <a:defRPr sz="1600"/>
             </a:lvl9pPr>
           </a:lstStyle>
-          <a:p/>
+          <a:p>
+            <a:endParaRPr/>
+          </a:p>
         </p:txBody>
       </p:sp>
       <p:sp>
         <p:nvSpPr>
           <p:cNvPr id="68" name="Google Shape;68;p9"/>
-          <p:cNvSpPr txBox="1"/>
+          <p:cNvSpPr txBox="1">
+            <a:spLocks noGrp="1"/>
+          </p:cNvSpPr>
           <p:nvPr>
-            <p:ph idx="2" type="body"/>
+            <p:ph type="body" idx="2"/>
           </p:nvPr>
         </p:nvSpPr>
         <p:spPr>
@@ -5467,11 +5654,11 @@
           </a:prstGeom>
         </p:spPr>
         <p:txBody>
-          <a:bodyPr anchorCtr="0" anchor="t" bIns="91425" lIns="91425" spcFirstLastPara="1" rIns="91425" wrap="square" tIns="91425">
+          <a:bodyPr spcFirstLastPara="1" wrap="square" lIns="91425" tIns="91425" rIns="91425" bIns="91425" anchor="t" anchorCtr="0">
             <a:normAutofit/>
           </a:bodyPr>
           <a:lstStyle>
-            <a:lvl1pPr indent="-311150" lvl="0" marL="457200">
+            <a:lvl1pPr marL="457200" lvl="0" indent="-311150">
               <a:spcBef>
                 <a:spcPts val="0"/>
               </a:spcBef>
@@ -5482,7 +5669,7 @@
               <a:buChar char="●"/>
               <a:defRPr/>
             </a:lvl1pPr>
-            <a:lvl2pPr indent="-298450" lvl="1" marL="914400">
+            <a:lvl2pPr marL="914400" lvl="1" indent="-298450">
               <a:spcBef>
                 <a:spcPts val="0"/>
               </a:spcBef>
@@ -5493,7 +5680,7 @@
               <a:buChar char="○"/>
               <a:defRPr/>
             </a:lvl2pPr>
-            <a:lvl3pPr indent="-298450" lvl="2" marL="1371600">
+            <a:lvl3pPr marL="1371600" lvl="2" indent="-298450">
               <a:spcBef>
                 <a:spcPts val="0"/>
               </a:spcBef>
@@ -5504,7 +5691,7 @@
               <a:buChar char="■"/>
               <a:defRPr/>
             </a:lvl3pPr>
-            <a:lvl4pPr indent="-298450" lvl="3" marL="1828800">
+            <a:lvl4pPr marL="1828800" lvl="3" indent="-298450">
               <a:spcBef>
                 <a:spcPts val="0"/>
               </a:spcBef>
@@ -5515,7 +5702,7 @@
               <a:buChar char="●"/>
               <a:defRPr/>
             </a:lvl4pPr>
-            <a:lvl5pPr indent="-298450" lvl="4" marL="2286000">
+            <a:lvl5pPr marL="2286000" lvl="4" indent="-298450">
               <a:spcBef>
                 <a:spcPts val="0"/>
               </a:spcBef>
@@ -5526,7 +5713,7 @@
               <a:buChar char="○"/>
               <a:defRPr/>
             </a:lvl5pPr>
-            <a:lvl6pPr indent="-298450" lvl="5" marL="2743200">
+            <a:lvl6pPr marL="2743200" lvl="5" indent="-298450">
               <a:spcBef>
                 <a:spcPts val="0"/>
               </a:spcBef>
@@ -5537,7 +5724,7 @@
               <a:buChar char="■"/>
               <a:defRPr/>
             </a:lvl6pPr>
-            <a:lvl7pPr indent="-298450" lvl="6" marL="3200400">
+            <a:lvl7pPr marL="3200400" lvl="6" indent="-298450">
               <a:spcBef>
                 <a:spcPts val="0"/>
               </a:spcBef>
@@ -5548,7 +5735,7 @@
               <a:buChar char="●"/>
               <a:defRPr/>
             </a:lvl7pPr>
-            <a:lvl8pPr indent="-298450" lvl="7" marL="3657600">
+            <a:lvl8pPr marL="3657600" lvl="7" indent="-298450">
               <a:spcBef>
                 <a:spcPts val="0"/>
               </a:spcBef>
@@ -5559,7 +5746,7 @@
               <a:buChar char="○"/>
               <a:defRPr/>
             </a:lvl8pPr>
-            <a:lvl9pPr indent="-298450" lvl="8" marL="4114800">
+            <a:lvl9pPr marL="4114800" lvl="8" indent="-298450">
               <a:spcBef>
                 <a:spcPts val="0"/>
               </a:spcBef>
@@ -5571,15 +5758,19 @@
               <a:defRPr/>
             </a:lvl9pPr>
           </a:lstStyle>
-          <a:p/>
+          <a:p>
+            <a:endParaRPr/>
+          </a:p>
         </p:txBody>
       </p:sp>
       <p:sp>
         <p:nvSpPr>
           <p:cNvPr id="69" name="Google Shape;69;p9"/>
-          <p:cNvSpPr txBox="1"/>
+          <p:cNvSpPr txBox="1">
+            <a:spLocks noGrp="1"/>
+          </p:cNvSpPr>
           <p:nvPr>
-            <p:ph idx="12" type="sldNum"/>
+            <p:ph type="sldNum" idx="12"/>
           </p:nvPr>
         </p:nvSpPr>
         <p:spPr>
@@ -5592,7 +5783,7 @@
           </a:prstGeom>
         </p:spPr>
         <p:txBody>
-          <a:bodyPr anchorCtr="0" anchor="ctr" bIns="91425" lIns="91425" spcFirstLastPara="1" rIns="91425" wrap="square" tIns="91425">
+          <a:bodyPr spcFirstLastPara="1" wrap="square" lIns="91425" tIns="91425" rIns="91425" bIns="91425" anchor="ctr" anchorCtr="0">
             <a:normAutofit/>
           </a:bodyPr>
           <a:lstStyle>
@@ -5634,7 +5825,7 @@
             </a:lvl9pPr>
           </a:lstStyle>
           <a:p>
-            <a:pPr indent="0" lvl="0" marL="0" rtl="0" algn="r">
+            <a:pPr marL="0" lvl="0" indent="0" algn="r" rtl="0">
               <a:spcBef>
                 <a:spcPts val="0"/>
               </a:spcBef>
@@ -5660,11 +5851,11 @@
 </file>
 
 <file path=ppt/slideLayouts/slideLayout9.xml><?xml version="1.0" encoding="utf-8"?>
-<p:sldLayout xmlns:a="http://schemas.openxmlformats.org/drawingml/2006/main" xmlns:r="http://schemas.openxmlformats.org/officeDocument/2006/relationships" xmlns:mc="http://schemas.openxmlformats.org/markup-compatibility/2006" xmlns:mv="urn:schemas-microsoft-com:mac:vml" xmlns:p="http://schemas.openxmlformats.org/presentationml/2006/main" xmlns:c="http://schemas.openxmlformats.org/drawingml/2006/chart" xmlns:dgm="http://schemas.openxmlformats.org/drawingml/2006/diagram" xmlns:o="urn:schemas-microsoft-com:office:office" xmlns:v="urn:schemas-microsoft-com:vml" xmlns:pvml="urn:schemas-microsoft-com:office:powerpoint" xmlns:com="http://schemas.openxmlformats.org/drawingml/2006/compatibility" xmlns:p14="http://schemas.microsoft.com/office/powerpoint/2010/main" xmlns:p15="http://schemas.microsoft.com/office/powerpoint/2012/main" xmlns:ahyp="http://schemas.microsoft.com/office/drawing/2018/hyperlinkcolor" matchingName="Caption">
+<p:sldLayout xmlns:a="http://schemas.openxmlformats.org/drawingml/2006/main" xmlns:r="http://schemas.openxmlformats.org/officeDocument/2006/relationships" xmlns:p="http://schemas.openxmlformats.org/presentationml/2006/main" matchingName="Caption">
   <p:cSld name="CAPTION_ONLY">
     <p:spTree>
       <p:nvGrpSpPr>
-        <p:cNvPr id="70" name="Shape 70"/>
+        <p:cNvPr id="1" name="Shape 70"/>
         <p:cNvGrpSpPr/>
         <p:nvPr/>
       </p:nvGrpSpPr>
@@ -5679,9 +5870,11 @@
       <p:sp>
         <p:nvSpPr>
           <p:cNvPr id="71" name="Google Shape;71;p10"/>
-          <p:cNvSpPr txBox="1"/>
+          <p:cNvSpPr txBox="1">
+            <a:spLocks noGrp="1"/>
+          </p:cNvSpPr>
           <p:nvPr>
-            <p:ph idx="1" type="body"/>
+            <p:ph type="body" idx="1"/>
           </p:nvPr>
         </p:nvSpPr>
         <p:spPr>
@@ -5694,11 +5887,11 @@
           </a:prstGeom>
         </p:spPr>
         <p:txBody>
-          <a:bodyPr anchorCtr="0" anchor="ctr" bIns="91425" lIns="91425" spcFirstLastPara="1" rIns="91425" wrap="square" tIns="91425">
+          <a:bodyPr spcFirstLastPara="1" wrap="square" lIns="91425" tIns="91425" rIns="91425" bIns="91425" anchor="ctr" anchorCtr="0">
             <a:normAutofit/>
           </a:bodyPr>
           <a:lstStyle>
-            <a:lvl1pPr indent="-228600" lvl="0" marL="457200">
+            <a:lvl1pPr marL="457200" lvl="0" indent="-228600">
               <a:lnSpc>
                 <a:spcPct val="100000"/>
               </a:lnSpc>
@@ -5713,15 +5906,19 @@
               <a:defRPr/>
             </a:lvl1pPr>
           </a:lstStyle>
-          <a:p/>
+          <a:p>
+            <a:endParaRPr/>
+          </a:p>
         </p:txBody>
       </p:sp>
       <p:sp>
         <p:nvSpPr>
           <p:cNvPr id="72" name="Google Shape;72;p10"/>
-          <p:cNvSpPr txBox="1"/>
+          <p:cNvSpPr txBox="1">
+            <a:spLocks noGrp="1"/>
+          </p:cNvSpPr>
           <p:nvPr>
-            <p:ph idx="12" type="sldNum"/>
+            <p:ph type="sldNum" idx="12"/>
           </p:nvPr>
         </p:nvSpPr>
         <p:spPr>
@@ -5734,7 +5931,7 @@
           </a:prstGeom>
         </p:spPr>
         <p:txBody>
-          <a:bodyPr anchorCtr="0" anchor="ctr" bIns="91425" lIns="91425" spcFirstLastPara="1" rIns="91425" wrap="square" tIns="91425">
+          <a:bodyPr spcFirstLastPara="1" wrap="square" lIns="91425" tIns="91425" rIns="91425" bIns="91425" anchor="ctr" anchorCtr="0">
             <a:normAutofit/>
           </a:bodyPr>
           <a:lstStyle>
@@ -5776,7 +5973,7 @@
             </a:lvl9pPr>
           </a:lstStyle>
           <a:p>
-            <a:pPr indent="0" lvl="0" marL="0" rtl="0" algn="r">
+            <a:pPr marL="0" lvl="0" indent="0" algn="r" rtl="0">
               <a:spcBef>
                 <a:spcPts val="0"/>
               </a:spcBef>
@@ -5802,18 +5999,19 @@
 </file>
 
 <file path=ppt/slideMasters/slideMaster1.xml><?xml version="1.0" encoding="utf-8"?>
-<p:sldMaster xmlns:a="http://schemas.openxmlformats.org/drawingml/2006/main" xmlns:r="http://schemas.openxmlformats.org/officeDocument/2006/relationships" xmlns:mc="http://schemas.openxmlformats.org/markup-compatibility/2006" xmlns:mv="urn:schemas-microsoft-com:mac:vml" xmlns:p="http://schemas.openxmlformats.org/presentationml/2006/main" xmlns:c="http://schemas.openxmlformats.org/drawingml/2006/chart" xmlns:dgm="http://schemas.openxmlformats.org/drawingml/2006/diagram" xmlns:o="urn:schemas-microsoft-com:office:office" xmlns:v="urn:schemas-microsoft-com:vml" xmlns:pvml="urn:schemas-microsoft-com:office:powerpoint" xmlns:com="http://schemas.openxmlformats.org/drawingml/2006/compatibility" xmlns:p14="http://schemas.microsoft.com/office/powerpoint/2010/main" xmlns:p15="http://schemas.microsoft.com/office/powerpoint/2012/main" xmlns:ahyp="http://schemas.microsoft.com/office/drawing/2018/hyperlinkcolor">
+<p:sldMaster xmlns:a="http://schemas.openxmlformats.org/drawingml/2006/main" xmlns:r="http://schemas.openxmlformats.org/officeDocument/2006/relationships" xmlns:p="http://schemas.openxmlformats.org/presentationml/2006/main">
   <p:cSld name="streamline">
     <p:bg>
       <p:bgPr>
         <a:solidFill>
           <a:schemeClr val="lt1"/>
         </a:solidFill>
+        <a:effectLst/>
       </p:bgPr>
     </p:bg>
     <p:spTree>
       <p:nvGrpSpPr>
-        <p:cNvPr id="5" name="Shape 5"/>
+        <p:cNvPr id="1" name="Shape 5"/>
         <p:cNvGrpSpPr/>
         <p:nvPr/>
       </p:nvGrpSpPr>
@@ -5828,7 +6026,9 @@
       <p:sp>
         <p:nvSpPr>
           <p:cNvPr id="6" name="Google Shape;6;p1"/>
-          <p:cNvSpPr txBox="1"/>
+          <p:cNvSpPr txBox="1">
+            <a:spLocks noGrp="1"/>
+          </p:cNvSpPr>
           <p:nvPr>
             <p:ph type="title"/>
           </p:nvPr>
@@ -5847,7 +6047,7 @@
           </a:ln>
         </p:spPr>
         <p:txBody>
-          <a:bodyPr anchorCtr="0" anchor="t" bIns="91425" lIns="91425" spcFirstLastPara="1" rIns="91425" wrap="square" tIns="91425">
+          <a:bodyPr spcFirstLastPara="1" wrap="square" lIns="91425" tIns="91425" rIns="91425" bIns="91425" anchor="t" anchorCtr="0">
             <a:normAutofit/>
           </a:bodyPr>
           <a:lstStyle>
@@ -5864,7 +6064,7 @@
               <a:buSzPts val="2800"/>
               <a:buFont typeface="Raleway"/>
               <a:buNone/>
-              <a:defRPr b="1" sz="2800">
+              <a:defRPr sz="2800" b="1">
                 <a:solidFill>
                   <a:schemeClr val="dk2"/>
                 </a:solidFill>
@@ -5887,7 +6087,7 @@
               <a:buSzPts val="2800"/>
               <a:buFont typeface="Raleway"/>
               <a:buNone/>
-              <a:defRPr b="1" sz="2800">
+              <a:defRPr sz="2800" b="1">
                 <a:solidFill>
                   <a:schemeClr val="dk2"/>
                 </a:solidFill>
@@ -5910,7 +6110,7 @@
               <a:buSzPts val="2800"/>
               <a:buFont typeface="Raleway"/>
               <a:buNone/>
-              <a:defRPr b="1" sz="2800">
+              <a:defRPr sz="2800" b="1">
                 <a:solidFill>
                   <a:schemeClr val="dk2"/>
                 </a:solidFill>
@@ -5933,7 +6133,7 @@
               <a:buSzPts val="2800"/>
               <a:buFont typeface="Raleway"/>
               <a:buNone/>
-              <a:defRPr b="1" sz="2800">
+              <a:defRPr sz="2800" b="1">
                 <a:solidFill>
                   <a:schemeClr val="dk2"/>
                 </a:solidFill>
@@ -5956,7 +6156,7 @@
               <a:buSzPts val="2800"/>
               <a:buFont typeface="Raleway"/>
               <a:buNone/>
-              <a:defRPr b="1" sz="2800">
+              <a:defRPr sz="2800" b="1">
                 <a:solidFill>
                   <a:schemeClr val="dk2"/>
                 </a:solidFill>
@@ -5979,7 +6179,7 @@
               <a:buSzPts val="2800"/>
               <a:buFont typeface="Raleway"/>
               <a:buNone/>
-              <a:defRPr b="1" sz="2800">
+              <a:defRPr sz="2800" b="1">
                 <a:solidFill>
                   <a:schemeClr val="dk2"/>
                 </a:solidFill>
@@ -6002,7 +6202,7 @@
               <a:buSzPts val="2800"/>
               <a:buFont typeface="Raleway"/>
               <a:buNone/>
-              <a:defRPr b="1" sz="2800">
+              <a:defRPr sz="2800" b="1">
                 <a:solidFill>
                   <a:schemeClr val="dk2"/>
                 </a:solidFill>
@@ -6025,7 +6225,7 @@
               <a:buSzPts val="2800"/>
               <a:buFont typeface="Raleway"/>
               <a:buNone/>
-              <a:defRPr b="1" sz="2800">
+              <a:defRPr sz="2800" b="1">
                 <a:solidFill>
                   <a:schemeClr val="dk2"/>
                 </a:solidFill>
@@ -6048,7 +6248,7 @@
               <a:buSzPts val="2800"/>
               <a:buFont typeface="Raleway"/>
               <a:buNone/>
-              <a:defRPr b="1" sz="2800">
+              <a:defRPr sz="2800" b="1">
                 <a:solidFill>
                   <a:schemeClr val="dk2"/>
                 </a:solidFill>
@@ -6059,15 +6259,19 @@
               </a:defRPr>
             </a:lvl9pPr>
           </a:lstStyle>
-          <a:p/>
+          <a:p>
+            <a:endParaRPr/>
+          </a:p>
         </p:txBody>
       </p:sp>
       <p:sp>
         <p:nvSpPr>
           <p:cNvPr id="7" name="Google Shape;7;p1"/>
-          <p:cNvSpPr txBox="1"/>
+          <p:cNvSpPr txBox="1">
+            <a:spLocks noGrp="1"/>
+          </p:cNvSpPr>
           <p:nvPr>
-            <p:ph idx="1" type="body"/>
+            <p:ph type="body" idx="1"/>
           </p:nvPr>
         </p:nvSpPr>
         <p:spPr>
@@ -6084,11 +6288,11 @@
           </a:ln>
         </p:spPr>
         <p:txBody>
-          <a:bodyPr anchorCtr="0" anchor="t" bIns="91425" lIns="91425" spcFirstLastPara="1" rIns="91425" wrap="square" tIns="91425">
+          <a:bodyPr spcFirstLastPara="1" wrap="square" lIns="91425" tIns="91425" rIns="91425" bIns="91425" anchor="t" anchorCtr="0">
             <a:normAutofit/>
           </a:bodyPr>
           <a:lstStyle>
-            <a:lvl1pPr indent="-311150" lvl="0" marL="457200">
+            <a:lvl1pPr marL="457200" lvl="0" indent="-311150">
               <a:lnSpc>
                 <a:spcPct val="115000"/>
               </a:lnSpc>
@@ -6114,7 +6318,7 @@
                 <a:sym typeface="Lato"/>
               </a:defRPr>
             </a:lvl1pPr>
-            <a:lvl2pPr indent="-298450" lvl="1" marL="914400">
+            <a:lvl2pPr marL="914400" lvl="1" indent="-298450">
               <a:lnSpc>
                 <a:spcPct val="115000"/>
               </a:lnSpc>
@@ -6140,7 +6344,7 @@
                 <a:sym typeface="Lato"/>
               </a:defRPr>
             </a:lvl2pPr>
-            <a:lvl3pPr indent="-298450" lvl="2" marL="1371600">
+            <a:lvl3pPr marL="1371600" lvl="2" indent="-298450">
               <a:lnSpc>
                 <a:spcPct val="115000"/>
               </a:lnSpc>
@@ -6166,7 +6370,7 @@
                 <a:sym typeface="Lato"/>
               </a:defRPr>
             </a:lvl3pPr>
-            <a:lvl4pPr indent="-298450" lvl="3" marL="1828800">
+            <a:lvl4pPr marL="1828800" lvl="3" indent="-298450">
               <a:lnSpc>
                 <a:spcPct val="115000"/>
               </a:lnSpc>
@@ -6192,7 +6396,7 @@
                 <a:sym typeface="Lato"/>
               </a:defRPr>
             </a:lvl4pPr>
-            <a:lvl5pPr indent="-298450" lvl="4" marL="2286000">
+            <a:lvl5pPr marL="2286000" lvl="4" indent="-298450">
               <a:lnSpc>
                 <a:spcPct val="115000"/>
               </a:lnSpc>
@@ -6218,7 +6422,7 @@
                 <a:sym typeface="Lato"/>
               </a:defRPr>
             </a:lvl5pPr>
-            <a:lvl6pPr indent="-298450" lvl="5" marL="2743200">
+            <a:lvl6pPr marL="2743200" lvl="5" indent="-298450">
               <a:lnSpc>
                 <a:spcPct val="115000"/>
               </a:lnSpc>
@@ -6244,7 +6448,7 @@
                 <a:sym typeface="Lato"/>
               </a:defRPr>
             </a:lvl6pPr>
-            <a:lvl7pPr indent="-298450" lvl="6" marL="3200400">
+            <a:lvl7pPr marL="3200400" lvl="6" indent="-298450">
               <a:lnSpc>
                 <a:spcPct val="115000"/>
               </a:lnSpc>
@@ -6270,7 +6474,7 @@
                 <a:sym typeface="Lato"/>
               </a:defRPr>
             </a:lvl7pPr>
-            <a:lvl8pPr indent="-298450" lvl="7" marL="3657600">
+            <a:lvl8pPr marL="3657600" lvl="7" indent="-298450">
               <a:lnSpc>
                 <a:spcPct val="115000"/>
               </a:lnSpc>
@@ -6296,7 +6500,7 @@
                 <a:sym typeface="Lato"/>
               </a:defRPr>
             </a:lvl8pPr>
-            <a:lvl9pPr indent="-298450" lvl="8" marL="4114800">
+            <a:lvl9pPr marL="4114800" lvl="8" indent="-298450">
               <a:lnSpc>
                 <a:spcPct val="115000"/>
               </a:lnSpc>
@@ -6323,15 +6527,19 @@
               </a:defRPr>
             </a:lvl9pPr>
           </a:lstStyle>
-          <a:p/>
+          <a:p>
+            <a:endParaRPr/>
+          </a:p>
         </p:txBody>
       </p:sp>
       <p:sp>
         <p:nvSpPr>
           <p:cNvPr id="8" name="Google Shape;8;p1"/>
-          <p:cNvSpPr txBox="1"/>
+          <p:cNvSpPr txBox="1">
+            <a:spLocks noGrp="1"/>
+          </p:cNvSpPr>
           <p:nvPr>
-            <p:ph idx="12" type="sldNum"/>
+            <p:ph type="sldNum" idx="12"/>
           </p:nvPr>
         </p:nvSpPr>
         <p:spPr>
@@ -6348,7 +6556,7 @@
           </a:ln>
         </p:spPr>
         <p:txBody>
-          <a:bodyPr anchorCtr="0" anchor="ctr" bIns="91425" lIns="91425" spcFirstLastPara="1" rIns="91425" wrap="square" tIns="91425">
+          <a:bodyPr spcFirstLastPara="1" wrap="square" lIns="91425" tIns="91425" rIns="91425" bIns="91425" anchor="ctr" anchorCtr="0">
             <a:normAutofit/>
           </a:bodyPr>
           <a:lstStyle>
@@ -6462,7 +6670,7 @@
             </a:lvl9pPr>
           </a:lstStyle>
           <a:p>
-            <a:pPr indent="0" lvl="0" marL="0" rtl="0" algn="r">
+            <a:pPr marL="0" lvl="0" indent="0" algn="r" rtl="0">
               <a:spcBef>
                 <a:spcPts val="0"/>
               </a:spcBef>
@@ -6481,7 +6689,7 @@
       </p:sp>
     </p:spTree>
   </p:cSld>
-  <p:clrMap accent1="accent1" accent2="accent2" accent3="accent3" accent4="accent4" accent5="accent5" accent6="accent6" bg1="lt1" bg2="dk2" tx1="dk1" tx2="lt2" folHlink="folHlink" hlink="hlink"/>
+  <p:clrMap bg1="lt1" tx1="dk1" bg2="dk2" tx2="lt2" accent1="accent1" accent2="accent2" accent3="accent3" accent4="accent4" accent5="accent5" accent6="accent6" hlink="hlink" folHlink="folHlink"/>
   <p:sldLayoutIdLst>
     <p:sldLayoutId id="2147483648" r:id="rId1"/>
     <p:sldLayoutId id="2147483649" r:id="rId2"/>
@@ -6495,10 +6703,10 @@
     <p:sldLayoutId id="2147483657" r:id="rId10"/>
     <p:sldLayoutId id="2147483658" r:id="rId11"/>
   </p:sldLayoutIdLst>
-  <p:hf dt="0" ftr="0" hdr="0" sldNum="0"/>
+  <p:hf sldNum="0" hdr="0" ftr="0" dt="0"/>
   <p:txStyles>
     <p:titleStyle>
-      <a:defPPr lvl="0" marR="0" rtl="0" algn="l">
+      <a:defPPr marR="0" lvl="0" algn="l" rtl="0">
         <a:lnSpc>
           <a:spcPct val="100000"/>
         </a:lnSpc>
@@ -6509,7 +6717,7 @@
           <a:spcPts val="0"/>
         </a:spcAft>
       </a:defPPr>
-      <a:lvl1pPr lvl="0" marR="0" rtl="0" algn="l">
+      <a:lvl1pPr marR="0" lvl="0" algn="l" rtl="0">
         <a:lnSpc>
           <a:spcPct val="100000"/>
         </a:lnSpc>
@@ -6523,7 +6731,7 @@
           <a:srgbClr val="000000"/>
         </a:buClr>
         <a:buFont typeface="Arial"/>
-        <a:defRPr b="0" i="0" sz="1400" u="none" cap="none" strike="noStrike">
+        <a:defRPr sz="1400" b="0" i="0" u="none" strike="noStrike" cap="none">
           <a:solidFill>
             <a:srgbClr val="000000"/>
           </a:solidFill>
@@ -6533,7 +6741,7 @@
           <a:sym typeface="Arial"/>
         </a:defRPr>
       </a:lvl1pPr>
-      <a:lvl2pPr lvl="1" marR="0" rtl="0" algn="l">
+      <a:lvl2pPr marR="0" lvl="1" algn="l" rtl="0">
         <a:lnSpc>
           <a:spcPct val="100000"/>
         </a:lnSpc>
@@ -6547,7 +6755,7 @@
           <a:srgbClr val="000000"/>
         </a:buClr>
         <a:buFont typeface="Arial"/>
-        <a:defRPr b="0" i="0" sz="1400" u="none" cap="none" strike="noStrike">
+        <a:defRPr sz="1400" b="0" i="0" u="none" strike="noStrike" cap="none">
           <a:solidFill>
             <a:srgbClr val="000000"/>
           </a:solidFill>
@@ -6557,7 +6765,7 @@
           <a:sym typeface="Arial"/>
         </a:defRPr>
       </a:lvl2pPr>
-      <a:lvl3pPr lvl="2" marR="0" rtl="0" algn="l">
+      <a:lvl3pPr marR="0" lvl="2" algn="l" rtl="0">
         <a:lnSpc>
           <a:spcPct val="100000"/>
         </a:lnSpc>
@@ -6571,7 +6779,7 @@
           <a:srgbClr val="000000"/>
         </a:buClr>
         <a:buFont typeface="Arial"/>
-        <a:defRPr b="0" i="0" sz="1400" u="none" cap="none" strike="noStrike">
+        <a:defRPr sz="1400" b="0" i="0" u="none" strike="noStrike" cap="none">
           <a:solidFill>
             <a:srgbClr val="000000"/>
           </a:solidFill>
@@ -6581,7 +6789,7 @@
           <a:sym typeface="Arial"/>
         </a:defRPr>
       </a:lvl3pPr>
-      <a:lvl4pPr lvl="3" marR="0" rtl="0" algn="l">
+      <a:lvl4pPr marR="0" lvl="3" algn="l" rtl="0">
         <a:lnSpc>
           <a:spcPct val="100000"/>
         </a:lnSpc>
@@ -6595,7 +6803,7 @@
           <a:srgbClr val="000000"/>
         </a:buClr>
         <a:buFont typeface="Arial"/>
-        <a:defRPr b="0" i="0" sz="1400" u="none" cap="none" strike="noStrike">
+        <a:defRPr sz="1400" b="0" i="0" u="none" strike="noStrike" cap="none">
           <a:solidFill>
             <a:srgbClr val="000000"/>
           </a:solidFill>
@@ -6605,7 +6813,7 @@
           <a:sym typeface="Arial"/>
         </a:defRPr>
       </a:lvl4pPr>
-      <a:lvl5pPr lvl="4" marR="0" rtl="0" algn="l">
+      <a:lvl5pPr marR="0" lvl="4" algn="l" rtl="0">
         <a:lnSpc>
           <a:spcPct val="100000"/>
         </a:lnSpc>
@@ -6619,7 +6827,7 @@
           <a:srgbClr val="000000"/>
         </a:buClr>
         <a:buFont typeface="Arial"/>
-        <a:defRPr b="0" i="0" sz="1400" u="none" cap="none" strike="noStrike">
+        <a:defRPr sz="1400" b="0" i="0" u="none" strike="noStrike" cap="none">
           <a:solidFill>
             <a:srgbClr val="000000"/>
           </a:solidFill>
@@ -6629,7 +6837,7 @@
           <a:sym typeface="Arial"/>
         </a:defRPr>
       </a:lvl5pPr>
-      <a:lvl6pPr lvl="5" marR="0" rtl="0" algn="l">
+      <a:lvl6pPr marR="0" lvl="5" algn="l" rtl="0">
         <a:lnSpc>
           <a:spcPct val="100000"/>
         </a:lnSpc>
@@ -6643,7 +6851,7 @@
           <a:srgbClr val="000000"/>
         </a:buClr>
         <a:buFont typeface="Arial"/>
-        <a:defRPr b="0" i="0" sz="1400" u="none" cap="none" strike="noStrike">
+        <a:defRPr sz="1400" b="0" i="0" u="none" strike="noStrike" cap="none">
           <a:solidFill>
             <a:srgbClr val="000000"/>
           </a:solidFill>
@@ -6653,7 +6861,7 @@
           <a:sym typeface="Arial"/>
         </a:defRPr>
       </a:lvl6pPr>
-      <a:lvl7pPr lvl="6" marR="0" rtl="0" algn="l">
+      <a:lvl7pPr marR="0" lvl="6" algn="l" rtl="0">
         <a:lnSpc>
           <a:spcPct val="100000"/>
         </a:lnSpc>
@@ -6667,7 +6875,7 @@
           <a:srgbClr val="000000"/>
         </a:buClr>
         <a:buFont typeface="Arial"/>
-        <a:defRPr b="0" i="0" sz="1400" u="none" cap="none" strike="noStrike">
+        <a:defRPr sz="1400" b="0" i="0" u="none" strike="noStrike" cap="none">
           <a:solidFill>
             <a:srgbClr val="000000"/>
           </a:solidFill>
@@ -6677,7 +6885,7 @@
           <a:sym typeface="Arial"/>
         </a:defRPr>
       </a:lvl7pPr>
-      <a:lvl8pPr lvl="7" marR="0" rtl="0" algn="l">
+      <a:lvl8pPr marR="0" lvl="7" algn="l" rtl="0">
         <a:lnSpc>
           <a:spcPct val="100000"/>
         </a:lnSpc>
@@ -6691,7 +6899,7 @@
           <a:srgbClr val="000000"/>
         </a:buClr>
         <a:buFont typeface="Arial"/>
-        <a:defRPr b="0" i="0" sz="1400" u="none" cap="none" strike="noStrike">
+        <a:defRPr sz="1400" b="0" i="0" u="none" strike="noStrike" cap="none">
           <a:solidFill>
             <a:srgbClr val="000000"/>
           </a:solidFill>
@@ -6701,7 +6909,7 @@
           <a:sym typeface="Arial"/>
         </a:defRPr>
       </a:lvl8pPr>
-      <a:lvl9pPr lvl="8" marR="0" rtl="0" algn="l">
+      <a:lvl9pPr marR="0" lvl="8" algn="l" rtl="0">
         <a:lnSpc>
           <a:spcPct val="100000"/>
         </a:lnSpc>
@@ -6715,7 +6923,7 @@
           <a:srgbClr val="000000"/>
         </a:buClr>
         <a:buFont typeface="Arial"/>
-        <a:defRPr b="0" i="0" sz="1400" u="none" cap="none" strike="noStrike">
+        <a:defRPr sz="1400" b="0" i="0" u="none" strike="noStrike" cap="none">
           <a:solidFill>
             <a:srgbClr val="000000"/>
           </a:solidFill>
@@ -6727,7 +6935,7 @@
       </a:lvl9pPr>
     </p:titleStyle>
     <p:bodyStyle>
-      <a:defPPr lvl="0" marR="0" rtl="0" algn="l">
+      <a:defPPr marR="0" lvl="0" algn="l" rtl="0">
         <a:lnSpc>
           <a:spcPct val="100000"/>
         </a:lnSpc>
@@ -6738,7 +6946,7 @@
           <a:spcPts val="0"/>
         </a:spcAft>
       </a:defPPr>
-      <a:lvl1pPr lvl="0" marR="0" rtl="0" algn="l">
+      <a:lvl1pPr marR="0" lvl="0" algn="l" rtl="0">
         <a:lnSpc>
           <a:spcPct val="100000"/>
         </a:lnSpc>
@@ -6752,7 +6960,7 @@
           <a:srgbClr val="000000"/>
         </a:buClr>
         <a:buFont typeface="Arial"/>
-        <a:defRPr b="0" i="0" sz="1400" u="none" cap="none" strike="noStrike">
+        <a:defRPr sz="1400" b="0" i="0" u="none" strike="noStrike" cap="none">
           <a:solidFill>
             <a:srgbClr val="000000"/>
           </a:solidFill>
@@ -6762,7 +6970,7 @@
           <a:sym typeface="Arial"/>
         </a:defRPr>
       </a:lvl1pPr>
-      <a:lvl2pPr lvl="1" marR="0" rtl="0" algn="l">
+      <a:lvl2pPr marR="0" lvl="1" algn="l" rtl="0">
         <a:lnSpc>
           <a:spcPct val="100000"/>
         </a:lnSpc>
@@ -6776,7 +6984,7 @@
           <a:srgbClr val="000000"/>
         </a:buClr>
         <a:buFont typeface="Arial"/>
-        <a:defRPr b="0" i="0" sz="1400" u="none" cap="none" strike="noStrike">
+        <a:defRPr sz="1400" b="0" i="0" u="none" strike="noStrike" cap="none">
           <a:solidFill>
             <a:srgbClr val="000000"/>
           </a:solidFill>
@@ -6786,7 +6994,7 @@
           <a:sym typeface="Arial"/>
         </a:defRPr>
       </a:lvl2pPr>
-      <a:lvl3pPr lvl="2" marR="0" rtl="0" algn="l">
+      <a:lvl3pPr marR="0" lvl="2" algn="l" rtl="0">
         <a:lnSpc>
           <a:spcPct val="100000"/>
         </a:lnSpc>
@@ -6800,7 +7008,7 @@
           <a:srgbClr val="000000"/>
         </a:buClr>
         <a:buFont typeface="Arial"/>
-        <a:defRPr b="0" i="0" sz="1400" u="none" cap="none" strike="noStrike">
+        <a:defRPr sz="1400" b="0" i="0" u="none" strike="noStrike" cap="none">
           <a:solidFill>
             <a:srgbClr val="000000"/>
           </a:solidFill>
@@ -6810,7 +7018,7 @@
           <a:sym typeface="Arial"/>
         </a:defRPr>
       </a:lvl3pPr>
-      <a:lvl4pPr lvl="3" marR="0" rtl="0" algn="l">
+      <a:lvl4pPr marR="0" lvl="3" algn="l" rtl="0">
         <a:lnSpc>
           <a:spcPct val="100000"/>
         </a:lnSpc>
@@ -6824,7 +7032,7 @@
           <a:srgbClr val="000000"/>
         </a:buClr>
         <a:buFont typeface="Arial"/>
-        <a:defRPr b="0" i="0" sz="1400" u="none" cap="none" strike="noStrike">
+        <a:defRPr sz="1400" b="0" i="0" u="none" strike="noStrike" cap="none">
           <a:solidFill>
             <a:srgbClr val="000000"/>
           </a:solidFill>
@@ -6834,7 +7042,7 @@
           <a:sym typeface="Arial"/>
         </a:defRPr>
       </a:lvl4pPr>
-      <a:lvl5pPr lvl="4" marR="0" rtl="0" algn="l">
+      <a:lvl5pPr marR="0" lvl="4" algn="l" rtl="0">
         <a:lnSpc>
           <a:spcPct val="100000"/>
         </a:lnSpc>
@@ -6848,7 +7056,7 @@
           <a:srgbClr val="000000"/>
         </a:buClr>
         <a:buFont typeface="Arial"/>
-        <a:defRPr b="0" i="0" sz="1400" u="none" cap="none" strike="noStrike">
+        <a:defRPr sz="1400" b="0" i="0" u="none" strike="noStrike" cap="none">
           <a:solidFill>
             <a:srgbClr val="000000"/>
           </a:solidFill>
@@ -6858,7 +7066,7 @@
           <a:sym typeface="Arial"/>
         </a:defRPr>
       </a:lvl5pPr>
-      <a:lvl6pPr lvl="5" marR="0" rtl="0" algn="l">
+      <a:lvl6pPr marR="0" lvl="5" algn="l" rtl="0">
         <a:lnSpc>
           <a:spcPct val="100000"/>
         </a:lnSpc>
@@ -6872,7 +7080,7 @@
           <a:srgbClr val="000000"/>
         </a:buClr>
         <a:buFont typeface="Arial"/>
-        <a:defRPr b="0" i="0" sz="1400" u="none" cap="none" strike="noStrike">
+        <a:defRPr sz="1400" b="0" i="0" u="none" strike="noStrike" cap="none">
           <a:solidFill>
             <a:srgbClr val="000000"/>
           </a:solidFill>
@@ -6882,7 +7090,7 @@
           <a:sym typeface="Arial"/>
         </a:defRPr>
       </a:lvl6pPr>
-      <a:lvl7pPr lvl="6" marR="0" rtl="0" algn="l">
+      <a:lvl7pPr marR="0" lvl="6" algn="l" rtl="0">
         <a:lnSpc>
           <a:spcPct val="100000"/>
         </a:lnSpc>
@@ -6896,7 +7104,7 @@
           <a:srgbClr val="000000"/>
         </a:buClr>
         <a:buFont typeface="Arial"/>
-        <a:defRPr b="0" i="0" sz="1400" u="none" cap="none" strike="noStrike">
+        <a:defRPr sz="1400" b="0" i="0" u="none" strike="noStrike" cap="none">
           <a:solidFill>
             <a:srgbClr val="000000"/>
           </a:solidFill>
@@ -6906,7 +7114,7 @@
           <a:sym typeface="Arial"/>
         </a:defRPr>
       </a:lvl7pPr>
-      <a:lvl8pPr lvl="7" marR="0" rtl="0" algn="l">
+      <a:lvl8pPr marR="0" lvl="7" algn="l" rtl="0">
         <a:lnSpc>
           <a:spcPct val="100000"/>
         </a:lnSpc>
@@ -6920,7 +7128,7 @@
           <a:srgbClr val="000000"/>
         </a:buClr>
         <a:buFont typeface="Arial"/>
-        <a:defRPr b="0" i="0" sz="1400" u="none" cap="none" strike="noStrike">
+        <a:defRPr sz="1400" b="0" i="0" u="none" strike="noStrike" cap="none">
           <a:solidFill>
             <a:srgbClr val="000000"/>
           </a:solidFill>
@@ -6930,7 +7138,7 @@
           <a:sym typeface="Arial"/>
         </a:defRPr>
       </a:lvl8pPr>
-      <a:lvl9pPr lvl="8" marR="0" rtl="0" algn="l">
+      <a:lvl9pPr marR="0" lvl="8" algn="l" rtl="0">
         <a:lnSpc>
           <a:spcPct val="100000"/>
         </a:lnSpc>
@@ -6944,7 +7152,7 @@
           <a:srgbClr val="000000"/>
         </a:buClr>
         <a:buFont typeface="Arial"/>
-        <a:defRPr b="0" i="0" sz="1400" u="none" cap="none" strike="noStrike">
+        <a:defRPr sz="1400" b="0" i="0" u="none" strike="noStrike" cap="none">
           <a:solidFill>
             <a:srgbClr val="000000"/>
           </a:solidFill>
@@ -6956,7 +7164,7 @@
       </a:lvl9pPr>
     </p:bodyStyle>
     <p:otherStyle>
-      <a:defPPr lvl="0" marR="0" rtl="0" algn="l">
+      <a:defPPr marR="0" lvl="0" algn="l" rtl="0">
         <a:lnSpc>
           <a:spcPct val="100000"/>
         </a:lnSpc>
@@ -6967,7 +7175,7 @@
           <a:spcPts val="0"/>
         </a:spcAft>
       </a:defPPr>
-      <a:lvl1pPr lvl="0" marR="0" rtl="0" algn="l">
+      <a:lvl1pPr marR="0" lvl="0" algn="l" rtl="0">
         <a:lnSpc>
           <a:spcPct val="100000"/>
         </a:lnSpc>
@@ -6981,7 +7189,7 @@
           <a:srgbClr val="000000"/>
         </a:buClr>
         <a:buFont typeface="Arial"/>
-        <a:defRPr b="0" i="0" sz="1400" u="none" cap="none" strike="noStrike">
+        <a:defRPr sz="1400" b="0" i="0" u="none" strike="noStrike" cap="none">
           <a:solidFill>
             <a:srgbClr val="000000"/>
           </a:solidFill>
@@ -6991,7 +7199,7 @@
           <a:sym typeface="Arial"/>
         </a:defRPr>
       </a:lvl1pPr>
-      <a:lvl2pPr lvl="1" marR="0" rtl="0" algn="l">
+      <a:lvl2pPr marR="0" lvl="1" algn="l" rtl="0">
         <a:lnSpc>
           <a:spcPct val="100000"/>
         </a:lnSpc>
@@ -7005,7 +7213,7 @@
           <a:srgbClr val="000000"/>
         </a:buClr>
         <a:buFont typeface="Arial"/>
-        <a:defRPr b="0" i="0" sz="1400" u="none" cap="none" strike="noStrike">
+        <a:defRPr sz="1400" b="0" i="0" u="none" strike="noStrike" cap="none">
           <a:solidFill>
             <a:srgbClr val="000000"/>
           </a:solidFill>
@@ -7015,7 +7223,7 @@
           <a:sym typeface="Arial"/>
         </a:defRPr>
       </a:lvl2pPr>
-      <a:lvl3pPr lvl="2" marR="0" rtl="0" algn="l">
+      <a:lvl3pPr marR="0" lvl="2" algn="l" rtl="0">
         <a:lnSpc>
           <a:spcPct val="100000"/>
         </a:lnSpc>
@@ -7029,7 +7237,7 @@
           <a:srgbClr val="000000"/>
         </a:buClr>
         <a:buFont typeface="Arial"/>
-        <a:defRPr b="0" i="0" sz="1400" u="none" cap="none" strike="noStrike">
+        <a:defRPr sz="1400" b="0" i="0" u="none" strike="noStrike" cap="none">
           <a:solidFill>
             <a:srgbClr val="000000"/>
           </a:solidFill>
@@ -7039,7 +7247,7 @@
           <a:sym typeface="Arial"/>
         </a:defRPr>
       </a:lvl3pPr>
-      <a:lvl4pPr lvl="3" marR="0" rtl="0" algn="l">
+      <a:lvl4pPr marR="0" lvl="3" algn="l" rtl="0">
         <a:lnSpc>
           <a:spcPct val="100000"/>
         </a:lnSpc>
@@ -7053,7 +7261,7 @@
           <a:srgbClr val="000000"/>
         </a:buClr>
         <a:buFont typeface="Arial"/>
-        <a:defRPr b="0" i="0" sz="1400" u="none" cap="none" strike="noStrike">
+        <a:defRPr sz="1400" b="0" i="0" u="none" strike="noStrike" cap="none">
           <a:solidFill>
             <a:srgbClr val="000000"/>
           </a:solidFill>
@@ -7063,7 +7271,7 @@
           <a:sym typeface="Arial"/>
         </a:defRPr>
       </a:lvl4pPr>
-      <a:lvl5pPr lvl="4" marR="0" rtl="0" algn="l">
+      <a:lvl5pPr marR="0" lvl="4" algn="l" rtl="0">
         <a:lnSpc>
           <a:spcPct val="100000"/>
         </a:lnSpc>
@@ -7077,7 +7285,7 @@
           <a:srgbClr val="000000"/>
         </a:buClr>
         <a:buFont typeface="Arial"/>
-        <a:defRPr b="0" i="0" sz="1400" u="none" cap="none" strike="noStrike">
+        <a:defRPr sz="1400" b="0" i="0" u="none" strike="noStrike" cap="none">
           <a:solidFill>
             <a:srgbClr val="000000"/>
           </a:solidFill>
@@ -7087,7 +7295,7 @@
           <a:sym typeface="Arial"/>
         </a:defRPr>
       </a:lvl5pPr>
-      <a:lvl6pPr lvl="5" marR="0" rtl="0" algn="l">
+      <a:lvl6pPr marR="0" lvl="5" algn="l" rtl="0">
         <a:lnSpc>
           <a:spcPct val="100000"/>
         </a:lnSpc>
@@ -7101,7 +7309,7 @@
           <a:srgbClr val="000000"/>
         </a:buClr>
         <a:buFont typeface="Arial"/>
-        <a:defRPr b="0" i="0" sz="1400" u="none" cap="none" strike="noStrike">
+        <a:defRPr sz="1400" b="0" i="0" u="none" strike="noStrike" cap="none">
           <a:solidFill>
             <a:srgbClr val="000000"/>
           </a:solidFill>
@@ -7111,7 +7319,7 @@
           <a:sym typeface="Arial"/>
         </a:defRPr>
       </a:lvl6pPr>
-      <a:lvl7pPr lvl="6" marR="0" rtl="0" algn="l">
+      <a:lvl7pPr marR="0" lvl="6" algn="l" rtl="0">
         <a:lnSpc>
           <a:spcPct val="100000"/>
         </a:lnSpc>
@@ -7125,7 +7333,7 @@
           <a:srgbClr val="000000"/>
         </a:buClr>
         <a:buFont typeface="Arial"/>
-        <a:defRPr b="0" i="0" sz="1400" u="none" cap="none" strike="noStrike">
+        <a:defRPr sz="1400" b="0" i="0" u="none" strike="noStrike" cap="none">
           <a:solidFill>
             <a:srgbClr val="000000"/>
           </a:solidFill>
@@ -7135,7 +7343,7 @@
           <a:sym typeface="Arial"/>
         </a:defRPr>
       </a:lvl7pPr>
-      <a:lvl8pPr lvl="7" marR="0" rtl="0" algn="l">
+      <a:lvl8pPr marR="0" lvl="7" algn="l" rtl="0">
         <a:lnSpc>
           <a:spcPct val="100000"/>
         </a:lnSpc>
@@ -7149,7 +7357,7 @@
           <a:srgbClr val="000000"/>
         </a:buClr>
         <a:buFont typeface="Arial"/>
-        <a:defRPr b="0" i="0" sz="1400" u="none" cap="none" strike="noStrike">
+        <a:defRPr sz="1400" b="0" i="0" u="none" strike="noStrike" cap="none">
           <a:solidFill>
             <a:srgbClr val="000000"/>
           </a:solidFill>
@@ -7159,7 +7367,7 @@
           <a:sym typeface="Arial"/>
         </a:defRPr>
       </a:lvl8pPr>
-      <a:lvl9pPr lvl="8" marR="0" rtl="0" algn="l">
+      <a:lvl9pPr marR="0" lvl="8" algn="l" rtl="0">
         <a:lnSpc>
           <a:spcPct val="100000"/>
         </a:lnSpc>
@@ -7173,7 +7381,7 @@
           <a:srgbClr val="000000"/>
         </a:buClr>
         <a:buFont typeface="Arial"/>
-        <a:defRPr b="0" i="0" sz="1400" u="none" cap="none" strike="noStrike">
+        <a:defRPr sz="1400" b="0" i="0" u="none" strike="noStrike" cap="none">
           <a:solidFill>
             <a:srgbClr val="000000"/>
           </a:solidFill>
@@ -7189,7 +7397,7 @@
 </file>
 
 <file path=ppt/slides/slide1.xml><?xml version="1.0" encoding="utf-8"?>
-<p:sld xmlns:a="http://schemas.openxmlformats.org/drawingml/2006/main" xmlns:r="http://schemas.openxmlformats.org/officeDocument/2006/relationships" xmlns:mc="http://schemas.openxmlformats.org/markup-compatibility/2006" xmlns:mv="urn:schemas-microsoft-com:mac:vml" xmlns:p="http://schemas.openxmlformats.org/presentationml/2006/main" xmlns:c="http://schemas.openxmlformats.org/drawingml/2006/chart" xmlns:dgm="http://schemas.openxmlformats.org/drawingml/2006/diagram" xmlns:o="urn:schemas-microsoft-com:office:office" xmlns:v="urn:schemas-microsoft-com:vml" xmlns:pvml="urn:schemas-microsoft-com:office:powerpoint" xmlns:com="http://schemas.openxmlformats.org/drawingml/2006/compatibility" xmlns:p14="http://schemas.microsoft.com/office/powerpoint/2010/main" xmlns:p15="http://schemas.microsoft.com/office/powerpoint/2012/main" xmlns:ahyp="http://schemas.microsoft.com/office/drawing/2018/hyperlinkcolor">
+<p:sld xmlns:a="http://schemas.openxmlformats.org/drawingml/2006/main" xmlns:r="http://schemas.openxmlformats.org/officeDocument/2006/relationships" xmlns:p="http://schemas.openxmlformats.org/presentationml/2006/main">
   <p:cSld>
     <p:bg>
       <p:bgPr>
@@ -7201,11 +7409,12 @@
             <a:fillRect/>
           </a:stretch>
         </a:blipFill>
+        <a:effectLst/>
       </p:bgPr>
     </p:bg>
     <p:spTree>
       <p:nvGrpSpPr>
-        <p:cNvPr id="85" name="Shape 85"/>
+        <p:cNvPr id="1" name="Shape 85"/>
         <p:cNvGrpSpPr/>
         <p:nvPr/>
       </p:nvGrpSpPr>
@@ -7220,7 +7429,9 @@
       <p:sp>
         <p:nvSpPr>
           <p:cNvPr id="86" name="Google Shape;86;p13"/>
-          <p:cNvSpPr txBox="1"/>
+          <p:cNvSpPr txBox="1">
+            <a:spLocks noGrp="1"/>
+          </p:cNvSpPr>
           <p:nvPr>
             <p:ph type="ctrTitle"/>
           </p:nvPr>
@@ -7235,12 +7446,12 @@
           </a:prstGeom>
         </p:spPr>
         <p:txBody>
-          <a:bodyPr anchorCtr="0" anchor="t" bIns="91425" lIns="91425" spcFirstLastPara="1" rIns="91425" wrap="square" tIns="91425">
+          <a:bodyPr spcFirstLastPara="1" wrap="square" lIns="91425" tIns="91425" rIns="91425" bIns="91425" anchor="t" anchorCtr="0">
             <a:normAutofit/>
           </a:bodyPr>
           <a:lstStyle/>
           <a:p>
-            <a:pPr indent="0" lvl="0" marL="0" rtl="0" algn="l">
+            <a:pPr marL="0" lvl="0" indent="0" algn="l" rtl="0">
               <a:spcBef>
                 <a:spcPts val="0"/>
               </a:spcBef>
@@ -7250,19 +7461,31 @@
               <a:buNone/>
             </a:pPr>
             <a:r>
-              <a:rPr lang="en"/>
-              <a:t>Project 3</a:t>
+              <a:rPr lang="en-US" i="0" dirty="0">
+                <a:solidFill>
+                  <a:schemeClr val="bg2"/>
+                </a:solidFill>
+                <a:effectLst/>
+                <a:latin typeface="Slack-Lato"/>
+              </a:rPr>
+              <a:t>IoT in Cybersecurity</a:t>
             </a:r>
-            <a:endParaRPr/>
+            <a:endParaRPr dirty="0">
+              <a:solidFill>
+                <a:schemeClr val="bg2"/>
+              </a:solidFill>
+            </a:endParaRPr>
           </a:p>
         </p:txBody>
       </p:sp>
       <p:sp>
         <p:nvSpPr>
           <p:cNvPr id="87" name="Google Shape;87;p13"/>
-          <p:cNvSpPr txBox="1"/>
+          <p:cNvSpPr txBox="1">
+            <a:spLocks noGrp="1"/>
+          </p:cNvSpPr>
           <p:nvPr>
-            <p:ph idx="1" type="subTitle"/>
+            <p:ph type="subTitle" idx="1"/>
           </p:nvPr>
         </p:nvSpPr>
         <p:spPr>
@@ -7275,12 +7498,12 @@
           </a:prstGeom>
         </p:spPr>
         <p:txBody>
-          <a:bodyPr anchorCtr="0" anchor="t" bIns="91425" lIns="91425" spcFirstLastPara="1" rIns="91425" wrap="square" tIns="91425">
+          <a:bodyPr spcFirstLastPara="1" wrap="square" lIns="91425" tIns="91425" rIns="91425" bIns="91425" anchor="t" anchorCtr="0">
             <a:normAutofit/>
           </a:bodyPr>
           <a:lstStyle/>
           <a:p>
-            <a:pPr indent="0" lvl="0" marL="0" rtl="0" algn="l">
+            <a:pPr marL="0" lvl="0" indent="0" algn="l" rtl="0">
               <a:spcBef>
                 <a:spcPts val="0"/>
               </a:spcBef>
@@ -7290,7 +7513,7 @@
               <a:buNone/>
             </a:pPr>
             <a:r>
-              <a:rPr b="1" lang="en">
+              <a:rPr lang="en" b="1">
                 <a:solidFill>
                   <a:schemeClr val="dk2"/>
                 </a:solidFill>
@@ -7314,11 +7537,11 @@
 </file>
 
 <file path=ppt/slides/slide2.xml><?xml version="1.0" encoding="utf-8"?>
-<p:sld xmlns:a="http://schemas.openxmlformats.org/drawingml/2006/main" xmlns:r="http://schemas.openxmlformats.org/officeDocument/2006/relationships" xmlns:mc="http://schemas.openxmlformats.org/markup-compatibility/2006" xmlns:mv="urn:schemas-microsoft-com:mac:vml" xmlns:p="http://schemas.openxmlformats.org/presentationml/2006/main" xmlns:c="http://schemas.openxmlformats.org/drawingml/2006/chart" xmlns:dgm="http://schemas.openxmlformats.org/drawingml/2006/diagram" xmlns:o="urn:schemas-microsoft-com:office:office" xmlns:v="urn:schemas-microsoft-com:vml" xmlns:pvml="urn:schemas-microsoft-com:office:powerpoint" xmlns:com="http://schemas.openxmlformats.org/drawingml/2006/compatibility" xmlns:p14="http://schemas.microsoft.com/office/powerpoint/2010/main" xmlns:p15="http://schemas.microsoft.com/office/powerpoint/2012/main" xmlns:ahyp="http://schemas.microsoft.com/office/drawing/2018/hyperlinkcolor">
+<p:sld xmlns:a="http://schemas.openxmlformats.org/drawingml/2006/main" xmlns:r="http://schemas.openxmlformats.org/officeDocument/2006/relationships" xmlns:p="http://schemas.openxmlformats.org/presentationml/2006/main">
   <p:cSld>
     <p:spTree>
       <p:nvGrpSpPr>
-        <p:cNvPr id="91" name="Shape 91"/>
+        <p:cNvPr id="1" name="Shape 91"/>
         <p:cNvGrpSpPr/>
         <p:nvPr/>
       </p:nvGrpSpPr>
@@ -7333,7 +7556,9 @@
       <p:sp>
         <p:nvSpPr>
           <p:cNvPr id="92" name="Google Shape;92;p14"/>
-          <p:cNvSpPr txBox="1"/>
+          <p:cNvSpPr txBox="1">
+            <a:spLocks noGrp="1"/>
+          </p:cNvSpPr>
           <p:nvPr>
             <p:ph type="title"/>
           </p:nvPr>
@@ -7348,33 +7573,33 @@
           </a:prstGeom>
         </p:spPr>
         <p:txBody>
-          <a:bodyPr anchorCtr="0" anchor="t" bIns="91425" lIns="91425" spcFirstLastPara="1" rIns="91425" wrap="square" tIns="91425">
+          <a:bodyPr spcFirstLastPara="1" wrap="square" lIns="91425" tIns="91425" rIns="91425" bIns="91425" anchor="t" anchorCtr="0">
             <a:normAutofit fontScale="90000"/>
           </a:bodyPr>
           <a:lstStyle/>
           <a:p>
-            <a:pPr indent="0" lvl="0" marL="0" rtl="0" algn="l">
-              <a:spcBef>
-                <a:spcPts val="0"/>
-              </a:spcBef>
-              <a:spcAft>
-                <a:spcPts val="0"/>
-              </a:spcAft>
-              <a:buNone/>
-            </a:pPr>
+            <a:pPr algn="l"/>
             <a:r>
-              <a:t/>
+              <a:rPr lang="en-US" sz="2400" b="0" i="1" dirty="0">
+                <a:solidFill>
+                  <a:schemeClr val="bg2"/>
+                </a:solidFill>
+                <a:effectLst/>
+                <a:latin typeface="Slack-Lato"/>
+              </a:rPr>
+              <a:t>What is IoT?</a:t>
             </a:r>
-            <a:endParaRPr/>
           </a:p>
         </p:txBody>
       </p:sp>
       <p:sp>
         <p:nvSpPr>
           <p:cNvPr id="93" name="Google Shape;93;p14"/>
-          <p:cNvSpPr txBox="1"/>
+          <p:cNvSpPr txBox="1">
+            <a:spLocks noGrp="1"/>
+          </p:cNvSpPr>
           <p:nvPr>
-            <p:ph idx="1" type="body"/>
+            <p:ph type="body" idx="1"/>
           </p:nvPr>
         </p:nvSpPr>
         <p:spPr>
@@ -7387,24 +7612,73 @@
           </a:prstGeom>
         </p:spPr>
         <p:txBody>
-          <a:bodyPr anchorCtr="0" anchor="t" bIns="91425" lIns="91425" spcFirstLastPara="1" rIns="91425" wrap="square" tIns="91425">
+          <a:bodyPr spcFirstLastPara="1" wrap="square" lIns="91425" tIns="91425" rIns="91425" bIns="91425" anchor="t" anchorCtr="0">
             <a:normAutofit/>
           </a:bodyPr>
           <a:lstStyle/>
           <a:p>
-            <a:pPr indent="0" lvl="0" marL="0" rtl="0" algn="l">
-              <a:spcBef>
-                <a:spcPts val="0"/>
-              </a:spcBef>
-              <a:spcAft>
-                <a:spcPts val="1200"/>
-              </a:spcAft>
-              <a:buNone/>
+            <a:pPr algn="l">
+              <a:buFont typeface="Arial" panose="020B0604020202020204" pitchFamily="34" charset="0"/>
+              <a:buChar char="•"/>
             </a:pPr>
             <a:r>
-              <a:t/>
+              <a:rPr lang="en-US" sz="2800" b="0" i="0" dirty="0">
+                <a:solidFill>
+                  <a:schemeClr val="bg2"/>
+                </a:solidFill>
+                <a:effectLst/>
+                <a:latin typeface="Slack-Lato"/>
+              </a:rPr>
+              <a:t>IoT stands for the "</a:t>
             </a:r>
-            <a:endParaRPr/>
+            <a:r>
+              <a:rPr lang="en-US" sz="2800" b="1" i="0" dirty="0">
+                <a:solidFill>
+                  <a:schemeClr val="bg2"/>
+                </a:solidFill>
+                <a:effectLst/>
+                <a:latin typeface="Slack-Lato"/>
+              </a:rPr>
+              <a:t>Internet of Things</a:t>
+            </a:r>
+            <a:r>
+              <a:rPr lang="en-US" sz="2800" b="0" i="0" dirty="0">
+                <a:solidFill>
+                  <a:schemeClr val="bg2"/>
+                </a:solidFill>
+                <a:effectLst/>
+                <a:latin typeface="Slack-Lato"/>
+              </a:rPr>
+              <a:t>“.</a:t>
+            </a:r>
+          </a:p>
+          <a:p>
+            <a:pPr algn="l">
+              <a:buFont typeface="Arial" panose="020B0604020202020204" pitchFamily="34" charset="0"/>
+              <a:buChar char="•"/>
+            </a:pPr>
+            <a:r>
+              <a:rPr lang="en-US" sz="2800" b="0" i="0" dirty="0">
+                <a:solidFill>
+                  <a:schemeClr val="bg2"/>
+                </a:solidFill>
+                <a:effectLst/>
+                <a:latin typeface="Slack-Lato"/>
+              </a:rPr>
+              <a:t>It refers to the network of connected devices that communicate over the internet.</a:t>
+            </a:r>
+          </a:p>
+          <a:p>
+            <a:pPr marL="0" lvl="0" indent="0" algn="l" rtl="0">
+              <a:spcBef>
+                <a:spcPts val="0"/>
+              </a:spcBef>
+              <a:spcAft>
+                <a:spcPts val="1200"/>
+              </a:spcAft>
+              <a:buNone/>
+            </a:pPr>
+            <a:endParaRPr dirty="0"/>
           </a:p>
         </p:txBody>
       </p:sp>
@@ -7416,8 +7690,744 @@
 </p:sld>
 </file>
 
+<file path=ppt/slides/slide3.xml><?xml version="1.0" encoding="utf-8"?>
+<p:sld xmlns:a="http://schemas.openxmlformats.org/drawingml/2006/main" xmlns:r="http://schemas.openxmlformats.org/officeDocument/2006/relationships" xmlns:p="http://schemas.openxmlformats.org/presentationml/2006/main">
+  <p:cSld>
+    <p:spTree>
+      <p:nvGrpSpPr>
+        <p:cNvPr id="1" name=""/>
+        <p:cNvGrpSpPr/>
+        <p:nvPr/>
+      </p:nvGrpSpPr>
+      <p:grpSpPr>
+        <a:xfrm>
+          <a:off x="0" y="0"/>
+          <a:ext cx="0" cy="0"/>
+          <a:chOff x="0" y="0"/>
+          <a:chExt cx="0" cy="0"/>
+        </a:xfrm>
+      </p:grpSpPr>
+      <p:sp>
+        <p:nvSpPr>
+          <p:cNvPr id="2" name="Title 1">
+            <a:extLst>
+              <a:ext uri="{FF2B5EF4-FFF2-40B4-BE49-F238E27FC236}">
+                <a16:creationId xmlns:a16="http://schemas.microsoft.com/office/drawing/2014/main" id="{A6728560-4DFA-CDFA-67AD-EAF267CE43BC}"/>
+              </a:ext>
+            </a:extLst>
+          </p:cNvPr>
+          <p:cNvSpPr>
+            <a:spLocks noGrp="1"/>
+          </p:cNvSpPr>
+          <p:nvPr>
+            <p:ph type="title"/>
+          </p:nvPr>
+        </p:nvSpPr>
+        <p:spPr/>
+        <p:txBody>
+          <a:bodyPr>
+            <a:normAutofit fontScale="90000"/>
+          </a:bodyPr>
+          <a:lstStyle/>
+          <a:p>
+            <a:r>
+              <a:rPr lang="en-US" b="0" i="1" dirty="0">
+                <a:solidFill>
+                  <a:schemeClr val="bg2"/>
+                </a:solidFill>
+                <a:effectLst/>
+                <a:latin typeface="Slack-Lato"/>
+              </a:rPr>
+              <a:t>Why Does IoT Matter in Cybersecurity?</a:t>
+            </a:r>
+            <a:br>
+              <a:rPr lang="en-US" b="0" i="0" dirty="0">
+                <a:solidFill>
+                  <a:srgbClr val="D1D2D3"/>
+                </a:solidFill>
+                <a:effectLst/>
+                <a:latin typeface="Slack-Lato"/>
+              </a:rPr>
+            </a:br>
+            <a:endParaRPr lang="en-US" dirty="0"/>
+          </a:p>
+        </p:txBody>
+      </p:sp>
+      <p:sp>
+        <p:nvSpPr>
+          <p:cNvPr id="3" name="Text Placeholder 2">
+            <a:extLst>
+              <a:ext uri="{FF2B5EF4-FFF2-40B4-BE49-F238E27FC236}">
+                <a16:creationId xmlns:a16="http://schemas.microsoft.com/office/drawing/2014/main" id="{258E45DC-4A3F-C441-C06B-16465CF510A0}"/>
+              </a:ext>
+            </a:extLst>
+          </p:cNvPr>
+          <p:cNvSpPr>
+            <a:spLocks noGrp="1"/>
+          </p:cNvSpPr>
+          <p:nvPr>
+            <p:ph type="body" idx="1"/>
+          </p:nvPr>
+        </p:nvSpPr>
+        <p:spPr/>
+        <p:txBody>
+          <a:bodyPr/>
+          <a:lstStyle/>
+          <a:p>
+            <a:pPr algn="l">
+              <a:buFont typeface="Arial" panose="020B0604020202020204" pitchFamily="34" charset="0"/>
+              <a:buChar char="•"/>
+            </a:pPr>
+            <a:r>
+              <a:rPr lang="en-US" sz="1600" b="1" i="0" dirty="0">
+                <a:solidFill>
+                  <a:schemeClr val="bg2"/>
+                </a:solidFill>
+                <a:effectLst/>
+                <a:latin typeface="Slack-Lato"/>
+              </a:rPr>
+              <a:t>Large Attack Surface</a:t>
+            </a:r>
+            <a:r>
+              <a:rPr lang="en-US" sz="1600" b="0" i="0" dirty="0">
+                <a:solidFill>
+                  <a:schemeClr val="bg2"/>
+                </a:solidFill>
+                <a:effectLst/>
+                <a:latin typeface="Slack-Lato"/>
+              </a:rPr>
+              <a:t>: More connected devices mean more entry points for cyber threats.</a:t>
+            </a:r>
+          </a:p>
+          <a:p>
+            <a:pPr algn="l">
+              <a:buFont typeface="Arial" panose="020B0604020202020204" pitchFamily="34" charset="0"/>
+              <a:buChar char="•"/>
+            </a:pPr>
+            <a:r>
+              <a:rPr lang="en-US" sz="1600" b="1" i="0" dirty="0">
+                <a:solidFill>
+                  <a:schemeClr val="bg2"/>
+                </a:solidFill>
+                <a:effectLst/>
+                <a:latin typeface="Slack-Lato"/>
+              </a:rPr>
+              <a:t>Diverse Devices</a:t>
+            </a:r>
+            <a:r>
+              <a:rPr lang="en-US" sz="1600" b="0" i="0" dirty="0">
+                <a:solidFill>
+                  <a:schemeClr val="bg2"/>
+                </a:solidFill>
+                <a:effectLst/>
+                <a:latin typeface="Slack-Lato"/>
+              </a:rPr>
+              <a:t>: IoT includes a variety of devices, making it challenging to standardize security measures.</a:t>
+            </a:r>
+          </a:p>
+          <a:p>
+            <a:pPr algn="l">
+              <a:buFont typeface="Arial" panose="020B0604020202020204" pitchFamily="34" charset="0"/>
+              <a:buChar char="•"/>
+            </a:pPr>
+            <a:r>
+              <a:rPr lang="en-US" sz="1600" b="1" i="0" dirty="0">
+                <a:solidFill>
+                  <a:schemeClr val="bg2"/>
+                </a:solidFill>
+                <a:effectLst/>
+                <a:latin typeface="Slack-Lato"/>
+              </a:rPr>
+              <a:t>Limited Resources</a:t>
+            </a:r>
+            <a:r>
+              <a:rPr lang="en-US" sz="1600" b="0" i="0" dirty="0">
+                <a:solidFill>
+                  <a:schemeClr val="bg2"/>
+                </a:solidFill>
+                <a:effectLst/>
+                <a:latin typeface="Slack-Lato"/>
+              </a:rPr>
+              <a:t>: Many IoT devices have limited processing power and memory, impacting security implementation.</a:t>
+            </a:r>
+          </a:p>
+          <a:p>
+            <a:pPr algn="l">
+              <a:buFont typeface="Arial" panose="020B0604020202020204" pitchFamily="34" charset="0"/>
+              <a:buChar char="•"/>
+            </a:pPr>
+            <a:r>
+              <a:rPr lang="en-US" sz="1600" b="1" i="0" dirty="0">
+                <a:solidFill>
+                  <a:schemeClr val="bg2"/>
+                </a:solidFill>
+                <a:effectLst/>
+                <a:latin typeface="Slack-Lato"/>
+              </a:rPr>
+              <a:t>Data Privacy Concerns</a:t>
+            </a:r>
+            <a:r>
+              <a:rPr lang="en-US" sz="1600" b="0" i="0" dirty="0">
+                <a:solidFill>
+                  <a:schemeClr val="bg2"/>
+                </a:solidFill>
+                <a:effectLst/>
+                <a:latin typeface="Slack-Lato"/>
+              </a:rPr>
+              <a:t>: IoT devices collect sensitive data, raising privacy concerns.</a:t>
+            </a:r>
+          </a:p>
+          <a:p>
+            <a:endParaRPr lang="en-US" dirty="0"/>
+          </a:p>
+        </p:txBody>
+      </p:sp>
+    </p:spTree>
+    <p:extLst>
+      <p:ext uri="{BB962C8B-B14F-4D97-AF65-F5344CB8AC3E}">
+        <p14:creationId xmlns:p14="http://schemas.microsoft.com/office/powerpoint/2010/main" val="4270849327"/>
+      </p:ext>
+    </p:extLst>
+  </p:cSld>
+  <p:clrMapOvr>
+    <a:masterClrMapping/>
+  </p:clrMapOvr>
+</p:sld>
+</file>
+
+<file path=ppt/slides/slide4.xml><?xml version="1.0" encoding="utf-8"?>
+<p:sld xmlns:a="http://schemas.openxmlformats.org/drawingml/2006/main" xmlns:r="http://schemas.openxmlformats.org/officeDocument/2006/relationships" xmlns:p="http://schemas.openxmlformats.org/presentationml/2006/main">
+  <p:cSld>
+    <p:spTree>
+      <p:nvGrpSpPr>
+        <p:cNvPr id="1" name=""/>
+        <p:cNvGrpSpPr/>
+        <p:nvPr/>
+      </p:nvGrpSpPr>
+      <p:grpSpPr>
+        <a:xfrm>
+          <a:off x="0" y="0"/>
+          <a:ext cx="0" cy="0"/>
+          <a:chOff x="0" y="0"/>
+          <a:chExt cx="0" cy="0"/>
+        </a:xfrm>
+      </p:grpSpPr>
+      <p:sp>
+        <p:nvSpPr>
+          <p:cNvPr id="2" name="Title 1">
+            <a:extLst>
+              <a:ext uri="{FF2B5EF4-FFF2-40B4-BE49-F238E27FC236}">
+                <a16:creationId xmlns:a16="http://schemas.microsoft.com/office/drawing/2014/main" id="{DEFF496B-C286-79D0-89D1-53BF282912B8}"/>
+              </a:ext>
+            </a:extLst>
+          </p:cNvPr>
+          <p:cNvSpPr>
+            <a:spLocks noGrp="1"/>
+          </p:cNvSpPr>
+          <p:nvPr>
+            <p:ph type="title"/>
+          </p:nvPr>
+        </p:nvSpPr>
+        <p:spPr/>
+        <p:txBody>
+          <a:bodyPr>
+            <a:normAutofit fontScale="90000"/>
+          </a:bodyPr>
+          <a:lstStyle/>
+          <a:p>
+            <a:r>
+              <a:rPr lang="en-US" b="0" i="1" dirty="0">
+                <a:solidFill>
+                  <a:schemeClr val="bg2"/>
+                </a:solidFill>
+                <a:effectLst/>
+                <a:latin typeface="Slack-Lato"/>
+              </a:rPr>
+              <a:t>Key Cybersecurity Challenges in IoT:</a:t>
+            </a:r>
+            <a:br>
+              <a:rPr lang="en-US" b="0" i="0" dirty="0">
+                <a:solidFill>
+                  <a:srgbClr val="D1D2D3"/>
+                </a:solidFill>
+                <a:effectLst/>
+                <a:latin typeface="Slack-Lato"/>
+              </a:rPr>
+            </a:br>
+            <a:endParaRPr lang="en-US" dirty="0"/>
+          </a:p>
+        </p:txBody>
+      </p:sp>
+      <p:sp>
+        <p:nvSpPr>
+          <p:cNvPr id="3" name="Text Placeholder 2">
+            <a:extLst>
+              <a:ext uri="{FF2B5EF4-FFF2-40B4-BE49-F238E27FC236}">
+                <a16:creationId xmlns:a16="http://schemas.microsoft.com/office/drawing/2014/main" id="{F68DBC13-52DB-EF92-AEB0-51F5F5F1A515}"/>
+              </a:ext>
+            </a:extLst>
+          </p:cNvPr>
+          <p:cNvSpPr>
+            <a:spLocks noGrp="1"/>
+          </p:cNvSpPr>
+          <p:nvPr>
+            <p:ph type="body" idx="1"/>
+          </p:nvPr>
+        </p:nvSpPr>
+        <p:spPr/>
+        <p:txBody>
+          <a:bodyPr>
+            <a:normAutofit fontScale="92500"/>
+          </a:bodyPr>
+          <a:lstStyle/>
+          <a:p>
+            <a:pPr algn="l">
+              <a:buFont typeface="Arial" panose="020B0604020202020204" pitchFamily="34" charset="0"/>
+              <a:buChar char="•"/>
+            </a:pPr>
+            <a:r>
+              <a:rPr lang="en-US" sz="2200" b="1" i="0" dirty="0">
+                <a:solidFill>
+                  <a:schemeClr val="bg2"/>
+                </a:solidFill>
+                <a:effectLst/>
+                <a:latin typeface="Slack-Lato"/>
+              </a:rPr>
+              <a:t>Diversity</a:t>
+            </a:r>
+            <a:r>
+              <a:rPr lang="en-US" sz="2200" b="0" i="0" dirty="0">
+                <a:solidFill>
+                  <a:schemeClr val="bg2"/>
+                </a:solidFill>
+                <a:effectLst/>
+                <a:latin typeface="Slack-Lato"/>
+              </a:rPr>
+              <a:t>: Different types of devices with varying security measures.</a:t>
+            </a:r>
+          </a:p>
+          <a:p>
+            <a:pPr algn="l">
+              <a:buFont typeface="Arial" panose="020B0604020202020204" pitchFamily="34" charset="0"/>
+              <a:buChar char="•"/>
+            </a:pPr>
+            <a:r>
+              <a:rPr lang="en-US" sz="2200" b="1" i="0" dirty="0">
+                <a:solidFill>
+                  <a:schemeClr val="bg2"/>
+                </a:solidFill>
+                <a:effectLst/>
+                <a:latin typeface="Slack-Lato"/>
+              </a:rPr>
+              <a:t>Limited Resources</a:t>
+            </a:r>
+            <a:r>
+              <a:rPr lang="en-US" sz="2200" b="0" i="0" dirty="0">
+                <a:solidFill>
+                  <a:schemeClr val="bg2"/>
+                </a:solidFill>
+                <a:effectLst/>
+                <a:latin typeface="Slack-Lato"/>
+              </a:rPr>
+              <a:t>: Challenges in implementing robust security due to device limitations.</a:t>
+            </a:r>
+          </a:p>
+          <a:p>
+            <a:pPr algn="l">
+              <a:buFont typeface="Arial" panose="020B0604020202020204" pitchFamily="34" charset="0"/>
+              <a:buChar char="•"/>
+            </a:pPr>
+            <a:r>
+              <a:rPr lang="en-US" sz="2200" b="1" i="0" dirty="0">
+                <a:solidFill>
+                  <a:schemeClr val="bg2"/>
+                </a:solidFill>
+                <a:effectLst/>
+                <a:latin typeface="Slack-Lato"/>
+              </a:rPr>
+              <a:t>Data Privacy</a:t>
+            </a:r>
+            <a:r>
+              <a:rPr lang="en-US" sz="2200" b="0" i="0" dirty="0">
+                <a:solidFill>
+                  <a:schemeClr val="bg2"/>
+                </a:solidFill>
+                <a:effectLst/>
+                <a:latin typeface="Slack-Lato"/>
+              </a:rPr>
+              <a:t>: Concerns about the protection of collected data.</a:t>
+            </a:r>
+          </a:p>
+          <a:p>
+            <a:endParaRPr lang="en-US" dirty="0"/>
+          </a:p>
+        </p:txBody>
+      </p:sp>
+    </p:spTree>
+    <p:extLst>
+      <p:ext uri="{BB962C8B-B14F-4D97-AF65-F5344CB8AC3E}">
+        <p14:creationId xmlns:p14="http://schemas.microsoft.com/office/powerpoint/2010/main" val="1513964697"/>
+      </p:ext>
+    </p:extLst>
+  </p:cSld>
+  <p:clrMapOvr>
+    <a:masterClrMapping/>
+  </p:clrMapOvr>
+</p:sld>
+</file>
+
+<file path=ppt/slides/slide5.xml><?xml version="1.0" encoding="utf-8"?>
+<p:sld xmlns:a="http://schemas.openxmlformats.org/drawingml/2006/main" xmlns:r="http://schemas.openxmlformats.org/officeDocument/2006/relationships" xmlns:p="http://schemas.openxmlformats.org/presentationml/2006/main">
+  <p:cSld>
+    <p:spTree>
+      <p:nvGrpSpPr>
+        <p:cNvPr id="1" name=""/>
+        <p:cNvGrpSpPr/>
+        <p:nvPr/>
+      </p:nvGrpSpPr>
+      <p:grpSpPr>
+        <a:xfrm>
+          <a:off x="0" y="0"/>
+          <a:ext cx="0" cy="0"/>
+          <a:chOff x="0" y="0"/>
+          <a:chExt cx="0" cy="0"/>
+        </a:xfrm>
+      </p:grpSpPr>
+      <p:sp>
+        <p:nvSpPr>
+          <p:cNvPr id="2" name="Title 1">
+            <a:extLst>
+              <a:ext uri="{FF2B5EF4-FFF2-40B4-BE49-F238E27FC236}">
+                <a16:creationId xmlns:a16="http://schemas.microsoft.com/office/drawing/2014/main" id="{C80AC834-D00E-7F2B-06D4-DD122478A982}"/>
+              </a:ext>
+            </a:extLst>
+          </p:cNvPr>
+          <p:cNvSpPr>
+            <a:spLocks noGrp="1"/>
+          </p:cNvSpPr>
+          <p:nvPr>
+            <p:ph type="title"/>
+          </p:nvPr>
+        </p:nvSpPr>
+        <p:spPr/>
+        <p:txBody>
+          <a:bodyPr>
+            <a:normAutofit fontScale="90000"/>
+          </a:bodyPr>
+          <a:lstStyle/>
+          <a:p>
+            <a:r>
+              <a:rPr lang="en-US" b="0" i="1" dirty="0">
+                <a:solidFill>
+                  <a:schemeClr val="bg2"/>
+                </a:solidFill>
+                <a:effectLst/>
+                <a:latin typeface="Slack-Lato"/>
+              </a:rPr>
+              <a:t>How to Address IoT Cybersecurity Challenges:</a:t>
+            </a:r>
+            <a:br>
+              <a:rPr lang="en-US" b="0" i="1" dirty="0">
+                <a:solidFill>
+                  <a:schemeClr val="bg2"/>
+                </a:solidFill>
+                <a:effectLst/>
+                <a:latin typeface="Slack-Lato"/>
+              </a:rPr>
+            </a:br>
+            <a:endParaRPr lang="en-US" i="1" dirty="0">
+              <a:solidFill>
+                <a:schemeClr val="bg2"/>
+              </a:solidFill>
+            </a:endParaRPr>
+          </a:p>
+        </p:txBody>
+      </p:sp>
+      <p:sp>
+        <p:nvSpPr>
+          <p:cNvPr id="3" name="Text Placeholder 2">
+            <a:extLst>
+              <a:ext uri="{FF2B5EF4-FFF2-40B4-BE49-F238E27FC236}">
+                <a16:creationId xmlns:a16="http://schemas.microsoft.com/office/drawing/2014/main" id="{00C6E6A7-CF81-F940-7725-025E270B772C}"/>
+              </a:ext>
+            </a:extLst>
+          </p:cNvPr>
+          <p:cNvSpPr>
+            <a:spLocks noGrp="1"/>
+          </p:cNvSpPr>
+          <p:nvPr>
+            <p:ph type="body" idx="1"/>
+          </p:nvPr>
+        </p:nvSpPr>
+        <p:spPr/>
+        <p:txBody>
+          <a:bodyPr>
+            <a:normAutofit fontScale="92500"/>
+          </a:bodyPr>
+          <a:lstStyle/>
+          <a:p>
+            <a:pPr algn="l">
+              <a:buFont typeface="Arial" panose="020B0604020202020204" pitchFamily="34" charset="0"/>
+              <a:buChar char="•"/>
+            </a:pPr>
+            <a:r>
+              <a:rPr lang="en-US" sz="2100" b="1" i="0" dirty="0">
+                <a:solidFill>
+                  <a:schemeClr val="bg2"/>
+                </a:solidFill>
+                <a:effectLst/>
+                <a:latin typeface="Slack-Lato"/>
+              </a:rPr>
+              <a:t>Encryption</a:t>
+            </a:r>
+            <a:r>
+              <a:rPr lang="en-US" sz="2100" b="0" i="0" dirty="0">
+                <a:solidFill>
+                  <a:schemeClr val="bg2"/>
+                </a:solidFill>
+                <a:effectLst/>
+                <a:latin typeface="Slack-Lato"/>
+              </a:rPr>
+              <a:t>: Secure data transmission between devices and servers.</a:t>
+            </a:r>
+          </a:p>
+          <a:p>
+            <a:pPr algn="l">
+              <a:buFont typeface="Arial" panose="020B0604020202020204" pitchFamily="34" charset="0"/>
+              <a:buChar char="•"/>
+            </a:pPr>
+            <a:r>
+              <a:rPr lang="en-US" sz="2100" b="1" i="0" dirty="0">
+                <a:solidFill>
+                  <a:schemeClr val="bg2"/>
+                </a:solidFill>
+                <a:effectLst/>
+                <a:latin typeface="Slack-Lato"/>
+              </a:rPr>
+              <a:t>Authentication</a:t>
+            </a:r>
+            <a:r>
+              <a:rPr lang="en-US" sz="2100" b="0" i="0" dirty="0">
+                <a:solidFill>
+                  <a:schemeClr val="bg2"/>
+                </a:solidFill>
+                <a:effectLst/>
+                <a:latin typeface="Slack-Lato"/>
+              </a:rPr>
+              <a:t>: Strong verification of device and user identities.</a:t>
+            </a:r>
+          </a:p>
+          <a:p>
+            <a:pPr algn="l">
+              <a:buFont typeface="Arial" panose="020B0604020202020204" pitchFamily="34" charset="0"/>
+              <a:buChar char="•"/>
+            </a:pPr>
+            <a:r>
+              <a:rPr lang="en-US" sz="2100" b="1" i="0" dirty="0">
+                <a:solidFill>
+                  <a:schemeClr val="bg2"/>
+                </a:solidFill>
+                <a:effectLst/>
+                <a:latin typeface="Slack-Lato"/>
+              </a:rPr>
+              <a:t>Regular Updates</a:t>
+            </a:r>
+            <a:r>
+              <a:rPr lang="en-US" sz="2100" b="0" i="0" dirty="0">
+                <a:solidFill>
+                  <a:schemeClr val="bg2"/>
+                </a:solidFill>
+                <a:effectLst/>
+                <a:latin typeface="Slack-Lato"/>
+              </a:rPr>
+              <a:t>: Keep software and firmware up-to-date.</a:t>
+            </a:r>
+          </a:p>
+          <a:p>
+            <a:pPr algn="l">
+              <a:buFont typeface="Arial" panose="020B0604020202020204" pitchFamily="34" charset="0"/>
+              <a:buChar char="•"/>
+            </a:pPr>
+            <a:r>
+              <a:rPr lang="en-US" sz="2100" b="1" i="0" dirty="0">
+                <a:solidFill>
+                  <a:schemeClr val="bg2"/>
+                </a:solidFill>
+                <a:effectLst/>
+                <a:latin typeface="Slack-Lato"/>
+              </a:rPr>
+              <a:t>Network Security</a:t>
+            </a:r>
+            <a:r>
+              <a:rPr lang="en-US" sz="2100" b="0" i="0" dirty="0">
+                <a:solidFill>
+                  <a:schemeClr val="bg2"/>
+                </a:solidFill>
+                <a:effectLst/>
+                <a:latin typeface="Slack-Lato"/>
+              </a:rPr>
+              <a:t>: Implement firewalls and network segmentation.</a:t>
+            </a:r>
+          </a:p>
+          <a:p>
+            <a:pPr algn="l">
+              <a:buFont typeface="Arial" panose="020B0604020202020204" pitchFamily="34" charset="0"/>
+              <a:buChar char="•"/>
+            </a:pPr>
+            <a:r>
+              <a:rPr lang="en-US" sz="2100" b="1" i="0" dirty="0">
+                <a:solidFill>
+                  <a:schemeClr val="bg2"/>
+                </a:solidFill>
+                <a:effectLst/>
+                <a:latin typeface="Slack-Lato"/>
+              </a:rPr>
+              <a:t>Monitoring</a:t>
+            </a:r>
+            <a:r>
+              <a:rPr lang="en-US" sz="2100" b="0" i="0" dirty="0">
+                <a:solidFill>
+                  <a:schemeClr val="bg2"/>
+                </a:solidFill>
+                <a:effectLst/>
+                <a:latin typeface="Slack-Lato"/>
+              </a:rPr>
+              <a:t>: Detect unusual activities and respond promptly.</a:t>
+            </a:r>
+          </a:p>
+          <a:p>
+            <a:endParaRPr lang="en-US" dirty="0"/>
+          </a:p>
+        </p:txBody>
+      </p:sp>
+    </p:spTree>
+    <p:extLst>
+      <p:ext uri="{BB962C8B-B14F-4D97-AF65-F5344CB8AC3E}">
+        <p14:creationId xmlns:p14="http://schemas.microsoft.com/office/powerpoint/2010/main" val="2154016433"/>
+      </p:ext>
+    </p:extLst>
+  </p:cSld>
+  <p:clrMapOvr>
+    <a:masterClrMapping/>
+  </p:clrMapOvr>
+</p:sld>
+</file>
+
+<file path=ppt/slides/slide6.xml><?xml version="1.0" encoding="utf-8"?>
+<p:sld xmlns:a="http://schemas.openxmlformats.org/drawingml/2006/main" xmlns:r="http://schemas.openxmlformats.org/officeDocument/2006/relationships" xmlns:p="http://schemas.openxmlformats.org/presentationml/2006/main">
+  <p:cSld>
+    <p:spTree>
+      <p:nvGrpSpPr>
+        <p:cNvPr id="1" name=""/>
+        <p:cNvGrpSpPr/>
+        <p:nvPr/>
+      </p:nvGrpSpPr>
+      <p:grpSpPr>
+        <a:xfrm>
+          <a:off x="0" y="0"/>
+          <a:ext cx="0" cy="0"/>
+          <a:chOff x="0" y="0"/>
+          <a:chExt cx="0" cy="0"/>
+        </a:xfrm>
+      </p:grpSpPr>
+      <p:sp>
+        <p:nvSpPr>
+          <p:cNvPr id="2" name="Title 1">
+            <a:extLst>
+              <a:ext uri="{FF2B5EF4-FFF2-40B4-BE49-F238E27FC236}">
+                <a16:creationId xmlns:a16="http://schemas.microsoft.com/office/drawing/2014/main" id="{F5F48DB4-3360-2D99-E880-A8B494AF1A86}"/>
+              </a:ext>
+            </a:extLst>
+          </p:cNvPr>
+          <p:cNvSpPr>
+            <a:spLocks noGrp="1"/>
+          </p:cNvSpPr>
+          <p:nvPr>
+            <p:ph type="title"/>
+          </p:nvPr>
+        </p:nvSpPr>
+        <p:spPr/>
+        <p:txBody>
+          <a:bodyPr>
+            <a:normAutofit fontScale="90000"/>
+          </a:bodyPr>
+          <a:lstStyle/>
+          <a:p>
+            <a:r>
+              <a:rPr lang="en-US" b="0" i="1" dirty="0">
+                <a:solidFill>
+                  <a:schemeClr val="bg2"/>
+                </a:solidFill>
+                <a:effectLst/>
+                <a:latin typeface="Slack-Lato"/>
+              </a:rPr>
+              <a:t>Conclusion:</a:t>
+            </a:r>
+            <a:br>
+              <a:rPr lang="en-US" b="0" i="0" dirty="0">
+                <a:solidFill>
+                  <a:srgbClr val="D1D2D3"/>
+                </a:solidFill>
+                <a:effectLst/>
+                <a:latin typeface="Slack-Lato"/>
+              </a:rPr>
+            </a:br>
+            <a:endParaRPr lang="en-US" dirty="0"/>
+          </a:p>
+        </p:txBody>
+      </p:sp>
+      <p:sp>
+        <p:nvSpPr>
+          <p:cNvPr id="3" name="Text Placeholder 2">
+            <a:extLst>
+              <a:ext uri="{FF2B5EF4-FFF2-40B4-BE49-F238E27FC236}">
+                <a16:creationId xmlns:a16="http://schemas.microsoft.com/office/drawing/2014/main" id="{235FA3CB-C376-EBCF-148A-AC134BCAE1CC}"/>
+              </a:ext>
+            </a:extLst>
+          </p:cNvPr>
+          <p:cNvSpPr>
+            <a:spLocks noGrp="1"/>
+          </p:cNvSpPr>
+          <p:nvPr>
+            <p:ph type="body" idx="1"/>
+          </p:nvPr>
+        </p:nvSpPr>
+        <p:spPr/>
+        <p:txBody>
+          <a:bodyPr/>
+          <a:lstStyle/>
+          <a:p>
+            <a:r>
+              <a:rPr lang="en-US" sz="2800" b="0" i="0" dirty="0">
+                <a:solidFill>
+                  <a:schemeClr val="bg2"/>
+                </a:solidFill>
+                <a:effectLst/>
+                <a:latin typeface="Slack-Lato"/>
+              </a:rPr>
+              <a:t>As IoT grows, ensuring the security of connected devices is crucial to protect against cyber threats and safeguard user privacy.</a:t>
+            </a:r>
+          </a:p>
+          <a:p>
+            <a:endParaRPr lang="en-US" dirty="0"/>
+          </a:p>
+        </p:txBody>
+      </p:sp>
+    </p:spTree>
+    <p:extLst>
+      <p:ext uri="{BB962C8B-B14F-4D97-AF65-F5344CB8AC3E}">
+        <p14:creationId xmlns:p14="http://schemas.microsoft.com/office/powerpoint/2010/main" val="1700244137"/>
+      </p:ext>
+    </p:extLst>
+  </p:cSld>
+  <p:clrMapOvr>
+    <a:masterClrMapping/>
+  </p:clrMapOvr>
+</p:sld>
+</file>
+
 <file path=ppt/theme/theme1.xml><?xml version="1.0" encoding="utf-8"?>
-<a:theme xmlns:a="http://schemas.openxmlformats.org/drawingml/2006/main" xmlns:r="http://schemas.openxmlformats.org/officeDocument/2006/relationships" name="Streamline">
+<a:theme xmlns:a="http://schemas.openxmlformats.org/drawingml/2006/main" name="Streamline">
   <a:themeElements>
     <a:clrScheme name="Streamline">
       <a:dk1>
@@ -7692,11 +8702,13 @@
       </a:bgFillStyleLst>
     </a:fmtScheme>
   </a:themeElements>
+  <a:objectDefaults/>
+  <a:extraClrSchemeLst/>
 </a:theme>
 </file>
 
 <file path=ppt/theme/theme2.xml><?xml version="1.0" encoding="utf-8"?>
-<a:theme xmlns:a="http://schemas.openxmlformats.org/drawingml/2006/main" xmlns:r="http://schemas.openxmlformats.org/officeDocument/2006/relationships">
+<a:theme xmlns:a="http://schemas.openxmlformats.org/drawingml/2006/main">
   <a:themeElements>
     <a:clrScheme name="Default">
       <a:dk1>
@@ -7971,5 +8983,7 @@
       </a:bgFillStyleLst>
     </a:fmtScheme>
   </a:themeElements>
+  <a:objectDefaults/>
+  <a:extraClrSchemeLst/>
 </a:theme>
 </file>